--- a/SpaceInvaders/Documents/SpaceInvaders.pptx
+++ b/SpaceInvaders/Documents/SpaceInvaders.pptx
@@ -5,35 +5,38 @@
     <p:sldMasterId id="2147484120" r:id="rId1"/>
   </p:sldMasterIdLst>
   <p:notesMasterIdLst>
-    <p:notesMasterId r:id="rId25"/>
+    <p:notesMasterId r:id="rId28"/>
   </p:notesMasterIdLst>
   <p:handoutMasterIdLst>
-    <p:handoutMasterId r:id="rId26"/>
+    <p:handoutMasterId r:id="rId29"/>
   </p:handoutMasterIdLst>
   <p:sldIdLst>
-    <p:sldId id="256" r:id="rId2"/>
+    <p:sldId id="280" r:id="rId2"/>
     <p:sldId id="260" r:id="rId3"/>
     <p:sldId id="261" r:id="rId4"/>
-    <p:sldId id="267" r:id="rId5"/>
-    <p:sldId id="275" r:id="rId6"/>
-    <p:sldId id="262" r:id="rId7"/>
-    <p:sldId id="273" r:id="rId8"/>
-    <p:sldId id="274" r:id="rId9"/>
-    <p:sldId id="263" r:id="rId10"/>
-    <p:sldId id="259" r:id="rId11"/>
-    <p:sldId id="277" r:id="rId12"/>
-    <p:sldId id="278" r:id="rId13"/>
-    <p:sldId id="264" r:id="rId14"/>
-    <p:sldId id="268" r:id="rId15"/>
-    <p:sldId id="265" r:id="rId16"/>
-    <p:sldId id="271" r:id="rId17"/>
-    <p:sldId id="266" r:id="rId18"/>
-    <p:sldId id="276" r:id="rId19"/>
-    <p:sldId id="269" r:id="rId20"/>
-    <p:sldId id="270" r:id="rId21"/>
-    <p:sldId id="272" r:id="rId22"/>
-    <p:sldId id="280" r:id="rId23"/>
-    <p:sldId id="279" r:id="rId24"/>
+    <p:sldId id="281" r:id="rId5"/>
+    <p:sldId id="282" r:id="rId6"/>
+    <p:sldId id="283" r:id="rId7"/>
+    <p:sldId id="262" r:id="rId8"/>
+    <p:sldId id="284" r:id="rId9"/>
+    <p:sldId id="285" r:id="rId10"/>
+    <p:sldId id="286" r:id="rId11"/>
+    <p:sldId id="287" r:id="rId12"/>
+    <p:sldId id="288" r:id="rId13"/>
+    <p:sldId id="289" r:id="rId14"/>
+    <p:sldId id="263" r:id="rId15"/>
+    <p:sldId id="268" r:id="rId16"/>
+    <p:sldId id="264" r:id="rId17"/>
+    <p:sldId id="259" r:id="rId18"/>
+    <p:sldId id="278" r:id="rId19"/>
+    <p:sldId id="277" r:id="rId20"/>
+    <p:sldId id="265" r:id="rId21"/>
+    <p:sldId id="271" r:id="rId22"/>
+    <p:sldId id="266" r:id="rId23"/>
+    <p:sldId id="276" r:id="rId24"/>
+    <p:sldId id="269" r:id="rId25"/>
+    <p:sldId id="270" r:id="rId26"/>
+    <p:sldId id="279" r:id="rId27"/>
   </p:sldIdLst>
   <p:sldSz cx="9144000" cy="5143500" type="screen16x9"/>
   <p:notesSz cx="6858000" cy="9144000"/>
@@ -1190,6 +1193,96 @@
 </p:notes>
 </file>
 
+<file path=ppt/notesSlides/notesSlide2.xml><?xml version="1.0" encoding="utf-8"?>
+<p:notes xmlns:a="http://schemas.openxmlformats.org/drawingml/2006/main" xmlns:r="http://schemas.openxmlformats.org/officeDocument/2006/relationships" xmlns:p="http://schemas.openxmlformats.org/presentationml/2006/main">
+  <p:cSld>
+    <p:spTree>
+      <p:nvGrpSpPr>
+        <p:cNvPr id="1" name=""/>
+        <p:cNvGrpSpPr/>
+        <p:nvPr/>
+      </p:nvGrpSpPr>
+      <p:grpSpPr>
+        <a:xfrm>
+          <a:off x="0" y="0"/>
+          <a:ext cx="0" cy="0"/>
+          <a:chOff x="0" y="0"/>
+          <a:chExt cx="0" cy="0"/>
+        </a:xfrm>
+      </p:grpSpPr>
+      <p:sp>
+        <p:nvSpPr>
+          <p:cNvPr id="2" name="Folienbildplatzhalter 1"/>
+          <p:cNvSpPr>
+            <a:spLocks noGrp="1" noRot="1" noChangeAspect="1"/>
+          </p:cNvSpPr>
+          <p:nvPr>
+            <p:ph type="sldImg"/>
+          </p:nvPr>
+        </p:nvSpPr>
+        <p:spPr/>
+      </p:sp>
+      <p:sp>
+        <p:nvSpPr>
+          <p:cNvPr id="3" name="Notizenplatzhalter 2"/>
+          <p:cNvSpPr>
+            <a:spLocks noGrp="1"/>
+          </p:cNvSpPr>
+          <p:nvPr>
+            <p:ph type="body" idx="1"/>
+          </p:nvPr>
+        </p:nvSpPr>
+        <p:spPr/>
+        <p:txBody>
+          <a:bodyPr/>
+          <a:lstStyle/>
+          <a:p>
+            <a:endParaRPr lang="en-US" dirty="0"/>
+          </a:p>
+        </p:txBody>
+      </p:sp>
+      <p:sp>
+        <p:nvSpPr>
+          <p:cNvPr id="4" name="Foliennummernplatzhalter 3"/>
+          <p:cNvSpPr>
+            <a:spLocks noGrp="1"/>
+          </p:cNvSpPr>
+          <p:nvPr>
+            <p:ph type="sldNum" sz="quarter" idx="10"/>
+          </p:nvPr>
+        </p:nvSpPr>
+        <p:spPr/>
+        <p:txBody>
+          <a:bodyPr/>
+          <a:lstStyle/>
+          <a:p>
+            <a:pPr>
+              <a:defRPr/>
+            </a:pPr>
+            <a:fld id="{8D01CBF1-EBB0-4DB1-AA6F-3D8DFE3EF121}" type="slidenum">
+              <a:rPr lang="en-US" smtClean="0"/>
+              <a:pPr>
+                <a:defRPr/>
+              </a:pPr>
+              <a:t>4</a:t>
+            </a:fld>
+            <a:endParaRPr lang="en-US"/>
+          </a:p>
+        </p:txBody>
+      </p:sp>
+    </p:spTree>
+    <p:extLst>
+      <p:ext uri="{BB962C8B-B14F-4D97-AF65-F5344CB8AC3E}">
+        <p14:creationId xmlns:p14="http://schemas.microsoft.com/office/powerpoint/2010/main" val="1300626992"/>
+      </p:ext>
+    </p:extLst>
+  </p:cSld>
+  <p:clrMapOvr>
+    <a:masterClrMapping/>
+  </p:clrMapOvr>
+</p:notes>
+</file>
+
 <file path=ppt/slideLayouts/slideLayout1.xml><?xml version="1.0" encoding="utf-8"?>
 <p:sldLayout xmlns:a="http://schemas.openxmlformats.org/drawingml/2006/main" xmlns:r="http://schemas.openxmlformats.org/officeDocument/2006/relationships" xmlns:p="http://schemas.openxmlformats.org/presentationml/2006/main" showMasterSp="0" preserve="1" userDrawn="1">
   <p:cSld name="Title Slide text only">
@@ -3625,7 +3718,7 @@
           <a:graphicData uri="http://schemas.openxmlformats.org/presentationml/2006/ole">
             <mc:AlternateContent xmlns:mc="http://schemas.openxmlformats.org/markup-compatibility/2006">
               <mc:Choice xmlns:v="urn:schemas-microsoft-com:vml" Requires="v">
-                <p:oleObj spid="_x0000_s1036" name="think-cell Slide" r:id="rId5" imgW="270" imgH="270" progId="TCLayout.ActiveDocument.1">
+                <p:oleObj spid="_x0000_s1048" name="think-cell Slide" r:id="rId5" imgW="270" imgH="270" progId="TCLayout.ActiveDocument.1">
                   <p:embed/>
                 </p:oleObj>
               </mc:Choice>
@@ -5365,54 +5458,94 @@
       </p:grpSpPr>
       <p:sp>
         <p:nvSpPr>
-          <p:cNvPr id="2" name="Title 1"/>
-          <p:cNvSpPr>
-            <a:spLocks noGrp="1"/>
-          </p:cNvSpPr>
-          <p:nvPr>
-            <p:ph type="ctrTitle"/>
-          </p:nvPr>
+          <p:cNvPr id="2" name="Rectangle 1"/>
+          <p:cNvSpPr/>
+          <p:nvPr/>
         </p:nvSpPr>
-        <p:spPr/>
+        <p:spPr>
+          <a:xfrm>
+            <a:off x="204716" y="2197899"/>
+            <a:ext cx="8925636" cy="340585"/>
+          </a:xfrm>
+          <a:prstGeom prst="rect">
+            <a:avLst/>
+          </a:prstGeom>
+          <a:ln>
+            <a:solidFill>
+              <a:srgbClr val="0066A1"/>
+            </a:solidFill>
+          </a:ln>
+        </p:spPr>
+        <p:style>
+          <a:lnRef idx="2">
+            <a:schemeClr val="accent1">
+              <a:shade val="50000"/>
+            </a:schemeClr>
+          </a:lnRef>
+          <a:fillRef idx="1">
+            <a:schemeClr val="accent1"/>
+          </a:fillRef>
+          <a:effectRef idx="0">
+            <a:schemeClr val="accent1"/>
+          </a:effectRef>
+          <a:fontRef idx="minor">
+            <a:schemeClr val="lt1"/>
+          </a:fontRef>
+        </p:style>
         <p:txBody>
-          <a:bodyPr/>
+          <a:bodyPr rtlCol="0" anchor="ctr"/>
           <a:lstStyle/>
           <a:p>
-            <a:r>
-              <a:rPr lang="de-CH" dirty="0" smtClean="0"/>
-              <a:t>Space </a:t>
-            </a:r>
-            <a:r>
-              <a:rPr lang="de-CH" dirty="0" err="1" smtClean="0"/>
-              <a:t>Invaders</a:t>
-            </a:r>
-            <a:endParaRPr lang="de-CH" dirty="0"/>
+            <a:pPr algn="ctr"/>
+            <a:endParaRPr lang="en-US"/>
           </a:p>
         </p:txBody>
       </p:sp>
-      <p:sp>
-        <p:nvSpPr>
-          <p:cNvPr id="3" name="Subtitle 2"/>
-          <p:cNvSpPr>
-            <a:spLocks noGrp="1"/>
-          </p:cNvSpPr>
-          <p:nvPr>
-            <p:ph type="subTitle" idx="1"/>
-          </p:nvPr>
-        </p:nvSpPr>
-        <p:spPr/>
-        <p:txBody>
-          <a:bodyPr/>
-          <a:lstStyle/>
-          <a:p>
-            <a:endParaRPr lang="de-CH" dirty="0"/>
-          </a:p>
-        </p:txBody>
-      </p:sp>
+      <p:pic>
+        <p:nvPicPr>
+          <p:cNvPr id="3076" name="Picture 4" descr="https://upload.wikimedia.org/wikipedia/commons/thumb/1/18/Space_invaders_logo.svg/1280px-Space_invaders_logo.svg.png"/>
+          <p:cNvPicPr>
+            <a:picLocks noChangeAspect="1" noChangeArrowheads="1"/>
+          </p:cNvPicPr>
+          <p:nvPr/>
+        </p:nvPicPr>
+        <p:blipFill>
+          <a:blip r:embed="rId2" cstate="print">
+            <a:extLst>
+              <a:ext uri="{28A0092B-C50C-407E-A947-70E740481C1C}">
+                <a14:useLocalDpi xmlns:a14="http://schemas.microsoft.com/office/drawing/2010/main" val="0"/>
+              </a:ext>
+            </a:extLst>
+          </a:blip>
+          <a:srcRect/>
+          <a:stretch>
+            <a:fillRect/>
+          </a:stretch>
+        </p:blipFill>
+        <p:spPr bwMode="auto">
+          <a:xfrm>
+            <a:off x="2075407" y="1153602"/>
+            <a:ext cx="4978400" cy="2088595"/>
+          </a:xfrm>
+          <a:prstGeom prst="rect">
+            <a:avLst/>
+          </a:prstGeom>
+          <a:noFill/>
+          <a:extLst>
+            <a:ext uri="{909E8E84-426E-40DD-AFC4-6F175D3DCCD1}">
+              <a14:hiddenFill xmlns:a14="http://schemas.microsoft.com/office/drawing/2010/main">
+                <a:solidFill>
+                  <a:srgbClr val="FFFFFF"/>
+                </a:solidFill>
+              </a14:hiddenFill>
+            </a:ext>
+          </a:extLst>
+        </p:spPr>
+      </p:pic>
     </p:spTree>
     <p:extLst>
       <p:ext uri="{BB962C8B-B14F-4D97-AF65-F5344CB8AC3E}">
-        <p14:creationId xmlns:p14="http://schemas.microsoft.com/office/powerpoint/2010/main" val="2092849593"/>
+        <p14:creationId xmlns:p14="http://schemas.microsoft.com/office/powerpoint/2010/main" val="3403289924"/>
       </p:ext>
     </p:extLst>
   </p:cSld>
@@ -5456,39 +5589,54 @@
             <p:ph idx="1"/>
           </p:nvPr>
         </p:nvSpPr>
-        <p:spPr>
-          <a:xfrm>
-            <a:off x="1397198" y="3073254"/>
-            <a:ext cx="1905206" cy="1348138"/>
-          </a:xfrm>
-        </p:spPr>
+        <p:spPr/>
         <p:txBody>
           <a:bodyPr/>
           <a:lstStyle/>
           <a:p>
+            <a:pPr marL="0" indent="0">
+              <a:buNone/>
+            </a:pPr>
+            <a:r>
+              <a:rPr lang="de-CH" sz="1800" b="1" dirty="0" smtClean="0"/>
+              <a:t>UI-Logic</a:t>
+            </a:r>
+          </a:p>
+          <a:p>
             <a:r>
               <a:rPr lang="de-CH" dirty="0" smtClean="0"/>
-              <a:t>Toshiki</a:t>
+              <a:t>Pfeiltaste Links wird gedrückt</a:t>
             </a:r>
           </a:p>
           <a:p>
             <a:r>
               <a:rPr lang="de-CH" dirty="0" smtClean="0"/>
-              <a:t>Marc</a:t>
+              <a:t>Pfeiltaste Rechts wird gedrückt</a:t>
             </a:r>
           </a:p>
           <a:p>
             <a:r>
               <a:rPr lang="de-CH" dirty="0" smtClean="0"/>
-              <a:t>Angel</a:t>
+              <a:t>Leertaste wird gedrückt</a:t>
             </a:r>
           </a:p>
           <a:p>
             <a:r>
               <a:rPr lang="de-CH" dirty="0" smtClean="0"/>
-              <a:t>Dennis</a:t>
-            </a:r>
-            <a:endParaRPr lang="de-CH" dirty="0"/>
+              <a:t>Taste «Esc» gedrückt</a:t>
+            </a:r>
+          </a:p>
+          <a:p>
+            <a:r>
+              <a:rPr lang="de-CH" dirty="0" smtClean="0"/>
+              <a:t>Mausklick auf Exit-Button</a:t>
+            </a:r>
+          </a:p>
+          <a:p>
+            <a:r>
+              <a:rPr lang="de-CH" dirty="0" smtClean="0"/>
+              <a:t>Mausklick auf New Game Button</a:t>
+            </a:r>
           </a:p>
         </p:txBody>
       </p:sp>
@@ -5540,297 +5688,21 @@
           <a:lstStyle/>
           <a:p>
             <a:r>
+              <a:rPr lang="de-CH" dirty="0" err="1" smtClean="0"/>
+              <a:t>Use</a:t>
+            </a:r>
+            <a:r>
               <a:rPr lang="de-CH" dirty="0" smtClean="0"/>
-              <a:t>Gruppenaufteilung</a:t>
-            </a:r>
-            <a:endParaRPr lang="de-CH" dirty="0"/>
+              <a:t>-Cases</a:t>
+            </a:r>
+            <a:endParaRPr lang="en-US" dirty="0"/>
           </a:p>
         </p:txBody>
       </p:sp>
-      <p:sp>
-        <p:nvSpPr>
-          <p:cNvPr id="5" name="Content Placeholder 1"/>
-          <p:cNvSpPr txBox="1">
-            <a:spLocks/>
-          </p:cNvSpPr>
-          <p:nvPr/>
-        </p:nvSpPr>
-        <p:spPr>
-          <a:xfrm>
-            <a:off x="5161479" y="2996940"/>
-            <a:ext cx="1905206" cy="912120"/>
-          </a:xfrm>
-          <a:prstGeom prst="rect">
-            <a:avLst/>
-          </a:prstGeom>
-        </p:spPr>
-        <p:txBody>
-          <a:bodyPr vert="horz" lIns="91440" tIns="45720" rIns="91440" bIns="45720" rtlCol="0">
-            <a:noAutofit/>
-          </a:bodyPr>
-          <a:lstStyle>
-            <a:lvl1pPr marL="270000" indent="-270000" algn="l" defTabSz="914400" rtl="0" eaLnBrk="1" latinLnBrk="0" hangingPunct="1">
-              <a:spcBef>
-                <a:spcPct val="20000"/>
-              </a:spcBef>
-              <a:buClr>
-                <a:schemeClr val="tx2"/>
-              </a:buClr>
-              <a:buFont typeface="Lucida Sans Unicode" pitchFamily="34" charset="0"/>
-              <a:buChar char="▶"/>
-              <a:defRPr sz="1600" kern="1200" baseline="0">
-                <a:solidFill>
-                  <a:schemeClr val="tx1"/>
-                </a:solidFill>
-                <a:latin typeface="Verdana" pitchFamily="34" charset="0"/>
-                <a:ea typeface="Verdana" pitchFamily="34" charset="0"/>
-                <a:cs typeface="Verdana" pitchFamily="34" charset="0"/>
-              </a:defRPr>
-            </a:lvl1pPr>
-            <a:lvl2pPr marL="540000" indent="-270000" algn="l" defTabSz="914400" rtl="0" eaLnBrk="1" latinLnBrk="0" hangingPunct="1">
-              <a:spcBef>
-                <a:spcPts val="384"/>
-              </a:spcBef>
-              <a:buClr>
-                <a:schemeClr val="tx2"/>
-              </a:buClr>
-              <a:buFont typeface="Arial" pitchFamily="34" charset="0"/>
-              <a:buChar char="–"/>
-              <a:defRPr sz="1600" kern="1200" baseline="0">
-                <a:solidFill>
-                  <a:schemeClr val="tx1"/>
-                </a:solidFill>
-                <a:latin typeface="Verdana" pitchFamily="34" charset="0"/>
-                <a:ea typeface="Verdana" pitchFamily="34" charset="0"/>
-                <a:cs typeface="Verdana" pitchFamily="34" charset="0"/>
-              </a:defRPr>
-            </a:lvl2pPr>
-            <a:lvl3pPr marL="810000" indent="-270000" algn="l" defTabSz="914400" rtl="0" eaLnBrk="1" latinLnBrk="0" hangingPunct="1">
-              <a:spcBef>
-                <a:spcPct val="20000"/>
-              </a:spcBef>
-              <a:buClr>
-                <a:schemeClr val="tx2"/>
-              </a:buClr>
-              <a:buFont typeface="Arial" pitchFamily="34" charset="0"/>
-              <a:buChar char="•"/>
-              <a:defRPr sz="1600" kern="1200">
-                <a:solidFill>
-                  <a:schemeClr val="tx1"/>
-                </a:solidFill>
-                <a:latin typeface="Verdana" pitchFamily="34" charset="0"/>
-                <a:ea typeface="Verdana" pitchFamily="34" charset="0"/>
-                <a:cs typeface="Verdana" pitchFamily="34" charset="0"/>
-              </a:defRPr>
-            </a:lvl3pPr>
-            <a:lvl4pPr marL="1080000" indent="-270000" algn="l" defTabSz="914400" rtl="0" eaLnBrk="1" latinLnBrk="0" hangingPunct="1">
-              <a:spcBef>
-                <a:spcPct val="20000"/>
-              </a:spcBef>
-              <a:buClr>
-                <a:schemeClr val="tx2"/>
-              </a:buClr>
-              <a:buFont typeface="Arial" pitchFamily="34" charset="0"/>
-              <a:buChar char="–"/>
-              <a:defRPr sz="1600" kern="1200" baseline="0">
-                <a:solidFill>
-                  <a:schemeClr val="tx1"/>
-                </a:solidFill>
-                <a:latin typeface="Verdana" pitchFamily="34" charset="0"/>
-                <a:ea typeface="Verdana" pitchFamily="34" charset="0"/>
-                <a:cs typeface="Verdana" pitchFamily="34" charset="0"/>
-              </a:defRPr>
-            </a:lvl4pPr>
-            <a:lvl5pPr marL="1350000" indent="-270000" algn="l" defTabSz="914400" rtl="0" eaLnBrk="1" latinLnBrk="0" hangingPunct="1">
-              <a:spcBef>
-                <a:spcPct val="20000"/>
-              </a:spcBef>
-              <a:buClr>
-                <a:schemeClr val="tx2"/>
-              </a:buClr>
-              <a:buFont typeface="Arial" pitchFamily="34" charset="0"/>
-              <a:buChar char="»"/>
-              <a:defRPr sz="1600" kern="1200">
-                <a:solidFill>
-                  <a:schemeClr val="tx1"/>
-                </a:solidFill>
-                <a:latin typeface="Verdana" pitchFamily="34" charset="0"/>
-                <a:ea typeface="Verdana" pitchFamily="34" charset="0"/>
-                <a:cs typeface="Verdana" pitchFamily="34" charset="0"/>
-              </a:defRPr>
-            </a:lvl5pPr>
-            <a:lvl6pPr marL="2514600" indent="-228600" algn="l" defTabSz="914400" rtl="0" eaLnBrk="1" latinLnBrk="0" hangingPunct="1">
-              <a:spcBef>
-                <a:spcPct val="20000"/>
-              </a:spcBef>
-              <a:buFont typeface="Arial" pitchFamily="34" charset="0"/>
-              <a:buChar char="•"/>
-              <a:defRPr sz="2000" kern="1200">
-                <a:solidFill>
-                  <a:schemeClr val="tx1"/>
-                </a:solidFill>
-                <a:latin typeface="+mn-lt"/>
-                <a:ea typeface="+mn-ea"/>
-                <a:cs typeface="+mn-cs"/>
-              </a:defRPr>
-            </a:lvl6pPr>
-            <a:lvl7pPr marL="2971800" indent="-228600" algn="l" defTabSz="914400" rtl="0" eaLnBrk="1" latinLnBrk="0" hangingPunct="1">
-              <a:spcBef>
-                <a:spcPct val="20000"/>
-              </a:spcBef>
-              <a:buFont typeface="Arial" pitchFamily="34" charset="0"/>
-              <a:buChar char="•"/>
-              <a:defRPr sz="2000" kern="1200">
-                <a:solidFill>
-                  <a:schemeClr val="tx1"/>
-                </a:solidFill>
-                <a:latin typeface="+mn-lt"/>
-                <a:ea typeface="+mn-ea"/>
-                <a:cs typeface="+mn-cs"/>
-              </a:defRPr>
-            </a:lvl7pPr>
-            <a:lvl8pPr marL="3429000" indent="-228600" algn="l" defTabSz="914400" rtl="0" eaLnBrk="1" latinLnBrk="0" hangingPunct="1">
-              <a:spcBef>
-                <a:spcPct val="20000"/>
-              </a:spcBef>
-              <a:buFont typeface="Arial" pitchFamily="34" charset="0"/>
-              <a:buChar char="•"/>
-              <a:defRPr sz="2000" kern="1200">
-                <a:solidFill>
-                  <a:schemeClr val="tx1"/>
-                </a:solidFill>
-                <a:latin typeface="+mn-lt"/>
-                <a:ea typeface="+mn-ea"/>
-                <a:cs typeface="+mn-cs"/>
-              </a:defRPr>
-            </a:lvl8pPr>
-            <a:lvl9pPr marL="3886200" indent="-228600" algn="l" defTabSz="914400" rtl="0" eaLnBrk="1" latinLnBrk="0" hangingPunct="1">
-              <a:spcBef>
-                <a:spcPct val="20000"/>
-              </a:spcBef>
-              <a:buFont typeface="Arial" pitchFamily="34" charset="0"/>
-              <a:buChar char="•"/>
-              <a:defRPr sz="2000" kern="1200">
-                <a:solidFill>
-                  <a:schemeClr val="tx1"/>
-                </a:solidFill>
-                <a:latin typeface="+mn-lt"/>
-                <a:ea typeface="+mn-ea"/>
-                <a:cs typeface="+mn-cs"/>
-              </a:defRPr>
-            </a:lvl9pPr>
-          </a:lstStyle>
-          <a:p>
-            <a:pPr fontAlgn="auto">
-              <a:spcAft>
-                <a:spcPts val="0"/>
-              </a:spcAft>
-            </a:pPr>
-            <a:r>
-              <a:rPr lang="de-CH" dirty="0" smtClean="0"/>
-              <a:t>Fabrice</a:t>
-            </a:r>
-          </a:p>
-          <a:p>
-            <a:pPr fontAlgn="auto">
-              <a:spcAft>
-                <a:spcPts val="0"/>
-              </a:spcAft>
-            </a:pPr>
-            <a:r>
-              <a:rPr lang="de-CH" dirty="0" smtClean="0"/>
-              <a:t>Cassandra</a:t>
-            </a:r>
-            <a:endParaRPr lang="de-CH" dirty="0"/>
-          </a:p>
-        </p:txBody>
-      </p:sp>
-      <p:pic>
-        <p:nvPicPr>
-          <p:cNvPr id="4098" name="Picture 2" descr="Image result for java logo"/>
-          <p:cNvPicPr>
-            <a:picLocks noChangeAspect="1" noChangeArrowheads="1"/>
-          </p:cNvPicPr>
-          <p:nvPr/>
-        </p:nvPicPr>
-        <p:blipFill>
-          <a:blip r:embed="rId2" cstate="print">
-            <a:extLst>
-              <a:ext uri="{28A0092B-C50C-407E-A947-70E740481C1C}">
-                <a14:useLocalDpi xmlns:a14="http://schemas.microsoft.com/office/drawing/2010/main" val="0"/>
-              </a:ext>
-            </a:extLst>
-          </a:blip>
-          <a:srcRect/>
-          <a:stretch>
-            <a:fillRect/>
-          </a:stretch>
-        </p:blipFill>
-        <p:spPr bwMode="auto">
-          <a:xfrm>
-            <a:off x="1348035" y="1168140"/>
-            <a:ext cx="1954369" cy="1094103"/>
-          </a:xfrm>
-          <a:prstGeom prst="rect">
-            <a:avLst/>
-          </a:prstGeom>
-          <a:noFill/>
-          <a:extLst>
-            <a:ext uri="{909E8E84-426E-40DD-AFC4-6F175D3DCCD1}">
-              <a14:hiddenFill xmlns:a14="http://schemas.microsoft.com/office/drawing/2010/main">
-                <a:solidFill>
-                  <a:srgbClr val="FFFFFF"/>
-                </a:solidFill>
-              </a14:hiddenFill>
-            </a:ext>
-          </a:extLst>
-        </p:spPr>
-      </p:pic>
-      <p:pic>
-        <p:nvPicPr>
-          <p:cNvPr id="4100" name="Picture 4" descr="Image result for c# logo"/>
-          <p:cNvPicPr>
-            <a:picLocks noChangeAspect="1" noChangeArrowheads="1"/>
-          </p:cNvPicPr>
-          <p:nvPr/>
-        </p:nvPicPr>
-        <p:blipFill>
-          <a:blip r:embed="rId3" cstate="print">
-            <a:extLst>
-              <a:ext uri="{28A0092B-C50C-407E-A947-70E740481C1C}">
-                <a14:useLocalDpi xmlns:a14="http://schemas.microsoft.com/office/drawing/2010/main" val="0"/>
-              </a:ext>
-            </a:extLst>
-          </a:blip>
-          <a:srcRect/>
-          <a:stretch>
-            <a:fillRect/>
-          </a:stretch>
-        </p:blipFill>
-        <p:spPr bwMode="auto">
-          <a:xfrm>
-            <a:off x="5161479" y="1299244"/>
-            <a:ext cx="911923" cy="1023959"/>
-          </a:xfrm>
-          <a:prstGeom prst="rect">
-            <a:avLst/>
-          </a:prstGeom>
-          <a:noFill/>
-          <a:extLst>
-            <a:ext uri="{909E8E84-426E-40DD-AFC4-6F175D3DCCD1}">
-              <a14:hiddenFill xmlns:a14="http://schemas.microsoft.com/office/drawing/2010/main">
-                <a:solidFill>
-                  <a:srgbClr val="FFFFFF"/>
-                </a:solidFill>
-              </a14:hiddenFill>
-            </a:ext>
-          </a:extLst>
-        </p:spPr>
-      </p:pic>
     </p:spTree>
     <p:extLst>
       <p:ext uri="{BB962C8B-B14F-4D97-AF65-F5344CB8AC3E}">
-        <p14:creationId xmlns:p14="http://schemas.microsoft.com/office/powerpoint/2010/main" val="2787977755"/>
+        <p14:creationId xmlns:p14="http://schemas.microsoft.com/office/powerpoint/2010/main" val="67931322"/>
       </p:ext>
     </p:extLst>
   </p:cSld>
@@ -5866,25 +5738,6 @@
       </p:grpSpPr>
       <p:sp>
         <p:nvSpPr>
-          <p:cNvPr id="2" name="Content Placeholder 1"/>
-          <p:cNvSpPr>
-            <a:spLocks noGrp="1"/>
-          </p:cNvSpPr>
-          <p:nvPr>
-            <p:ph idx="1"/>
-          </p:nvPr>
-        </p:nvSpPr>
-        <p:spPr/>
-        <p:txBody>
-          <a:bodyPr/>
-          <a:lstStyle/>
-          <a:p>
-            <a:endParaRPr lang="de-CH"/>
-          </a:p>
-        </p:txBody>
-      </p:sp>
-      <p:sp>
-        <p:nvSpPr>
           <p:cNvPr id="3" name="Slide Number Placeholder 2"/>
           <p:cNvSpPr>
             <a:spLocks noGrp="1"/>
@@ -5932,26 +5785,308 @@
           <a:p>
             <a:r>
               <a:rPr lang="de-CH" dirty="0" smtClean="0"/>
-              <a:t>Aufgabenaufteilung</a:t>
-            </a:r>
-            <a:endParaRPr lang="de-CH" dirty="0"/>
+              <a:t>Testfälle</a:t>
+            </a:r>
+            <a:endParaRPr lang="en-US" dirty="0"/>
           </a:p>
         </p:txBody>
       </p:sp>
+      <p:pic>
+        <p:nvPicPr>
+          <p:cNvPr id="5121" name="Picture 1"/>
+          <p:cNvPicPr>
+            <a:picLocks noGrp="1" noChangeAspect="1" noChangeArrowheads="1"/>
+          </p:cNvPicPr>
+          <p:nvPr>
+            <p:ph idx="1"/>
+          </p:nvPr>
+        </p:nvPicPr>
+        <p:blipFill>
+          <a:blip r:embed="rId2">
+            <a:extLst>
+              <a:ext uri="{28A0092B-C50C-407E-A947-70E740481C1C}">
+                <a14:useLocalDpi xmlns:a14="http://schemas.microsoft.com/office/drawing/2010/main" val="0"/>
+              </a:ext>
+            </a:extLst>
+          </a:blip>
+          <a:srcRect/>
+          <a:stretch>
+            <a:fillRect/>
+          </a:stretch>
+        </p:blipFill>
+        <p:spPr bwMode="auto">
+          <a:xfrm>
+            <a:off x="1032302" y="993344"/>
+            <a:ext cx="2987247" cy="3581832"/>
+          </a:xfrm>
+          <a:prstGeom prst="rect">
+            <a:avLst/>
+          </a:prstGeom>
+          <a:noFill/>
+          <a:ln>
+            <a:noFill/>
+          </a:ln>
+          <a:extLst>
+            <a:ext uri="{909E8E84-426E-40DD-AFC4-6F175D3DCCD1}">
+              <a14:hiddenFill xmlns:a14="http://schemas.microsoft.com/office/drawing/2010/main">
+                <a:solidFill>
+                  <a:schemeClr val="accent1"/>
+                </a:solidFill>
+              </a14:hiddenFill>
+            </a:ext>
+            <a:ext uri="{91240B29-F687-4F45-9708-019B960494DF}">
+              <a14:hiddenLine xmlns:a14="http://schemas.microsoft.com/office/drawing/2010/main" w="9525">
+                <a:solidFill>
+                  <a:schemeClr val="tx1"/>
+                </a:solidFill>
+                <a:miter lim="800000"/>
+                <a:headEnd/>
+                <a:tailEnd/>
+              </a14:hiddenLine>
+            </a:ext>
+          </a:extLst>
+        </p:spPr>
+      </p:pic>
+      <p:pic>
+        <p:nvPicPr>
+          <p:cNvPr id="5122" name="Picture 2"/>
+          <p:cNvPicPr>
+            <a:picLocks noChangeAspect="1" noChangeArrowheads="1"/>
+          </p:cNvPicPr>
+          <p:nvPr/>
+        </p:nvPicPr>
+        <p:blipFill>
+          <a:blip r:embed="rId3">
+            <a:extLst>
+              <a:ext uri="{28A0092B-C50C-407E-A947-70E740481C1C}">
+                <a14:useLocalDpi xmlns:a14="http://schemas.microsoft.com/office/drawing/2010/main" val="0"/>
+              </a:ext>
+            </a:extLst>
+          </a:blip>
+          <a:srcRect/>
+          <a:stretch>
+            <a:fillRect/>
+          </a:stretch>
+        </p:blipFill>
+        <p:spPr bwMode="auto">
+          <a:xfrm>
+            <a:off x="4696580" y="966042"/>
+            <a:ext cx="3171069" cy="3618659"/>
+          </a:xfrm>
+          <a:prstGeom prst="rect">
+            <a:avLst/>
+          </a:prstGeom>
+          <a:noFill/>
+          <a:ln>
+            <a:noFill/>
+          </a:ln>
+          <a:extLst>
+            <a:ext uri="{909E8E84-426E-40DD-AFC4-6F175D3DCCD1}">
+              <a14:hiddenFill xmlns:a14="http://schemas.microsoft.com/office/drawing/2010/main">
+                <a:solidFill>
+                  <a:schemeClr val="accent1"/>
+                </a:solidFill>
+              </a14:hiddenFill>
+            </a:ext>
+            <a:ext uri="{91240B29-F687-4F45-9708-019B960494DF}">
+              <a14:hiddenLine xmlns:a14="http://schemas.microsoft.com/office/drawing/2010/main" w="9525">
+                <a:solidFill>
+                  <a:schemeClr val="tx1"/>
+                </a:solidFill>
+                <a:miter lim="800000"/>
+                <a:headEnd/>
+                <a:tailEnd/>
+              </a14:hiddenLine>
+            </a:ext>
+          </a:extLst>
+        </p:spPr>
+      </p:pic>
     </p:spTree>
     <p:extLst>
       <p:ext uri="{BB962C8B-B14F-4D97-AF65-F5344CB8AC3E}">
-        <p14:creationId xmlns:p14="http://schemas.microsoft.com/office/powerpoint/2010/main" val="308731127"/>
+        <p14:creationId xmlns:p14="http://schemas.microsoft.com/office/powerpoint/2010/main" val="1892886527"/>
       </p:ext>
     </p:extLst>
   </p:cSld>
   <p:clrMapOvr>
     <a:masterClrMapping/>
   </p:clrMapOvr>
+  <p:timing>
+    <p:tnLst>
+      <p:par>
+        <p:cTn id="1" dur="indefinite" restart="never" nodeType="tmRoot"/>
+      </p:par>
+    </p:tnLst>
+  </p:timing>
 </p:sld>
 </file>
 
 <file path=ppt/slides/slide12.xml><?xml version="1.0" encoding="utf-8"?>
+<p:sld xmlns:a="http://schemas.openxmlformats.org/drawingml/2006/main" xmlns:r="http://schemas.openxmlformats.org/officeDocument/2006/relationships" xmlns:p="http://schemas.openxmlformats.org/presentationml/2006/main">
+  <p:cSld>
+    <p:spTree>
+      <p:nvGrpSpPr>
+        <p:cNvPr id="1" name=""/>
+        <p:cNvGrpSpPr/>
+        <p:nvPr/>
+      </p:nvGrpSpPr>
+      <p:grpSpPr>
+        <a:xfrm>
+          <a:off x="0" y="0"/>
+          <a:ext cx="0" cy="0"/>
+          <a:chOff x="0" y="0"/>
+          <a:chExt cx="0" cy="0"/>
+        </a:xfrm>
+      </p:grpSpPr>
+      <p:sp>
+        <p:nvSpPr>
+          <p:cNvPr id="3" name="Slide Number Placeholder 2"/>
+          <p:cNvSpPr>
+            <a:spLocks noGrp="1"/>
+          </p:cNvSpPr>
+          <p:nvPr>
+            <p:ph type="sldNum" sz="quarter" idx="4"/>
+          </p:nvPr>
+        </p:nvSpPr>
+        <p:spPr/>
+        <p:txBody>
+          <a:bodyPr/>
+          <a:lstStyle/>
+          <a:p>
+            <a:fld id="{DAF489CC-3B7A-4DA5-A8C0-4984788D0EC5}" type="slidenum">
+              <a:rPr lang="nl-NL" smtClean="0">
+                <a:solidFill>
+                  <a:prstClr val="black"/>
+                </a:solidFill>
+              </a:rPr>
+              <a:pPr/>
+              <a:t>12</a:t>
+            </a:fld>
+            <a:endParaRPr lang="nl-NL" dirty="0">
+              <a:solidFill>
+                <a:prstClr val="black"/>
+              </a:solidFill>
+            </a:endParaRPr>
+          </a:p>
+        </p:txBody>
+      </p:sp>
+      <p:sp>
+        <p:nvSpPr>
+          <p:cNvPr id="4" name="Title 3"/>
+          <p:cNvSpPr>
+            <a:spLocks noGrp="1"/>
+          </p:cNvSpPr>
+          <p:nvPr>
+            <p:ph type="title"/>
+          </p:nvPr>
+        </p:nvSpPr>
+        <p:spPr/>
+        <p:txBody>
+          <a:bodyPr/>
+          <a:lstStyle/>
+          <a:p>
+            <a:r>
+              <a:rPr lang="de-CH" dirty="0" smtClean="0"/>
+              <a:t>Risikoanalyse</a:t>
+            </a:r>
+            <a:endParaRPr lang="en-US" dirty="0"/>
+          </a:p>
+        </p:txBody>
+      </p:sp>
+      <p:sp>
+        <p:nvSpPr>
+          <p:cNvPr id="6" name="Content Placeholder 5"/>
+          <p:cNvSpPr>
+            <a:spLocks noGrp="1"/>
+          </p:cNvSpPr>
+          <p:nvPr>
+            <p:ph idx="1"/>
+          </p:nvPr>
+        </p:nvSpPr>
+        <p:spPr/>
+        <p:txBody>
+          <a:bodyPr/>
+          <a:lstStyle/>
+          <a:p>
+            <a:endParaRPr lang="en-US" dirty="0"/>
+          </a:p>
+        </p:txBody>
+      </p:sp>
+      <p:pic>
+        <p:nvPicPr>
+          <p:cNvPr id="3073" name="Picture 1"/>
+          <p:cNvPicPr>
+            <a:picLocks noChangeAspect="1" noChangeArrowheads="1"/>
+          </p:cNvPicPr>
+          <p:nvPr/>
+        </p:nvPicPr>
+        <p:blipFill>
+          <a:blip r:embed="rId2">
+            <a:extLst>
+              <a:ext uri="{28A0092B-C50C-407E-A947-70E740481C1C}">
+                <a14:useLocalDpi xmlns:a14="http://schemas.microsoft.com/office/drawing/2010/main" val="0"/>
+              </a:ext>
+            </a:extLst>
+          </a:blip>
+          <a:srcRect/>
+          <a:stretch>
+            <a:fillRect/>
+          </a:stretch>
+        </p:blipFill>
+        <p:spPr bwMode="auto">
+          <a:xfrm>
+            <a:off x="240300" y="1083009"/>
+            <a:ext cx="4557712" cy="3441366"/>
+          </a:xfrm>
+          <a:prstGeom prst="rect">
+            <a:avLst/>
+          </a:prstGeom>
+          <a:noFill/>
+          <a:ln>
+            <a:noFill/>
+          </a:ln>
+          <a:extLst>
+            <a:ext uri="{909E8E84-426E-40DD-AFC4-6F175D3DCCD1}">
+              <a14:hiddenFill xmlns:a14="http://schemas.microsoft.com/office/drawing/2010/main">
+                <a:solidFill>
+                  <a:schemeClr val="accent1"/>
+                </a:solidFill>
+              </a14:hiddenFill>
+            </a:ext>
+            <a:ext uri="{91240B29-F687-4F45-9708-019B960494DF}">
+              <a14:hiddenLine xmlns:a14="http://schemas.microsoft.com/office/drawing/2010/main" w="9525">
+                <a:solidFill>
+                  <a:schemeClr val="tx1"/>
+                </a:solidFill>
+                <a:miter lim="800000"/>
+                <a:headEnd/>
+                <a:tailEnd/>
+              </a14:hiddenLine>
+            </a:ext>
+          </a:extLst>
+        </p:spPr>
+      </p:pic>
+    </p:spTree>
+    <p:extLst>
+      <p:ext uri="{BB962C8B-B14F-4D97-AF65-F5344CB8AC3E}">
+        <p14:creationId xmlns:p14="http://schemas.microsoft.com/office/powerpoint/2010/main" val="707835191"/>
+      </p:ext>
+    </p:extLst>
+  </p:cSld>
+  <p:clrMapOvr>
+    <a:masterClrMapping/>
+  </p:clrMapOvr>
+  <p:timing>
+    <p:tnLst>
+      <p:par>
+        <p:cTn id="1" dur="indefinite" restart="never" nodeType="tmRoot"/>
+      </p:par>
+    </p:tnLst>
+  </p:timing>
+</p:sld>
+</file>
+
+<file path=ppt/slides/slide13.xml><?xml version="1.0" encoding="utf-8"?>
 <p:sld xmlns:a="http://schemas.openxmlformats.org/drawingml/2006/main" xmlns:r="http://schemas.openxmlformats.org/officeDocument/2006/relationships" xmlns:p="http://schemas.openxmlformats.org/presentationml/2006/main">
   <p:cSld>
     <p:spTree>
@@ -5978,12 +6113,17 @@
             <p:ph idx="1"/>
           </p:nvPr>
         </p:nvSpPr>
-        <p:spPr/>
+        <p:spPr>
+          <a:xfrm>
+            <a:off x="216488" y="1044676"/>
+            <a:ext cx="8748000" cy="3474900"/>
+          </a:xfrm>
+        </p:spPr>
         <p:txBody>
           <a:bodyPr/>
           <a:lstStyle/>
           <a:p>
-            <a:endParaRPr lang="de-CH"/>
+            <a:endParaRPr lang="en-US" dirty="0"/>
           </a:p>
         </p:txBody>
       </p:sp>
@@ -6009,7 +6149,7 @@
                 </a:solidFill>
               </a:rPr>
               <a:pPr/>
-              <a:t>12</a:t>
+              <a:t>13</a:t>
             </a:fld>
             <a:endParaRPr lang="nl-NL" dirty="0">
               <a:solidFill>
@@ -6036,69 +6176,70 @@
           <a:p>
             <a:r>
               <a:rPr lang="de-CH" dirty="0" smtClean="0"/>
-              <a:t>Zeitplanung</a:t>
-            </a:r>
-            <a:endParaRPr lang="de-CH" dirty="0"/>
+              <a:t>Risikoanalyse</a:t>
+            </a:r>
+            <a:endParaRPr lang="en-US" dirty="0"/>
           </a:p>
         </p:txBody>
       </p:sp>
+      <p:pic>
+        <p:nvPicPr>
+          <p:cNvPr id="4098" name="Picture 2"/>
+          <p:cNvPicPr>
+            <a:picLocks noChangeAspect="1" noChangeArrowheads="1"/>
+          </p:cNvPicPr>
+          <p:nvPr/>
+        </p:nvPicPr>
+        <p:blipFill>
+          <a:blip r:embed="rId2">
+            <a:extLst>
+              <a:ext uri="{28A0092B-C50C-407E-A947-70E740481C1C}">
+                <a14:useLocalDpi xmlns:a14="http://schemas.microsoft.com/office/drawing/2010/main" val="0"/>
+              </a:ext>
+            </a:extLst>
+          </a:blip>
+          <a:srcRect/>
+          <a:stretch>
+            <a:fillRect/>
+          </a:stretch>
+        </p:blipFill>
+        <p:spPr bwMode="auto">
+          <a:xfrm>
+            <a:off x="240300" y="1055738"/>
+            <a:ext cx="4898284" cy="3509962"/>
+          </a:xfrm>
+          <a:prstGeom prst="rect">
+            <a:avLst/>
+          </a:prstGeom>
+          <a:noFill/>
+          <a:ln>
+            <a:noFill/>
+          </a:ln>
+          <a:extLst>
+            <a:ext uri="{909E8E84-426E-40DD-AFC4-6F175D3DCCD1}">
+              <a14:hiddenFill xmlns:a14="http://schemas.microsoft.com/office/drawing/2010/main">
+                <a:solidFill>
+                  <a:schemeClr val="accent1"/>
+                </a:solidFill>
+              </a14:hiddenFill>
+            </a:ext>
+            <a:ext uri="{91240B29-F687-4F45-9708-019B960494DF}">
+              <a14:hiddenLine xmlns:a14="http://schemas.microsoft.com/office/drawing/2010/main" w="9525">
+                <a:solidFill>
+                  <a:schemeClr val="tx1"/>
+                </a:solidFill>
+                <a:miter lim="800000"/>
+                <a:headEnd/>
+                <a:tailEnd/>
+              </a14:hiddenLine>
+            </a:ext>
+          </a:extLst>
+        </p:spPr>
+      </p:pic>
     </p:spTree>
     <p:extLst>
       <p:ext uri="{BB962C8B-B14F-4D97-AF65-F5344CB8AC3E}">
-        <p14:creationId xmlns:p14="http://schemas.microsoft.com/office/powerpoint/2010/main" val="3232245642"/>
-      </p:ext>
-    </p:extLst>
-  </p:cSld>
-  <p:clrMapOvr>
-    <a:masterClrMapping/>
-  </p:clrMapOvr>
-</p:sld>
-</file>
-
-<file path=ppt/slides/slide13.xml><?xml version="1.0" encoding="utf-8"?>
-<p:sld xmlns:a="http://schemas.openxmlformats.org/drawingml/2006/main" xmlns:r="http://schemas.openxmlformats.org/officeDocument/2006/relationships" xmlns:p="http://schemas.openxmlformats.org/presentationml/2006/main">
-  <p:cSld>
-    <p:spTree>
-      <p:nvGrpSpPr>
-        <p:cNvPr id="1" name=""/>
-        <p:cNvGrpSpPr/>
-        <p:nvPr/>
-      </p:nvGrpSpPr>
-      <p:grpSpPr>
-        <a:xfrm>
-          <a:off x="0" y="0"/>
-          <a:ext cx="0" cy="0"/>
-          <a:chOff x="0" y="0"/>
-          <a:chExt cx="0" cy="0"/>
-        </a:xfrm>
-      </p:grpSpPr>
-      <p:sp>
-        <p:nvSpPr>
-          <p:cNvPr id="2" name="Title 1"/>
-          <p:cNvSpPr>
-            <a:spLocks noGrp="1"/>
-          </p:cNvSpPr>
-          <p:nvPr>
-            <p:ph type="title"/>
-          </p:nvPr>
-        </p:nvSpPr>
-        <p:spPr/>
-        <p:txBody>
-          <a:bodyPr/>
-          <a:lstStyle/>
-          <a:p>
-            <a:r>
-              <a:rPr lang="de-CH" dirty="0" smtClean="0"/>
-              <a:t>Architektur</a:t>
-            </a:r>
-            <a:endParaRPr lang="de-CH" dirty="0"/>
-          </a:p>
-        </p:txBody>
-      </p:sp>
-    </p:spTree>
-    <p:extLst>
-      <p:ext uri="{BB962C8B-B14F-4D97-AF65-F5344CB8AC3E}">
-        <p14:creationId xmlns:p14="http://schemas.microsoft.com/office/powerpoint/2010/main" val="1534734836"/>
+        <p14:creationId xmlns:p14="http://schemas.microsoft.com/office/powerpoint/2010/main" val="357619502"/>
       </p:ext>
     </p:extLst>
   </p:cSld>
@@ -6134,6 +6275,66 @@
       </p:grpSpPr>
       <p:sp>
         <p:nvSpPr>
+          <p:cNvPr id="2" name="Title 1"/>
+          <p:cNvSpPr>
+            <a:spLocks noGrp="1"/>
+          </p:cNvSpPr>
+          <p:nvPr>
+            <p:ph type="title"/>
+          </p:nvPr>
+        </p:nvSpPr>
+        <p:spPr/>
+        <p:txBody>
+          <a:bodyPr/>
+          <a:lstStyle/>
+          <a:p>
+            <a:r>
+              <a:rPr lang="de-CH" dirty="0" smtClean="0"/>
+              <a:t>Architektur</a:t>
+            </a:r>
+            <a:endParaRPr lang="de-CH" dirty="0"/>
+          </a:p>
+        </p:txBody>
+      </p:sp>
+    </p:spTree>
+    <p:extLst>
+      <p:ext uri="{BB962C8B-B14F-4D97-AF65-F5344CB8AC3E}">
+        <p14:creationId xmlns:p14="http://schemas.microsoft.com/office/powerpoint/2010/main" val="4205210766"/>
+      </p:ext>
+    </p:extLst>
+  </p:cSld>
+  <p:clrMapOvr>
+    <a:masterClrMapping/>
+  </p:clrMapOvr>
+  <p:timing>
+    <p:tnLst>
+      <p:par>
+        <p:cTn id="1" dur="indefinite" restart="never" nodeType="tmRoot"/>
+      </p:par>
+    </p:tnLst>
+  </p:timing>
+</p:sld>
+</file>
+
+<file path=ppt/slides/slide15.xml><?xml version="1.0" encoding="utf-8"?>
+<p:sld xmlns:a="http://schemas.openxmlformats.org/drawingml/2006/main" xmlns:r="http://schemas.openxmlformats.org/officeDocument/2006/relationships" xmlns:p="http://schemas.openxmlformats.org/presentationml/2006/main">
+  <p:cSld>
+    <p:spTree>
+      <p:nvGrpSpPr>
+        <p:cNvPr id="1" name=""/>
+        <p:cNvGrpSpPr/>
+        <p:nvPr/>
+      </p:nvGrpSpPr>
+      <p:grpSpPr>
+        <a:xfrm>
+          <a:off x="0" y="0"/>
+          <a:ext cx="0" cy="0"/>
+          <a:chOff x="0" y="0"/>
+          <a:chExt cx="0" cy="0"/>
+        </a:xfrm>
+      </p:grpSpPr>
+      <p:sp>
+        <p:nvSpPr>
           <p:cNvPr id="3" name="Slide Number Placeholder 2"/>
           <p:cNvSpPr>
             <a:spLocks noGrp="1"/>
@@ -6154,7 +6355,7 @@
                 </a:solidFill>
               </a:rPr>
               <a:pPr/>
-              <a:t>14</a:t>
+              <a:t>15</a:t>
             </a:fld>
             <a:endParaRPr lang="nl-NL" dirty="0">
               <a:solidFill>
@@ -6259,7 +6460,7 @@
         </p:nvSpPr>
         <p:spPr>
           <a:xfrm>
-            <a:off x="8244840" y="0"/>
+            <a:off x="8243528" y="30480"/>
             <a:ext cx="899160" cy="5082540"/>
           </a:xfrm>
           <a:prstGeom prst="rect">
@@ -6303,66 +6504,6 @@
     <p:extLst>
       <p:ext uri="{BB962C8B-B14F-4D97-AF65-F5344CB8AC3E}">
         <p14:creationId xmlns:p14="http://schemas.microsoft.com/office/powerpoint/2010/main" val="4026956507"/>
-      </p:ext>
-    </p:extLst>
-  </p:cSld>
-  <p:clrMapOvr>
-    <a:masterClrMapping/>
-  </p:clrMapOvr>
-  <p:timing>
-    <p:tnLst>
-      <p:par>
-        <p:cTn id="1" dur="indefinite" restart="never" nodeType="tmRoot"/>
-      </p:par>
-    </p:tnLst>
-  </p:timing>
-</p:sld>
-</file>
-
-<file path=ppt/slides/slide15.xml><?xml version="1.0" encoding="utf-8"?>
-<p:sld xmlns:a="http://schemas.openxmlformats.org/drawingml/2006/main" xmlns:r="http://schemas.openxmlformats.org/officeDocument/2006/relationships" xmlns:p="http://schemas.openxmlformats.org/presentationml/2006/main">
-  <p:cSld>
-    <p:spTree>
-      <p:nvGrpSpPr>
-        <p:cNvPr id="1" name=""/>
-        <p:cNvGrpSpPr/>
-        <p:nvPr/>
-      </p:nvGrpSpPr>
-      <p:grpSpPr>
-        <a:xfrm>
-          <a:off x="0" y="0"/>
-          <a:ext cx="0" cy="0"/>
-          <a:chOff x="0" y="0"/>
-          <a:chExt cx="0" cy="0"/>
-        </a:xfrm>
-      </p:grpSpPr>
-      <p:sp>
-        <p:nvSpPr>
-          <p:cNvPr id="2" name="Title 1"/>
-          <p:cNvSpPr>
-            <a:spLocks noGrp="1"/>
-          </p:cNvSpPr>
-          <p:nvPr>
-            <p:ph type="title"/>
-          </p:nvPr>
-        </p:nvSpPr>
-        <p:spPr/>
-        <p:txBody>
-          <a:bodyPr/>
-          <a:lstStyle/>
-          <a:p>
-            <a:r>
-              <a:rPr lang="de-CH" dirty="0" smtClean="0"/>
-              <a:t>Demo</a:t>
-            </a:r>
-            <a:endParaRPr lang="de-CH" dirty="0"/>
-          </a:p>
-        </p:txBody>
-      </p:sp>
-    </p:spTree>
-    <p:extLst>
-      <p:ext uri="{BB962C8B-B14F-4D97-AF65-F5344CB8AC3E}">
-        <p14:creationId xmlns:p14="http://schemas.microsoft.com/office/powerpoint/2010/main" val="3495553038"/>
       </p:ext>
     </p:extLst>
   </p:cSld>
@@ -6398,39 +6539,7 @@
       </p:grpSpPr>
       <p:sp>
         <p:nvSpPr>
-          <p:cNvPr id="3" name="Slide Number Placeholder 2"/>
-          <p:cNvSpPr>
-            <a:spLocks noGrp="1"/>
-          </p:cNvSpPr>
-          <p:nvPr>
-            <p:ph type="sldNum" sz="quarter" idx="4"/>
-          </p:nvPr>
-        </p:nvSpPr>
-        <p:spPr/>
-        <p:txBody>
-          <a:bodyPr/>
-          <a:lstStyle/>
-          <a:p>
-            <a:fld id="{DAF489CC-3B7A-4DA5-A8C0-4984788D0EC5}" type="slidenum">
-              <a:rPr lang="nl-NL" smtClean="0">
-                <a:solidFill>
-                  <a:prstClr val="black"/>
-                </a:solidFill>
-              </a:rPr>
-              <a:pPr/>
-              <a:t>16</a:t>
-            </a:fld>
-            <a:endParaRPr lang="nl-NL" dirty="0">
-              <a:solidFill>
-                <a:prstClr val="black"/>
-              </a:solidFill>
-            </a:endParaRPr>
-          </a:p>
-        </p:txBody>
-      </p:sp>
-      <p:sp>
-        <p:nvSpPr>
-          <p:cNvPr id="4" name="Title 3"/>
+          <p:cNvPr id="2" name="Title 1"/>
           <p:cNvSpPr>
             <a:spLocks noGrp="1"/>
           </p:cNvSpPr>
@@ -6445,70 +6554,16 @@
           <a:p>
             <a:r>
               <a:rPr lang="de-CH" dirty="0" smtClean="0"/>
-              <a:t>Demo des Spiels</a:t>
+              <a:t>Planung</a:t>
             </a:r>
             <a:endParaRPr lang="de-CH" dirty="0"/>
           </a:p>
         </p:txBody>
       </p:sp>
-      <p:pic>
-        <p:nvPicPr>
-          <p:cNvPr id="3075" name="Picture 3"/>
-          <p:cNvPicPr>
-            <a:picLocks noChangeAspect="1" noChangeArrowheads="1"/>
-          </p:cNvPicPr>
-          <p:nvPr/>
-        </p:nvPicPr>
-        <p:blipFill>
-          <a:blip r:embed="rId2" cstate="print">
-            <a:extLst>
-              <a:ext uri="{28A0092B-C50C-407E-A947-70E740481C1C}">
-                <a14:useLocalDpi xmlns:a14="http://schemas.microsoft.com/office/drawing/2010/main" val="0"/>
-              </a:ext>
-            </a:extLst>
-          </a:blip>
-          <a:srcRect/>
-          <a:stretch>
-            <a:fillRect/>
-          </a:stretch>
-        </p:blipFill>
-        <p:spPr bwMode="auto">
-          <a:xfrm>
-            <a:off x="1927860" y="1046496"/>
-            <a:ext cx="5242559" cy="3497361"/>
-          </a:xfrm>
-          <a:prstGeom prst="rect">
-            <a:avLst/>
-          </a:prstGeom>
-          <a:noFill/>
-          <a:ln>
-            <a:noFill/>
-          </a:ln>
-          <a:extLst>
-            <a:ext uri="{909E8E84-426E-40DD-AFC4-6F175D3DCCD1}">
-              <a14:hiddenFill xmlns:a14="http://schemas.microsoft.com/office/drawing/2010/main">
-                <a:solidFill>
-                  <a:schemeClr val="accent1"/>
-                </a:solidFill>
-              </a14:hiddenFill>
-            </a:ext>
-            <a:ext uri="{91240B29-F687-4F45-9708-019B960494DF}">
-              <a14:hiddenLine xmlns:a14="http://schemas.microsoft.com/office/drawing/2010/main" w="9525">
-                <a:solidFill>
-                  <a:schemeClr val="tx1"/>
-                </a:solidFill>
-                <a:miter lim="800000"/>
-                <a:headEnd/>
-                <a:tailEnd/>
-              </a14:hiddenLine>
-            </a:ext>
-          </a:extLst>
-        </p:spPr>
-      </p:pic>
     </p:spTree>
     <p:extLst>
       <p:ext uri="{BB962C8B-B14F-4D97-AF65-F5344CB8AC3E}">
-        <p14:creationId xmlns:p14="http://schemas.microsoft.com/office/powerpoint/2010/main" val="2244617409"/>
+        <p14:creationId xmlns:p14="http://schemas.microsoft.com/office/powerpoint/2010/main" val="1534734836"/>
       </p:ext>
     </p:extLst>
   </p:cSld>
@@ -6544,7 +6599,85 @@
       </p:grpSpPr>
       <p:sp>
         <p:nvSpPr>
-          <p:cNvPr id="2" name="Title 1"/>
+          <p:cNvPr id="2" name="Content Placeholder 1"/>
+          <p:cNvSpPr>
+            <a:spLocks noGrp="1"/>
+          </p:cNvSpPr>
+          <p:nvPr>
+            <p:ph idx="1"/>
+          </p:nvPr>
+        </p:nvSpPr>
+        <p:spPr>
+          <a:xfrm>
+            <a:off x="1397198" y="3073254"/>
+            <a:ext cx="1905206" cy="1348138"/>
+          </a:xfrm>
+        </p:spPr>
+        <p:txBody>
+          <a:bodyPr/>
+          <a:lstStyle/>
+          <a:p>
+            <a:r>
+              <a:rPr lang="de-CH" dirty="0" smtClean="0"/>
+              <a:t>Toshiki</a:t>
+            </a:r>
+          </a:p>
+          <a:p>
+            <a:r>
+              <a:rPr lang="de-CH" dirty="0" smtClean="0"/>
+              <a:t>Marc</a:t>
+            </a:r>
+          </a:p>
+          <a:p>
+            <a:r>
+              <a:rPr lang="de-CH" dirty="0" smtClean="0"/>
+              <a:t>Angel</a:t>
+            </a:r>
+          </a:p>
+          <a:p>
+            <a:r>
+              <a:rPr lang="de-CH" dirty="0" smtClean="0"/>
+              <a:t>Dennis</a:t>
+            </a:r>
+            <a:endParaRPr lang="de-CH" dirty="0"/>
+          </a:p>
+        </p:txBody>
+      </p:sp>
+      <p:sp>
+        <p:nvSpPr>
+          <p:cNvPr id="3" name="Slide Number Placeholder 2"/>
+          <p:cNvSpPr>
+            <a:spLocks noGrp="1"/>
+          </p:cNvSpPr>
+          <p:nvPr>
+            <p:ph type="sldNum" sz="quarter" idx="4"/>
+          </p:nvPr>
+        </p:nvSpPr>
+        <p:spPr/>
+        <p:txBody>
+          <a:bodyPr/>
+          <a:lstStyle/>
+          <a:p>
+            <a:fld id="{DAF489CC-3B7A-4DA5-A8C0-4984788D0EC5}" type="slidenum">
+              <a:rPr lang="nl-NL" smtClean="0">
+                <a:solidFill>
+                  <a:prstClr val="black"/>
+                </a:solidFill>
+              </a:rPr>
+              <a:pPr/>
+              <a:t>17</a:t>
+            </a:fld>
+            <a:endParaRPr lang="nl-NL" dirty="0">
+              <a:solidFill>
+                <a:prstClr val="black"/>
+              </a:solidFill>
+            </a:endParaRPr>
+          </a:p>
+        </p:txBody>
+      </p:sp>
+      <p:sp>
+        <p:nvSpPr>
+          <p:cNvPr id="4" name="Title 3"/>
           <p:cNvSpPr>
             <a:spLocks noGrp="1"/>
           </p:cNvSpPr>
@@ -6559,16 +6692,296 @@
           <a:p>
             <a:r>
               <a:rPr lang="de-CH" dirty="0" smtClean="0"/>
-              <a:t>Retrospektive</a:t>
+              <a:t>Gruppenaufteilung</a:t>
             </a:r>
             <a:endParaRPr lang="de-CH" dirty="0"/>
           </a:p>
         </p:txBody>
       </p:sp>
+      <p:sp>
+        <p:nvSpPr>
+          <p:cNvPr id="5" name="Content Placeholder 1"/>
+          <p:cNvSpPr txBox="1">
+            <a:spLocks/>
+          </p:cNvSpPr>
+          <p:nvPr/>
+        </p:nvSpPr>
+        <p:spPr>
+          <a:xfrm>
+            <a:off x="5161479" y="2996940"/>
+            <a:ext cx="1905206" cy="912120"/>
+          </a:xfrm>
+          <a:prstGeom prst="rect">
+            <a:avLst/>
+          </a:prstGeom>
+        </p:spPr>
+        <p:txBody>
+          <a:bodyPr vert="horz" lIns="91440" tIns="45720" rIns="91440" bIns="45720" rtlCol="0">
+            <a:noAutofit/>
+          </a:bodyPr>
+          <a:lstStyle>
+            <a:lvl1pPr marL="270000" indent="-270000" algn="l" defTabSz="914400" rtl="0" eaLnBrk="1" latinLnBrk="0" hangingPunct="1">
+              <a:spcBef>
+                <a:spcPct val="20000"/>
+              </a:spcBef>
+              <a:buClr>
+                <a:schemeClr val="tx2"/>
+              </a:buClr>
+              <a:buFont typeface="Lucida Sans Unicode" pitchFamily="34" charset="0"/>
+              <a:buChar char="▶"/>
+              <a:defRPr sz="1600" kern="1200" baseline="0">
+                <a:solidFill>
+                  <a:schemeClr val="tx1"/>
+                </a:solidFill>
+                <a:latin typeface="Verdana" pitchFamily="34" charset="0"/>
+                <a:ea typeface="Verdana" pitchFamily="34" charset="0"/>
+                <a:cs typeface="Verdana" pitchFamily="34" charset="0"/>
+              </a:defRPr>
+            </a:lvl1pPr>
+            <a:lvl2pPr marL="540000" indent="-270000" algn="l" defTabSz="914400" rtl="0" eaLnBrk="1" latinLnBrk="0" hangingPunct="1">
+              <a:spcBef>
+                <a:spcPts val="384"/>
+              </a:spcBef>
+              <a:buClr>
+                <a:schemeClr val="tx2"/>
+              </a:buClr>
+              <a:buFont typeface="Arial" pitchFamily="34" charset="0"/>
+              <a:buChar char="–"/>
+              <a:defRPr sz="1600" kern="1200" baseline="0">
+                <a:solidFill>
+                  <a:schemeClr val="tx1"/>
+                </a:solidFill>
+                <a:latin typeface="Verdana" pitchFamily="34" charset="0"/>
+                <a:ea typeface="Verdana" pitchFamily="34" charset="0"/>
+                <a:cs typeface="Verdana" pitchFamily="34" charset="0"/>
+              </a:defRPr>
+            </a:lvl2pPr>
+            <a:lvl3pPr marL="810000" indent="-270000" algn="l" defTabSz="914400" rtl="0" eaLnBrk="1" latinLnBrk="0" hangingPunct="1">
+              <a:spcBef>
+                <a:spcPct val="20000"/>
+              </a:spcBef>
+              <a:buClr>
+                <a:schemeClr val="tx2"/>
+              </a:buClr>
+              <a:buFont typeface="Arial" pitchFamily="34" charset="0"/>
+              <a:buChar char="•"/>
+              <a:defRPr sz="1600" kern="1200">
+                <a:solidFill>
+                  <a:schemeClr val="tx1"/>
+                </a:solidFill>
+                <a:latin typeface="Verdana" pitchFamily="34" charset="0"/>
+                <a:ea typeface="Verdana" pitchFamily="34" charset="0"/>
+                <a:cs typeface="Verdana" pitchFamily="34" charset="0"/>
+              </a:defRPr>
+            </a:lvl3pPr>
+            <a:lvl4pPr marL="1080000" indent="-270000" algn="l" defTabSz="914400" rtl="0" eaLnBrk="1" latinLnBrk="0" hangingPunct="1">
+              <a:spcBef>
+                <a:spcPct val="20000"/>
+              </a:spcBef>
+              <a:buClr>
+                <a:schemeClr val="tx2"/>
+              </a:buClr>
+              <a:buFont typeface="Arial" pitchFamily="34" charset="0"/>
+              <a:buChar char="–"/>
+              <a:defRPr sz="1600" kern="1200" baseline="0">
+                <a:solidFill>
+                  <a:schemeClr val="tx1"/>
+                </a:solidFill>
+                <a:latin typeface="Verdana" pitchFamily="34" charset="0"/>
+                <a:ea typeface="Verdana" pitchFamily="34" charset="0"/>
+                <a:cs typeface="Verdana" pitchFamily="34" charset="0"/>
+              </a:defRPr>
+            </a:lvl4pPr>
+            <a:lvl5pPr marL="1350000" indent="-270000" algn="l" defTabSz="914400" rtl="0" eaLnBrk="1" latinLnBrk="0" hangingPunct="1">
+              <a:spcBef>
+                <a:spcPct val="20000"/>
+              </a:spcBef>
+              <a:buClr>
+                <a:schemeClr val="tx2"/>
+              </a:buClr>
+              <a:buFont typeface="Arial" pitchFamily="34" charset="0"/>
+              <a:buChar char="»"/>
+              <a:defRPr sz="1600" kern="1200">
+                <a:solidFill>
+                  <a:schemeClr val="tx1"/>
+                </a:solidFill>
+                <a:latin typeface="Verdana" pitchFamily="34" charset="0"/>
+                <a:ea typeface="Verdana" pitchFamily="34" charset="0"/>
+                <a:cs typeface="Verdana" pitchFamily="34" charset="0"/>
+              </a:defRPr>
+            </a:lvl5pPr>
+            <a:lvl6pPr marL="2514600" indent="-228600" algn="l" defTabSz="914400" rtl="0" eaLnBrk="1" latinLnBrk="0" hangingPunct="1">
+              <a:spcBef>
+                <a:spcPct val="20000"/>
+              </a:spcBef>
+              <a:buFont typeface="Arial" pitchFamily="34" charset="0"/>
+              <a:buChar char="•"/>
+              <a:defRPr sz="2000" kern="1200">
+                <a:solidFill>
+                  <a:schemeClr val="tx1"/>
+                </a:solidFill>
+                <a:latin typeface="+mn-lt"/>
+                <a:ea typeface="+mn-ea"/>
+                <a:cs typeface="+mn-cs"/>
+              </a:defRPr>
+            </a:lvl6pPr>
+            <a:lvl7pPr marL="2971800" indent="-228600" algn="l" defTabSz="914400" rtl="0" eaLnBrk="1" latinLnBrk="0" hangingPunct="1">
+              <a:spcBef>
+                <a:spcPct val="20000"/>
+              </a:spcBef>
+              <a:buFont typeface="Arial" pitchFamily="34" charset="0"/>
+              <a:buChar char="•"/>
+              <a:defRPr sz="2000" kern="1200">
+                <a:solidFill>
+                  <a:schemeClr val="tx1"/>
+                </a:solidFill>
+                <a:latin typeface="+mn-lt"/>
+                <a:ea typeface="+mn-ea"/>
+                <a:cs typeface="+mn-cs"/>
+              </a:defRPr>
+            </a:lvl7pPr>
+            <a:lvl8pPr marL="3429000" indent="-228600" algn="l" defTabSz="914400" rtl="0" eaLnBrk="1" latinLnBrk="0" hangingPunct="1">
+              <a:spcBef>
+                <a:spcPct val="20000"/>
+              </a:spcBef>
+              <a:buFont typeface="Arial" pitchFamily="34" charset="0"/>
+              <a:buChar char="•"/>
+              <a:defRPr sz="2000" kern="1200">
+                <a:solidFill>
+                  <a:schemeClr val="tx1"/>
+                </a:solidFill>
+                <a:latin typeface="+mn-lt"/>
+                <a:ea typeface="+mn-ea"/>
+                <a:cs typeface="+mn-cs"/>
+              </a:defRPr>
+            </a:lvl8pPr>
+            <a:lvl9pPr marL="3886200" indent="-228600" algn="l" defTabSz="914400" rtl="0" eaLnBrk="1" latinLnBrk="0" hangingPunct="1">
+              <a:spcBef>
+                <a:spcPct val="20000"/>
+              </a:spcBef>
+              <a:buFont typeface="Arial" pitchFamily="34" charset="0"/>
+              <a:buChar char="•"/>
+              <a:defRPr sz="2000" kern="1200">
+                <a:solidFill>
+                  <a:schemeClr val="tx1"/>
+                </a:solidFill>
+                <a:latin typeface="+mn-lt"/>
+                <a:ea typeface="+mn-ea"/>
+                <a:cs typeface="+mn-cs"/>
+              </a:defRPr>
+            </a:lvl9pPr>
+          </a:lstStyle>
+          <a:p>
+            <a:pPr fontAlgn="auto">
+              <a:spcAft>
+                <a:spcPts val="0"/>
+              </a:spcAft>
+            </a:pPr>
+            <a:r>
+              <a:rPr lang="de-CH" dirty="0" smtClean="0"/>
+              <a:t>Fabrice</a:t>
+            </a:r>
+          </a:p>
+          <a:p>
+            <a:pPr fontAlgn="auto">
+              <a:spcAft>
+                <a:spcPts val="0"/>
+              </a:spcAft>
+            </a:pPr>
+            <a:r>
+              <a:rPr lang="de-CH" dirty="0" smtClean="0"/>
+              <a:t>Cassandra</a:t>
+            </a:r>
+            <a:endParaRPr lang="de-CH" dirty="0"/>
+          </a:p>
+        </p:txBody>
+      </p:sp>
+      <p:pic>
+        <p:nvPicPr>
+          <p:cNvPr id="4098" name="Picture 2" descr="Image result for java logo"/>
+          <p:cNvPicPr>
+            <a:picLocks noChangeAspect="1" noChangeArrowheads="1"/>
+          </p:cNvPicPr>
+          <p:nvPr/>
+        </p:nvPicPr>
+        <p:blipFill>
+          <a:blip r:embed="rId2" cstate="print">
+            <a:extLst>
+              <a:ext uri="{28A0092B-C50C-407E-A947-70E740481C1C}">
+                <a14:useLocalDpi xmlns:a14="http://schemas.microsoft.com/office/drawing/2010/main" val="0"/>
+              </a:ext>
+            </a:extLst>
+          </a:blip>
+          <a:srcRect/>
+          <a:stretch>
+            <a:fillRect/>
+          </a:stretch>
+        </p:blipFill>
+        <p:spPr bwMode="auto">
+          <a:xfrm>
+            <a:off x="1348035" y="1168140"/>
+            <a:ext cx="1954369" cy="1094103"/>
+          </a:xfrm>
+          <a:prstGeom prst="rect">
+            <a:avLst/>
+          </a:prstGeom>
+          <a:noFill/>
+          <a:extLst>
+            <a:ext uri="{909E8E84-426E-40DD-AFC4-6F175D3DCCD1}">
+              <a14:hiddenFill xmlns:a14="http://schemas.microsoft.com/office/drawing/2010/main">
+                <a:solidFill>
+                  <a:srgbClr val="FFFFFF"/>
+                </a:solidFill>
+              </a14:hiddenFill>
+            </a:ext>
+          </a:extLst>
+        </p:spPr>
+      </p:pic>
+      <p:pic>
+        <p:nvPicPr>
+          <p:cNvPr id="4100" name="Picture 4" descr="Image result for c# logo"/>
+          <p:cNvPicPr>
+            <a:picLocks noChangeAspect="1" noChangeArrowheads="1"/>
+          </p:cNvPicPr>
+          <p:nvPr/>
+        </p:nvPicPr>
+        <p:blipFill>
+          <a:blip r:embed="rId3" cstate="print">
+            <a:extLst>
+              <a:ext uri="{28A0092B-C50C-407E-A947-70E740481C1C}">
+                <a14:useLocalDpi xmlns:a14="http://schemas.microsoft.com/office/drawing/2010/main" val="0"/>
+              </a:ext>
+            </a:extLst>
+          </a:blip>
+          <a:srcRect/>
+          <a:stretch>
+            <a:fillRect/>
+          </a:stretch>
+        </p:blipFill>
+        <p:spPr bwMode="auto">
+          <a:xfrm>
+            <a:off x="5161479" y="1299244"/>
+            <a:ext cx="911923" cy="1023959"/>
+          </a:xfrm>
+          <a:prstGeom prst="rect">
+            <a:avLst/>
+          </a:prstGeom>
+          <a:noFill/>
+          <a:extLst>
+            <a:ext uri="{909E8E84-426E-40DD-AFC4-6F175D3DCCD1}">
+              <a14:hiddenFill xmlns:a14="http://schemas.microsoft.com/office/drawing/2010/main">
+                <a:solidFill>
+                  <a:srgbClr val="FFFFFF"/>
+                </a:solidFill>
+              </a14:hiddenFill>
+            </a:ext>
+          </a:extLst>
+        </p:spPr>
+      </p:pic>
     </p:spTree>
     <p:extLst>
       <p:ext uri="{BB962C8B-B14F-4D97-AF65-F5344CB8AC3E}">
-        <p14:creationId xmlns:p14="http://schemas.microsoft.com/office/powerpoint/2010/main" val="1109046541"/>
+        <p14:creationId xmlns:p14="http://schemas.microsoft.com/office/powerpoint/2010/main" val="2787977755"/>
       </p:ext>
     </p:extLst>
   </p:cSld>
@@ -6612,12 +7025,17 @@
             <p:ph idx="1"/>
           </p:nvPr>
         </p:nvSpPr>
-        <p:spPr/>
+        <p:spPr>
+          <a:xfrm>
+            <a:off x="216488" y="1077257"/>
+            <a:ext cx="8748000" cy="3474900"/>
+          </a:xfrm>
+        </p:spPr>
         <p:txBody>
           <a:bodyPr/>
           <a:lstStyle/>
           <a:p>
-            <a:endParaRPr lang="de-CH"/>
+            <a:endParaRPr lang="de-CH" dirty="0"/>
           </a:p>
         </p:txBody>
       </p:sp>
@@ -6668,18 +7086,1990 @@
           <a:bodyPr/>
           <a:lstStyle/>
           <a:p>
-            <a:r>
-              <a:rPr lang="de-CH" dirty="0" smtClean="0"/>
-              <a:t>Rückblick auf Spiel</a:t>
-            </a:r>
             <a:endParaRPr lang="de-CH" dirty="0"/>
           </a:p>
         </p:txBody>
       </p:sp>
+      <p:graphicFrame>
+        <p:nvGraphicFramePr>
+          <p:cNvPr id="5" name="Tabelle 4"/>
+          <p:cNvGraphicFramePr>
+            <a:graphicFrameLocks noGrp="1"/>
+          </p:cNvGraphicFramePr>
+          <p:nvPr>
+            <p:extLst>
+              <p:ext uri="{D42A27DB-BD31-4B8C-83A1-F6EECF244321}">
+                <p14:modId xmlns:p14="http://schemas.microsoft.com/office/powerpoint/2010/main" val="1776030798"/>
+              </p:ext>
+            </p:extLst>
+          </p:nvPr>
+        </p:nvGraphicFramePr>
+        <p:xfrm>
+          <a:off x="83821" y="123480"/>
+          <a:ext cx="9006840" cy="4547581"/>
+        </p:xfrm>
+        <a:graphic>
+          <a:graphicData uri="http://schemas.openxmlformats.org/drawingml/2006/table">
+            <a:tbl>
+              <a:tblPr firstRow="1" firstCol="1" bandRow="1">
+                <a:tableStyleId>{5C22544A-7EE6-4342-B048-85BDC9FD1C3A}</a:tableStyleId>
+              </a:tblPr>
+              <a:tblGrid>
+                <a:gridCol w="1801368"/>
+                <a:gridCol w="1801368"/>
+                <a:gridCol w="1801368"/>
+                <a:gridCol w="1801368"/>
+                <a:gridCol w="1801368"/>
+              </a:tblGrid>
+              <a:tr h="327495">
+                <a:tc>
+                  <a:txBody>
+                    <a:bodyPr/>
+                    <a:lstStyle/>
+                    <a:p>
+                      <a:pPr>
+                        <a:lnSpc>
+                          <a:spcPct val="115000"/>
+                        </a:lnSpc>
+                        <a:spcAft>
+                          <a:spcPts val="0"/>
+                        </a:spcAft>
+                      </a:pPr>
+                      <a:r>
+                        <a:rPr lang="en-US" sz="500" dirty="0">
+                          <a:effectLst/>
+                        </a:rPr>
+                        <a:t>Milestone</a:t>
+                      </a:r>
+                      <a:endParaRPr lang="en-US" sz="500" dirty="0">
+                        <a:effectLst/>
+                        <a:latin typeface="Verdana"/>
+                        <a:ea typeface="Calibri"/>
+                        <a:cs typeface="Times New Roman"/>
+                      </a:endParaRPr>
+                    </a:p>
+                  </a:txBody>
+                  <a:tcPr marL="26328" marR="26328" marT="0" marB="0" anchor="ctr"/>
+                </a:tc>
+                <a:tc>
+                  <a:txBody>
+                    <a:bodyPr/>
+                    <a:lstStyle/>
+                    <a:p>
+                      <a:pPr>
+                        <a:lnSpc>
+                          <a:spcPct val="115000"/>
+                        </a:lnSpc>
+                        <a:spcAft>
+                          <a:spcPts val="0"/>
+                        </a:spcAft>
+                      </a:pPr>
+                      <a:r>
+                        <a:rPr lang="en-US" sz="500">
+                          <a:effectLst/>
+                        </a:rPr>
+                        <a:t>Application Milestone</a:t>
+                      </a:r>
+                      <a:endParaRPr lang="en-US" sz="500">
+                        <a:effectLst/>
+                        <a:latin typeface="Verdana"/>
+                        <a:ea typeface="Calibri"/>
+                        <a:cs typeface="Times New Roman"/>
+                      </a:endParaRPr>
+                    </a:p>
+                  </a:txBody>
+                  <a:tcPr marL="26328" marR="26328" marT="0" marB="0" anchor="ctr"/>
+                </a:tc>
+                <a:tc>
+                  <a:txBody>
+                    <a:bodyPr/>
+                    <a:lstStyle/>
+                    <a:p>
+                      <a:pPr>
+                        <a:lnSpc>
+                          <a:spcPct val="115000"/>
+                        </a:lnSpc>
+                        <a:spcAft>
+                          <a:spcPts val="0"/>
+                        </a:spcAft>
+                      </a:pPr>
+                      <a:r>
+                        <a:rPr lang="en-US" sz="500">
+                          <a:effectLst/>
+                        </a:rPr>
+                        <a:t>Service Milestone and Service Delivery</a:t>
+                      </a:r>
+                      <a:endParaRPr lang="en-US" sz="500">
+                        <a:effectLst/>
+                        <a:latin typeface="Verdana"/>
+                        <a:ea typeface="Calibri"/>
+                        <a:cs typeface="Times New Roman"/>
+                      </a:endParaRPr>
+                    </a:p>
+                  </a:txBody>
+                  <a:tcPr marL="26328" marR="26328" marT="0" marB="0" anchor="ctr"/>
+                </a:tc>
+                <a:tc>
+                  <a:txBody>
+                    <a:bodyPr/>
+                    <a:lstStyle/>
+                    <a:p>
+                      <a:pPr>
+                        <a:lnSpc>
+                          <a:spcPct val="115000"/>
+                        </a:lnSpc>
+                        <a:spcAft>
+                          <a:spcPts val="0"/>
+                        </a:spcAft>
+                      </a:pPr>
+                      <a:r>
+                        <a:rPr lang="en-US" sz="500">
+                          <a:effectLst/>
+                        </a:rPr>
+                        <a:t>End of Phase(s)</a:t>
+                      </a:r>
+                      <a:endParaRPr lang="en-US" sz="500">
+                        <a:effectLst/>
+                        <a:latin typeface="Verdana"/>
+                        <a:ea typeface="Calibri"/>
+                        <a:cs typeface="Times New Roman"/>
+                      </a:endParaRPr>
+                    </a:p>
+                  </a:txBody>
+                  <a:tcPr marL="26328" marR="26328" marT="0" marB="0" anchor="ctr"/>
+                </a:tc>
+                <a:tc>
+                  <a:txBody>
+                    <a:bodyPr/>
+                    <a:lstStyle/>
+                    <a:p>
+                      <a:pPr>
+                        <a:lnSpc>
+                          <a:spcPct val="115000"/>
+                        </a:lnSpc>
+                        <a:spcAft>
+                          <a:spcPts val="0"/>
+                        </a:spcAft>
+                      </a:pPr>
+                      <a:r>
+                        <a:rPr lang="en-US" sz="500">
+                          <a:effectLst/>
+                        </a:rPr>
+                        <a:t>Est. Date</a:t>
+                      </a:r>
+                      <a:endParaRPr lang="en-US" sz="500">
+                        <a:effectLst/>
+                        <a:latin typeface="Verdana"/>
+                        <a:ea typeface="Calibri"/>
+                        <a:cs typeface="Times New Roman"/>
+                      </a:endParaRPr>
+                    </a:p>
+                  </a:txBody>
+                  <a:tcPr marL="26328" marR="26328" marT="0" marB="0" anchor="ctr"/>
+                </a:tc>
+              </a:tr>
+              <a:tr h="383879">
+                <a:tc>
+                  <a:txBody>
+                    <a:bodyPr/>
+                    <a:lstStyle/>
+                    <a:p>
+                      <a:pPr>
+                        <a:lnSpc>
+                          <a:spcPct val="115000"/>
+                        </a:lnSpc>
+                        <a:spcAft>
+                          <a:spcPts val="0"/>
+                        </a:spcAft>
+                      </a:pPr>
+                      <a:r>
+                        <a:rPr lang="pl-PL" sz="500">
+                          <a:effectLst/>
+                        </a:rPr>
+                        <a:t>Infos sammeln zum Spiel</a:t>
+                      </a:r>
+                      <a:endParaRPr lang="en-US" sz="500">
+                        <a:effectLst/>
+                        <a:latin typeface="Verdana"/>
+                        <a:ea typeface="Calibri"/>
+                        <a:cs typeface="Times New Roman"/>
+                      </a:endParaRPr>
+                    </a:p>
+                  </a:txBody>
+                  <a:tcPr marL="26328" marR="26328" marT="0" marB="0" anchor="ctr"/>
+                </a:tc>
+                <a:tc>
+                  <a:txBody>
+                    <a:bodyPr/>
+                    <a:lstStyle/>
+                    <a:p>
+                      <a:pPr>
+                        <a:lnSpc>
+                          <a:spcPct val="115000"/>
+                        </a:lnSpc>
+                        <a:spcAft>
+                          <a:spcPts val="0"/>
+                        </a:spcAft>
+                      </a:pPr>
+                      <a:r>
+                        <a:rPr lang="pl-PL" sz="500">
+                          <a:effectLst/>
+                        </a:rPr>
+                        <a:t> </a:t>
+                      </a:r>
+                      <a:endParaRPr lang="en-US" sz="500">
+                        <a:effectLst/>
+                        <a:latin typeface="Verdana"/>
+                        <a:ea typeface="Calibri"/>
+                        <a:cs typeface="Times New Roman"/>
+                      </a:endParaRPr>
+                    </a:p>
+                  </a:txBody>
+                  <a:tcPr marL="26328" marR="26328" marT="0" marB="0" anchor="ctr"/>
+                </a:tc>
+                <a:tc>
+                  <a:txBody>
+                    <a:bodyPr/>
+                    <a:lstStyle/>
+                    <a:p>
+                      <a:pPr>
+                        <a:lnSpc>
+                          <a:spcPct val="115000"/>
+                        </a:lnSpc>
+                        <a:spcAft>
+                          <a:spcPts val="0"/>
+                        </a:spcAft>
+                      </a:pPr>
+                      <a:r>
+                        <a:rPr lang="pl-PL" sz="500">
+                          <a:effectLst/>
+                        </a:rPr>
+                        <a:t> </a:t>
+                      </a:r>
+                      <a:endParaRPr lang="en-US" sz="500">
+                        <a:effectLst/>
+                        <a:latin typeface="Verdana"/>
+                        <a:ea typeface="Calibri"/>
+                        <a:cs typeface="Times New Roman"/>
+                      </a:endParaRPr>
+                    </a:p>
+                  </a:txBody>
+                  <a:tcPr marL="26328" marR="26328" marT="0" marB="0" anchor="ctr"/>
+                </a:tc>
+                <a:tc>
+                  <a:txBody>
+                    <a:bodyPr/>
+                    <a:lstStyle/>
+                    <a:p>
+                      <a:pPr>
+                        <a:lnSpc>
+                          <a:spcPct val="115000"/>
+                        </a:lnSpc>
+                        <a:spcAft>
+                          <a:spcPts val="0"/>
+                        </a:spcAft>
+                      </a:pPr>
+                      <a:r>
+                        <a:rPr lang="pl-PL" sz="500">
+                          <a:effectLst/>
+                        </a:rPr>
+                        <a:t> </a:t>
+                      </a:r>
+                      <a:endParaRPr lang="en-US" sz="500">
+                        <a:effectLst/>
+                        <a:latin typeface="Verdana"/>
+                        <a:ea typeface="Calibri"/>
+                        <a:cs typeface="Times New Roman"/>
+                      </a:endParaRPr>
+                    </a:p>
+                  </a:txBody>
+                  <a:tcPr marL="26328" marR="26328" marT="0" marB="0" anchor="ctr"/>
+                </a:tc>
+                <a:tc>
+                  <a:txBody>
+                    <a:bodyPr/>
+                    <a:lstStyle/>
+                    <a:p>
+                      <a:pPr>
+                        <a:lnSpc>
+                          <a:spcPct val="115000"/>
+                        </a:lnSpc>
+                        <a:spcAft>
+                          <a:spcPts val="0"/>
+                        </a:spcAft>
+                      </a:pPr>
+                      <a:r>
+                        <a:rPr lang="pl-PL" sz="500">
+                          <a:effectLst/>
+                        </a:rPr>
+                        <a:t>Woche 1</a:t>
+                      </a:r>
+                      <a:endParaRPr lang="en-US" sz="500">
+                        <a:effectLst/>
+                        <a:latin typeface="Verdana"/>
+                        <a:ea typeface="Calibri"/>
+                        <a:cs typeface="Times New Roman"/>
+                      </a:endParaRPr>
+                    </a:p>
+                  </a:txBody>
+                  <a:tcPr marL="26328" marR="26328" marT="0" marB="0" anchor="ctr"/>
+                </a:tc>
+              </a:tr>
+              <a:tr h="403267">
+                <a:tc>
+                  <a:txBody>
+                    <a:bodyPr/>
+                    <a:lstStyle/>
+                    <a:p>
+                      <a:pPr>
+                        <a:lnSpc>
+                          <a:spcPct val="115000"/>
+                        </a:lnSpc>
+                        <a:spcAft>
+                          <a:spcPts val="0"/>
+                        </a:spcAft>
+                      </a:pPr>
+                      <a:r>
+                        <a:rPr lang="pl-PL" sz="500">
+                          <a:effectLst/>
+                        </a:rPr>
+                        <a:t>GitHub Repository aufsetzen</a:t>
+                      </a:r>
+                      <a:endParaRPr lang="en-US" sz="500">
+                        <a:effectLst/>
+                        <a:latin typeface="Verdana"/>
+                        <a:ea typeface="Calibri"/>
+                        <a:cs typeface="Times New Roman"/>
+                      </a:endParaRPr>
+                    </a:p>
+                  </a:txBody>
+                  <a:tcPr marL="26328" marR="26328" marT="0" marB="0" anchor="ctr"/>
+                </a:tc>
+                <a:tc>
+                  <a:txBody>
+                    <a:bodyPr/>
+                    <a:lstStyle/>
+                    <a:p>
+                      <a:pPr>
+                        <a:lnSpc>
+                          <a:spcPct val="115000"/>
+                        </a:lnSpc>
+                        <a:spcAft>
+                          <a:spcPts val="0"/>
+                        </a:spcAft>
+                      </a:pPr>
+                      <a:r>
+                        <a:rPr lang="pl-PL" sz="500">
+                          <a:effectLst/>
+                        </a:rPr>
+                        <a:t> </a:t>
+                      </a:r>
+                      <a:endParaRPr lang="en-US" sz="500">
+                        <a:effectLst/>
+                        <a:latin typeface="Verdana"/>
+                        <a:ea typeface="Calibri"/>
+                        <a:cs typeface="Times New Roman"/>
+                      </a:endParaRPr>
+                    </a:p>
+                  </a:txBody>
+                  <a:tcPr marL="26328" marR="26328" marT="0" marB="0" anchor="ctr"/>
+                </a:tc>
+                <a:tc>
+                  <a:txBody>
+                    <a:bodyPr/>
+                    <a:lstStyle/>
+                    <a:p>
+                      <a:pPr>
+                        <a:lnSpc>
+                          <a:spcPct val="115000"/>
+                        </a:lnSpc>
+                        <a:spcAft>
+                          <a:spcPts val="0"/>
+                        </a:spcAft>
+                      </a:pPr>
+                      <a:r>
+                        <a:rPr lang="pl-PL" sz="500">
+                          <a:effectLst/>
+                        </a:rPr>
+                        <a:t> </a:t>
+                      </a:r>
+                      <a:endParaRPr lang="en-US" sz="500">
+                        <a:effectLst/>
+                        <a:latin typeface="Verdana"/>
+                        <a:ea typeface="Calibri"/>
+                        <a:cs typeface="Times New Roman"/>
+                      </a:endParaRPr>
+                    </a:p>
+                  </a:txBody>
+                  <a:tcPr marL="26328" marR="26328" marT="0" marB="0" anchor="ctr"/>
+                </a:tc>
+                <a:tc>
+                  <a:txBody>
+                    <a:bodyPr/>
+                    <a:lstStyle/>
+                    <a:p>
+                      <a:pPr>
+                        <a:lnSpc>
+                          <a:spcPct val="115000"/>
+                        </a:lnSpc>
+                        <a:spcAft>
+                          <a:spcPts val="0"/>
+                        </a:spcAft>
+                      </a:pPr>
+                      <a:r>
+                        <a:rPr lang="pl-PL" sz="500">
+                          <a:effectLst/>
+                        </a:rPr>
+                        <a:t> </a:t>
+                      </a:r>
+                      <a:endParaRPr lang="en-US" sz="500">
+                        <a:effectLst/>
+                        <a:latin typeface="Verdana"/>
+                        <a:ea typeface="Calibri"/>
+                        <a:cs typeface="Times New Roman"/>
+                      </a:endParaRPr>
+                    </a:p>
+                  </a:txBody>
+                  <a:tcPr marL="26328" marR="26328" marT="0" marB="0" anchor="ctr"/>
+                </a:tc>
+                <a:tc>
+                  <a:txBody>
+                    <a:bodyPr/>
+                    <a:lstStyle/>
+                    <a:p>
+                      <a:pPr>
+                        <a:lnSpc>
+                          <a:spcPct val="115000"/>
+                        </a:lnSpc>
+                        <a:spcAft>
+                          <a:spcPts val="0"/>
+                        </a:spcAft>
+                      </a:pPr>
+                      <a:r>
+                        <a:rPr lang="pl-PL" sz="500">
+                          <a:effectLst/>
+                        </a:rPr>
+                        <a:t>Woche 1</a:t>
+                      </a:r>
+                      <a:endParaRPr lang="en-US" sz="500">
+                        <a:effectLst/>
+                        <a:latin typeface="Verdana"/>
+                        <a:ea typeface="Calibri"/>
+                        <a:cs typeface="Times New Roman"/>
+                      </a:endParaRPr>
+                    </a:p>
+                  </a:txBody>
+                  <a:tcPr marL="26328" marR="26328" marT="0" marB="0" anchor="ctr"/>
+                </a:tc>
+              </a:tr>
+              <a:tr h="470639">
+                <a:tc>
+                  <a:txBody>
+                    <a:bodyPr/>
+                    <a:lstStyle/>
+                    <a:p>
+                      <a:pPr>
+                        <a:lnSpc>
+                          <a:spcPct val="115000"/>
+                        </a:lnSpc>
+                        <a:spcAft>
+                          <a:spcPts val="0"/>
+                        </a:spcAft>
+                      </a:pPr>
+                      <a:r>
+                        <a:rPr lang="pl-PL" sz="500">
+                          <a:effectLst/>
+                        </a:rPr>
+                        <a:t>Benötigte Plugins, Software oder sonstiges besorgen</a:t>
+                      </a:r>
+                      <a:endParaRPr lang="en-US" sz="500">
+                        <a:effectLst/>
+                        <a:latin typeface="Verdana"/>
+                        <a:ea typeface="Calibri"/>
+                        <a:cs typeface="Times New Roman"/>
+                      </a:endParaRPr>
+                    </a:p>
+                  </a:txBody>
+                  <a:tcPr marL="26328" marR="26328" marT="0" marB="0" anchor="ctr"/>
+                </a:tc>
+                <a:tc>
+                  <a:txBody>
+                    <a:bodyPr/>
+                    <a:lstStyle/>
+                    <a:p>
+                      <a:pPr>
+                        <a:lnSpc>
+                          <a:spcPct val="115000"/>
+                        </a:lnSpc>
+                        <a:spcAft>
+                          <a:spcPts val="0"/>
+                        </a:spcAft>
+                      </a:pPr>
+                      <a:r>
+                        <a:rPr lang="pl-PL" sz="500">
+                          <a:effectLst/>
+                        </a:rPr>
+                        <a:t>Ggf.  Installieren und Testen der Software</a:t>
+                      </a:r>
+                      <a:endParaRPr lang="en-US" sz="500">
+                        <a:effectLst/>
+                        <a:latin typeface="Verdana"/>
+                        <a:ea typeface="Calibri"/>
+                        <a:cs typeface="Times New Roman"/>
+                      </a:endParaRPr>
+                    </a:p>
+                  </a:txBody>
+                  <a:tcPr marL="26328" marR="26328" marT="0" marB="0" anchor="ctr"/>
+                </a:tc>
+                <a:tc>
+                  <a:txBody>
+                    <a:bodyPr/>
+                    <a:lstStyle/>
+                    <a:p>
+                      <a:pPr>
+                        <a:lnSpc>
+                          <a:spcPct val="115000"/>
+                        </a:lnSpc>
+                        <a:spcAft>
+                          <a:spcPts val="0"/>
+                        </a:spcAft>
+                      </a:pPr>
+                      <a:r>
+                        <a:rPr lang="pl-PL" sz="500">
+                          <a:effectLst/>
+                        </a:rPr>
+                        <a:t> </a:t>
+                      </a:r>
+                      <a:endParaRPr lang="en-US" sz="500">
+                        <a:effectLst/>
+                        <a:latin typeface="Verdana"/>
+                        <a:ea typeface="Calibri"/>
+                        <a:cs typeface="Times New Roman"/>
+                      </a:endParaRPr>
+                    </a:p>
+                  </a:txBody>
+                  <a:tcPr marL="26328" marR="26328" marT="0" marB="0" anchor="ctr"/>
+                </a:tc>
+                <a:tc>
+                  <a:txBody>
+                    <a:bodyPr/>
+                    <a:lstStyle/>
+                    <a:p>
+                      <a:pPr>
+                        <a:lnSpc>
+                          <a:spcPct val="115000"/>
+                        </a:lnSpc>
+                        <a:spcAft>
+                          <a:spcPts val="0"/>
+                        </a:spcAft>
+                      </a:pPr>
+                      <a:r>
+                        <a:rPr lang="pl-PL" sz="500">
+                          <a:effectLst/>
+                        </a:rPr>
+                        <a:t> </a:t>
+                      </a:r>
+                      <a:endParaRPr lang="en-US" sz="500">
+                        <a:effectLst/>
+                        <a:latin typeface="Verdana"/>
+                        <a:ea typeface="Calibri"/>
+                        <a:cs typeface="Times New Roman"/>
+                      </a:endParaRPr>
+                    </a:p>
+                  </a:txBody>
+                  <a:tcPr marL="26328" marR="26328" marT="0" marB="0" anchor="ctr"/>
+                </a:tc>
+                <a:tc>
+                  <a:txBody>
+                    <a:bodyPr/>
+                    <a:lstStyle/>
+                    <a:p>
+                      <a:pPr>
+                        <a:lnSpc>
+                          <a:spcPct val="115000"/>
+                        </a:lnSpc>
+                        <a:spcAft>
+                          <a:spcPts val="0"/>
+                        </a:spcAft>
+                      </a:pPr>
+                      <a:r>
+                        <a:rPr lang="pl-PL" sz="500">
+                          <a:effectLst/>
+                        </a:rPr>
+                        <a:t>Woche 1</a:t>
+                      </a:r>
+                      <a:endParaRPr lang="en-US" sz="500">
+                        <a:effectLst/>
+                        <a:latin typeface="Verdana"/>
+                        <a:ea typeface="Calibri"/>
+                        <a:cs typeface="Times New Roman"/>
+                      </a:endParaRPr>
+                    </a:p>
+                  </a:txBody>
+                  <a:tcPr marL="26328" marR="26328" marT="0" marB="0" anchor="ctr"/>
+                </a:tc>
+              </a:tr>
+              <a:tr h="327495">
+                <a:tc>
+                  <a:txBody>
+                    <a:bodyPr/>
+                    <a:lstStyle/>
+                    <a:p>
+                      <a:pPr>
+                        <a:lnSpc>
+                          <a:spcPct val="115000"/>
+                        </a:lnSpc>
+                        <a:spcAft>
+                          <a:spcPts val="0"/>
+                        </a:spcAft>
+                      </a:pPr>
+                      <a:r>
+                        <a:rPr lang="de-CH" sz="500">
+                          <a:effectLst/>
+                        </a:rPr>
+                        <a:t>UML designen / Architektur planen</a:t>
+                      </a:r>
+                      <a:endParaRPr lang="en-US" sz="500">
+                        <a:effectLst/>
+                        <a:latin typeface="Verdana"/>
+                        <a:ea typeface="Calibri"/>
+                        <a:cs typeface="Times New Roman"/>
+                      </a:endParaRPr>
+                    </a:p>
+                  </a:txBody>
+                  <a:tcPr marL="26328" marR="26328" marT="0" marB="0" anchor="ctr"/>
+                </a:tc>
+                <a:tc>
+                  <a:txBody>
+                    <a:bodyPr/>
+                    <a:lstStyle/>
+                    <a:p>
+                      <a:pPr>
+                        <a:lnSpc>
+                          <a:spcPct val="115000"/>
+                        </a:lnSpc>
+                        <a:spcAft>
+                          <a:spcPts val="0"/>
+                        </a:spcAft>
+                      </a:pPr>
+                      <a:r>
+                        <a:rPr lang="de-CH" sz="500">
+                          <a:effectLst/>
+                        </a:rPr>
+                        <a:t> </a:t>
+                      </a:r>
+                      <a:endParaRPr lang="en-US" sz="500">
+                        <a:effectLst/>
+                        <a:latin typeface="Verdana"/>
+                        <a:ea typeface="Calibri"/>
+                        <a:cs typeface="Times New Roman"/>
+                      </a:endParaRPr>
+                    </a:p>
+                  </a:txBody>
+                  <a:tcPr marL="26328" marR="26328" marT="0" marB="0" anchor="ctr"/>
+                </a:tc>
+                <a:tc>
+                  <a:txBody>
+                    <a:bodyPr/>
+                    <a:lstStyle/>
+                    <a:p>
+                      <a:pPr>
+                        <a:lnSpc>
+                          <a:spcPct val="115000"/>
+                        </a:lnSpc>
+                        <a:spcAft>
+                          <a:spcPts val="0"/>
+                        </a:spcAft>
+                      </a:pPr>
+                      <a:r>
+                        <a:rPr lang="de-CH" sz="500">
+                          <a:effectLst/>
+                        </a:rPr>
+                        <a:t> </a:t>
+                      </a:r>
+                      <a:endParaRPr lang="en-US" sz="500">
+                        <a:effectLst/>
+                        <a:latin typeface="Verdana"/>
+                        <a:ea typeface="Calibri"/>
+                        <a:cs typeface="Times New Roman"/>
+                      </a:endParaRPr>
+                    </a:p>
+                  </a:txBody>
+                  <a:tcPr marL="26328" marR="26328" marT="0" marB="0" anchor="ctr"/>
+                </a:tc>
+                <a:tc>
+                  <a:txBody>
+                    <a:bodyPr/>
+                    <a:lstStyle/>
+                    <a:p>
+                      <a:pPr>
+                        <a:lnSpc>
+                          <a:spcPct val="115000"/>
+                        </a:lnSpc>
+                        <a:spcAft>
+                          <a:spcPts val="0"/>
+                        </a:spcAft>
+                      </a:pPr>
+                      <a:r>
+                        <a:rPr lang="de-CH" sz="500">
+                          <a:effectLst/>
+                        </a:rPr>
+                        <a:t> </a:t>
+                      </a:r>
+                      <a:endParaRPr lang="en-US" sz="500">
+                        <a:effectLst/>
+                        <a:latin typeface="Verdana"/>
+                        <a:ea typeface="Calibri"/>
+                        <a:cs typeface="Times New Roman"/>
+                      </a:endParaRPr>
+                    </a:p>
+                  </a:txBody>
+                  <a:tcPr marL="26328" marR="26328" marT="0" marB="0" anchor="ctr"/>
+                </a:tc>
+                <a:tc>
+                  <a:txBody>
+                    <a:bodyPr/>
+                    <a:lstStyle/>
+                    <a:p>
+                      <a:pPr>
+                        <a:lnSpc>
+                          <a:spcPct val="115000"/>
+                        </a:lnSpc>
+                        <a:spcAft>
+                          <a:spcPts val="0"/>
+                        </a:spcAft>
+                      </a:pPr>
+                      <a:r>
+                        <a:rPr lang="de-CH" sz="500">
+                          <a:effectLst/>
+                        </a:rPr>
+                        <a:t>Woche  2</a:t>
+                      </a:r>
+                      <a:endParaRPr lang="en-US" sz="500">
+                        <a:effectLst/>
+                        <a:latin typeface="Verdana"/>
+                        <a:ea typeface="Calibri"/>
+                        <a:cs typeface="Times New Roman"/>
+                      </a:endParaRPr>
+                    </a:p>
+                  </a:txBody>
+                  <a:tcPr marL="26328" marR="26328" marT="0" marB="0" anchor="ctr"/>
+                </a:tc>
+              </a:tr>
+              <a:tr h="268521">
+                <a:tc>
+                  <a:txBody>
+                    <a:bodyPr/>
+                    <a:lstStyle/>
+                    <a:p>
+                      <a:pPr>
+                        <a:lnSpc>
+                          <a:spcPct val="115000"/>
+                        </a:lnSpc>
+                        <a:spcAft>
+                          <a:spcPts val="0"/>
+                        </a:spcAft>
+                      </a:pPr>
+                      <a:r>
+                        <a:rPr lang="pl-PL" sz="500">
+                          <a:effectLst/>
+                        </a:rPr>
+                        <a:t>UseCases definieren</a:t>
+                      </a:r>
+                      <a:endParaRPr lang="en-US" sz="500">
+                        <a:effectLst/>
+                        <a:latin typeface="Verdana"/>
+                        <a:ea typeface="Calibri"/>
+                        <a:cs typeface="Times New Roman"/>
+                      </a:endParaRPr>
+                    </a:p>
+                  </a:txBody>
+                  <a:tcPr marL="26328" marR="26328" marT="0" marB="0" anchor="ctr"/>
+                </a:tc>
+                <a:tc>
+                  <a:txBody>
+                    <a:bodyPr/>
+                    <a:lstStyle/>
+                    <a:p>
+                      <a:pPr>
+                        <a:lnSpc>
+                          <a:spcPct val="115000"/>
+                        </a:lnSpc>
+                        <a:spcAft>
+                          <a:spcPts val="0"/>
+                        </a:spcAft>
+                      </a:pPr>
+                      <a:r>
+                        <a:rPr lang="pl-PL" sz="500">
+                          <a:effectLst/>
+                        </a:rPr>
+                        <a:t> </a:t>
+                      </a:r>
+                      <a:endParaRPr lang="en-US" sz="500">
+                        <a:effectLst/>
+                        <a:latin typeface="Verdana"/>
+                        <a:ea typeface="Calibri"/>
+                        <a:cs typeface="Times New Roman"/>
+                      </a:endParaRPr>
+                    </a:p>
+                  </a:txBody>
+                  <a:tcPr marL="26328" marR="26328" marT="0" marB="0" anchor="ctr"/>
+                </a:tc>
+                <a:tc>
+                  <a:txBody>
+                    <a:bodyPr/>
+                    <a:lstStyle/>
+                    <a:p>
+                      <a:pPr>
+                        <a:lnSpc>
+                          <a:spcPct val="115000"/>
+                        </a:lnSpc>
+                        <a:spcAft>
+                          <a:spcPts val="0"/>
+                        </a:spcAft>
+                      </a:pPr>
+                      <a:r>
+                        <a:rPr lang="pl-PL" sz="500" dirty="0">
+                          <a:effectLst/>
+                        </a:rPr>
+                        <a:t> </a:t>
+                      </a:r>
+                      <a:endParaRPr lang="en-US" sz="500" dirty="0">
+                        <a:effectLst/>
+                        <a:latin typeface="Verdana"/>
+                        <a:ea typeface="Calibri"/>
+                        <a:cs typeface="Times New Roman"/>
+                      </a:endParaRPr>
+                    </a:p>
+                  </a:txBody>
+                  <a:tcPr marL="26328" marR="26328" marT="0" marB="0" anchor="ctr"/>
+                </a:tc>
+                <a:tc>
+                  <a:txBody>
+                    <a:bodyPr/>
+                    <a:lstStyle/>
+                    <a:p>
+                      <a:pPr>
+                        <a:lnSpc>
+                          <a:spcPct val="115000"/>
+                        </a:lnSpc>
+                        <a:spcAft>
+                          <a:spcPts val="0"/>
+                        </a:spcAft>
+                      </a:pPr>
+                      <a:r>
+                        <a:rPr lang="pl-PL" sz="500" dirty="0">
+                          <a:effectLst/>
+                        </a:rPr>
+                        <a:t> </a:t>
+                      </a:r>
+                      <a:endParaRPr lang="en-US" sz="500" dirty="0">
+                        <a:effectLst/>
+                        <a:latin typeface="Verdana"/>
+                        <a:ea typeface="Calibri"/>
+                        <a:cs typeface="Times New Roman"/>
+                      </a:endParaRPr>
+                    </a:p>
+                  </a:txBody>
+                  <a:tcPr marL="26328" marR="26328" marT="0" marB="0" anchor="ctr"/>
+                </a:tc>
+                <a:tc>
+                  <a:txBody>
+                    <a:bodyPr/>
+                    <a:lstStyle/>
+                    <a:p>
+                      <a:pPr>
+                        <a:lnSpc>
+                          <a:spcPct val="115000"/>
+                        </a:lnSpc>
+                        <a:spcAft>
+                          <a:spcPts val="0"/>
+                        </a:spcAft>
+                      </a:pPr>
+                      <a:r>
+                        <a:rPr lang="pl-PL" sz="500">
+                          <a:effectLst/>
+                        </a:rPr>
+                        <a:t>Woche 2</a:t>
+                      </a:r>
+                      <a:endParaRPr lang="en-US" sz="500">
+                        <a:effectLst/>
+                        <a:latin typeface="Verdana"/>
+                        <a:ea typeface="Calibri"/>
+                        <a:cs typeface="Times New Roman"/>
+                      </a:endParaRPr>
+                    </a:p>
+                  </a:txBody>
+                  <a:tcPr marL="26328" marR="26328" marT="0" marB="0" anchor="ctr"/>
+                </a:tc>
+              </a:tr>
+              <a:tr h="265614">
+                <a:tc>
+                  <a:txBody>
+                    <a:bodyPr/>
+                    <a:lstStyle/>
+                    <a:p>
+                      <a:pPr>
+                        <a:lnSpc>
+                          <a:spcPct val="115000"/>
+                        </a:lnSpc>
+                        <a:spcAft>
+                          <a:spcPts val="0"/>
+                        </a:spcAft>
+                      </a:pPr>
+                      <a:r>
+                        <a:rPr lang="de-CH" sz="500">
+                          <a:effectLst/>
+                        </a:rPr>
+                        <a:t>Testfälle erstellen</a:t>
+                      </a:r>
+                      <a:endParaRPr lang="en-US" sz="500">
+                        <a:effectLst/>
+                        <a:latin typeface="Verdana"/>
+                        <a:ea typeface="Calibri"/>
+                        <a:cs typeface="Times New Roman"/>
+                      </a:endParaRPr>
+                    </a:p>
+                  </a:txBody>
+                  <a:tcPr marL="26328" marR="26328" marT="0" marB="0" anchor="ctr"/>
+                </a:tc>
+                <a:tc>
+                  <a:txBody>
+                    <a:bodyPr/>
+                    <a:lstStyle/>
+                    <a:p>
+                      <a:pPr>
+                        <a:lnSpc>
+                          <a:spcPct val="115000"/>
+                        </a:lnSpc>
+                        <a:spcAft>
+                          <a:spcPts val="0"/>
+                        </a:spcAft>
+                      </a:pPr>
+                      <a:r>
+                        <a:rPr lang="de-CH" sz="500">
+                          <a:effectLst/>
+                        </a:rPr>
+                        <a:t> </a:t>
+                      </a:r>
+                      <a:endParaRPr lang="en-US" sz="500">
+                        <a:effectLst/>
+                        <a:latin typeface="Verdana"/>
+                        <a:ea typeface="Calibri"/>
+                        <a:cs typeface="Times New Roman"/>
+                      </a:endParaRPr>
+                    </a:p>
+                  </a:txBody>
+                  <a:tcPr marL="26328" marR="26328" marT="0" marB="0" anchor="ctr"/>
+                </a:tc>
+                <a:tc>
+                  <a:txBody>
+                    <a:bodyPr/>
+                    <a:lstStyle/>
+                    <a:p>
+                      <a:pPr>
+                        <a:lnSpc>
+                          <a:spcPct val="115000"/>
+                        </a:lnSpc>
+                        <a:spcAft>
+                          <a:spcPts val="0"/>
+                        </a:spcAft>
+                      </a:pPr>
+                      <a:r>
+                        <a:rPr lang="de-CH" sz="500">
+                          <a:effectLst/>
+                        </a:rPr>
+                        <a:t> </a:t>
+                      </a:r>
+                      <a:endParaRPr lang="en-US" sz="500">
+                        <a:effectLst/>
+                        <a:latin typeface="Verdana"/>
+                        <a:ea typeface="Calibri"/>
+                        <a:cs typeface="Times New Roman"/>
+                      </a:endParaRPr>
+                    </a:p>
+                  </a:txBody>
+                  <a:tcPr marL="26328" marR="26328" marT="0" marB="0" anchor="ctr"/>
+                </a:tc>
+                <a:tc>
+                  <a:txBody>
+                    <a:bodyPr/>
+                    <a:lstStyle/>
+                    <a:p>
+                      <a:pPr>
+                        <a:lnSpc>
+                          <a:spcPct val="115000"/>
+                        </a:lnSpc>
+                        <a:spcAft>
+                          <a:spcPts val="0"/>
+                        </a:spcAft>
+                      </a:pPr>
+                      <a:r>
+                        <a:rPr lang="de-CH" sz="500">
+                          <a:effectLst/>
+                        </a:rPr>
+                        <a:t> </a:t>
+                      </a:r>
+                      <a:endParaRPr lang="en-US" sz="500">
+                        <a:effectLst/>
+                        <a:latin typeface="Verdana"/>
+                        <a:ea typeface="Calibri"/>
+                        <a:cs typeface="Times New Roman"/>
+                      </a:endParaRPr>
+                    </a:p>
+                  </a:txBody>
+                  <a:tcPr marL="26328" marR="26328" marT="0" marB="0" anchor="ctr"/>
+                </a:tc>
+                <a:tc>
+                  <a:txBody>
+                    <a:bodyPr/>
+                    <a:lstStyle/>
+                    <a:p>
+                      <a:pPr>
+                        <a:lnSpc>
+                          <a:spcPct val="115000"/>
+                        </a:lnSpc>
+                        <a:spcAft>
+                          <a:spcPts val="0"/>
+                        </a:spcAft>
+                      </a:pPr>
+                      <a:r>
+                        <a:rPr lang="de-CH" sz="500">
+                          <a:effectLst/>
+                        </a:rPr>
+                        <a:t>Woche 2</a:t>
+                      </a:r>
+                      <a:endParaRPr lang="en-US" sz="500">
+                        <a:effectLst/>
+                        <a:latin typeface="Verdana"/>
+                        <a:ea typeface="Calibri"/>
+                        <a:cs typeface="Times New Roman"/>
+                      </a:endParaRPr>
+                    </a:p>
+                  </a:txBody>
+                  <a:tcPr marL="26328" marR="26328" marT="0" marB="0" anchor="ctr"/>
+                </a:tc>
+              </a:tr>
+              <a:tr h="399874">
+                <a:tc>
+                  <a:txBody>
+                    <a:bodyPr/>
+                    <a:lstStyle/>
+                    <a:p>
+                      <a:pPr>
+                        <a:lnSpc>
+                          <a:spcPct val="115000"/>
+                        </a:lnSpc>
+                        <a:spcAft>
+                          <a:spcPts val="0"/>
+                        </a:spcAft>
+                      </a:pPr>
+                      <a:r>
+                        <a:rPr lang="pl-PL" sz="500">
+                          <a:effectLst/>
+                        </a:rPr>
+                        <a:t>UML überarbeiten nach UseCases und Testfälle</a:t>
+                      </a:r>
+                      <a:endParaRPr lang="en-US" sz="500">
+                        <a:effectLst/>
+                        <a:latin typeface="Verdana"/>
+                        <a:ea typeface="Calibri"/>
+                        <a:cs typeface="Times New Roman"/>
+                      </a:endParaRPr>
+                    </a:p>
+                  </a:txBody>
+                  <a:tcPr marL="26328" marR="26328" marT="0" marB="0" anchor="ctr"/>
+                </a:tc>
+                <a:tc>
+                  <a:txBody>
+                    <a:bodyPr/>
+                    <a:lstStyle/>
+                    <a:p>
+                      <a:pPr>
+                        <a:lnSpc>
+                          <a:spcPct val="115000"/>
+                        </a:lnSpc>
+                        <a:spcAft>
+                          <a:spcPts val="0"/>
+                        </a:spcAft>
+                      </a:pPr>
+                      <a:r>
+                        <a:rPr lang="pl-PL" sz="500">
+                          <a:effectLst/>
+                        </a:rPr>
+                        <a:t> </a:t>
+                      </a:r>
+                      <a:endParaRPr lang="en-US" sz="500">
+                        <a:effectLst/>
+                        <a:latin typeface="Verdana"/>
+                        <a:ea typeface="Calibri"/>
+                        <a:cs typeface="Times New Roman"/>
+                      </a:endParaRPr>
+                    </a:p>
+                  </a:txBody>
+                  <a:tcPr marL="26328" marR="26328" marT="0" marB="0" anchor="ctr"/>
+                </a:tc>
+                <a:tc>
+                  <a:txBody>
+                    <a:bodyPr/>
+                    <a:lstStyle/>
+                    <a:p>
+                      <a:pPr>
+                        <a:lnSpc>
+                          <a:spcPct val="115000"/>
+                        </a:lnSpc>
+                        <a:spcAft>
+                          <a:spcPts val="0"/>
+                        </a:spcAft>
+                      </a:pPr>
+                      <a:r>
+                        <a:rPr lang="pl-PL" sz="500">
+                          <a:effectLst/>
+                        </a:rPr>
+                        <a:t> </a:t>
+                      </a:r>
+                      <a:endParaRPr lang="en-US" sz="500">
+                        <a:effectLst/>
+                        <a:latin typeface="Verdana"/>
+                        <a:ea typeface="Calibri"/>
+                        <a:cs typeface="Times New Roman"/>
+                      </a:endParaRPr>
+                    </a:p>
+                  </a:txBody>
+                  <a:tcPr marL="26328" marR="26328" marT="0" marB="0" anchor="ctr"/>
+                </a:tc>
+                <a:tc>
+                  <a:txBody>
+                    <a:bodyPr/>
+                    <a:lstStyle/>
+                    <a:p>
+                      <a:pPr>
+                        <a:lnSpc>
+                          <a:spcPct val="115000"/>
+                        </a:lnSpc>
+                        <a:spcAft>
+                          <a:spcPts val="0"/>
+                        </a:spcAft>
+                      </a:pPr>
+                      <a:r>
+                        <a:rPr lang="pl-PL" sz="500" dirty="0">
+                          <a:effectLst/>
+                        </a:rPr>
+                        <a:t> </a:t>
+                      </a:r>
+                      <a:endParaRPr lang="en-US" sz="500" dirty="0">
+                        <a:effectLst/>
+                        <a:latin typeface="Verdana"/>
+                        <a:ea typeface="Calibri"/>
+                        <a:cs typeface="Times New Roman"/>
+                      </a:endParaRPr>
+                    </a:p>
+                  </a:txBody>
+                  <a:tcPr marL="26328" marR="26328" marT="0" marB="0" anchor="ctr"/>
+                </a:tc>
+                <a:tc>
+                  <a:txBody>
+                    <a:bodyPr/>
+                    <a:lstStyle/>
+                    <a:p>
+                      <a:pPr>
+                        <a:lnSpc>
+                          <a:spcPct val="115000"/>
+                        </a:lnSpc>
+                        <a:spcAft>
+                          <a:spcPts val="0"/>
+                        </a:spcAft>
+                      </a:pPr>
+                      <a:r>
+                        <a:rPr lang="pl-PL" sz="500" dirty="0">
+                          <a:effectLst/>
+                        </a:rPr>
+                        <a:t>Woche 2</a:t>
+                      </a:r>
+                      <a:endParaRPr lang="en-US" sz="500" dirty="0">
+                        <a:effectLst/>
+                        <a:latin typeface="Verdana"/>
+                        <a:ea typeface="Calibri"/>
+                        <a:cs typeface="Times New Roman"/>
+                      </a:endParaRPr>
+                    </a:p>
+                  </a:txBody>
+                  <a:tcPr marL="26328" marR="26328" marT="0" marB="0" anchor="ctr"/>
+                </a:tc>
+              </a:tr>
+              <a:tr h="474033">
+                <a:tc>
+                  <a:txBody>
+                    <a:bodyPr/>
+                    <a:lstStyle/>
+                    <a:p>
+                      <a:pPr>
+                        <a:lnSpc>
+                          <a:spcPct val="115000"/>
+                        </a:lnSpc>
+                        <a:spcAft>
+                          <a:spcPts val="0"/>
+                        </a:spcAft>
+                      </a:pPr>
+                      <a:r>
+                        <a:rPr lang="pl-PL" sz="500">
+                          <a:effectLst/>
+                        </a:rPr>
+                        <a:t> </a:t>
+                      </a:r>
+                      <a:endParaRPr lang="en-US" sz="500">
+                        <a:effectLst/>
+                        <a:latin typeface="Verdana"/>
+                        <a:ea typeface="Calibri"/>
+                        <a:cs typeface="Times New Roman"/>
+                      </a:endParaRPr>
+                    </a:p>
+                  </a:txBody>
+                  <a:tcPr marL="26328" marR="26328" marT="0" marB="0" anchor="ctr"/>
+                </a:tc>
+                <a:tc>
+                  <a:txBody>
+                    <a:bodyPr/>
+                    <a:lstStyle/>
+                    <a:p>
+                      <a:pPr>
+                        <a:lnSpc>
+                          <a:spcPct val="115000"/>
+                        </a:lnSpc>
+                        <a:spcAft>
+                          <a:spcPts val="0"/>
+                        </a:spcAft>
+                      </a:pPr>
+                      <a:r>
+                        <a:rPr lang="pl-PL" sz="500">
+                          <a:effectLst/>
+                        </a:rPr>
+                        <a:t>Beginn der Implementation / Arcchitektur implementieren</a:t>
+                      </a:r>
+                      <a:endParaRPr lang="en-US" sz="500">
+                        <a:effectLst/>
+                        <a:latin typeface="Verdana"/>
+                        <a:ea typeface="Calibri"/>
+                        <a:cs typeface="Times New Roman"/>
+                      </a:endParaRPr>
+                    </a:p>
+                  </a:txBody>
+                  <a:tcPr marL="26328" marR="26328" marT="0" marB="0" anchor="ctr"/>
+                </a:tc>
+                <a:tc>
+                  <a:txBody>
+                    <a:bodyPr/>
+                    <a:lstStyle/>
+                    <a:p>
+                      <a:pPr>
+                        <a:lnSpc>
+                          <a:spcPct val="115000"/>
+                        </a:lnSpc>
+                        <a:spcAft>
+                          <a:spcPts val="0"/>
+                        </a:spcAft>
+                      </a:pPr>
+                      <a:r>
+                        <a:rPr lang="pl-PL" sz="500" dirty="0">
+                          <a:effectLst/>
+                        </a:rPr>
+                        <a:t> </a:t>
+                      </a:r>
+                      <a:endParaRPr lang="en-US" sz="500" dirty="0">
+                        <a:effectLst/>
+                        <a:latin typeface="Verdana"/>
+                        <a:ea typeface="Calibri"/>
+                        <a:cs typeface="Times New Roman"/>
+                      </a:endParaRPr>
+                    </a:p>
+                  </a:txBody>
+                  <a:tcPr marL="26328" marR="26328" marT="0" marB="0" anchor="ctr"/>
+                </a:tc>
+                <a:tc>
+                  <a:txBody>
+                    <a:bodyPr/>
+                    <a:lstStyle/>
+                    <a:p>
+                      <a:pPr>
+                        <a:lnSpc>
+                          <a:spcPct val="115000"/>
+                        </a:lnSpc>
+                        <a:spcAft>
+                          <a:spcPts val="0"/>
+                        </a:spcAft>
+                      </a:pPr>
+                      <a:r>
+                        <a:rPr lang="pl-PL" sz="500">
+                          <a:effectLst/>
+                        </a:rPr>
+                        <a:t> </a:t>
+                      </a:r>
+                      <a:endParaRPr lang="en-US" sz="500">
+                        <a:effectLst/>
+                        <a:latin typeface="Verdana"/>
+                        <a:ea typeface="Calibri"/>
+                        <a:cs typeface="Times New Roman"/>
+                      </a:endParaRPr>
+                    </a:p>
+                  </a:txBody>
+                  <a:tcPr marL="26328" marR="26328" marT="0" marB="0" anchor="ctr"/>
+                </a:tc>
+                <a:tc>
+                  <a:txBody>
+                    <a:bodyPr/>
+                    <a:lstStyle/>
+                    <a:p>
+                      <a:pPr>
+                        <a:lnSpc>
+                          <a:spcPct val="115000"/>
+                        </a:lnSpc>
+                        <a:spcAft>
+                          <a:spcPts val="0"/>
+                        </a:spcAft>
+                      </a:pPr>
+                      <a:r>
+                        <a:rPr lang="pl-PL" sz="500" dirty="0">
+                          <a:effectLst/>
+                        </a:rPr>
+                        <a:t>Woche 2</a:t>
+                      </a:r>
+                      <a:r>
+                        <a:rPr lang="pl-PL" sz="500" dirty="0" smtClean="0">
+                          <a:effectLst/>
+                        </a:rPr>
+                        <a:t>,</a:t>
+                      </a:r>
+                      <a:r>
+                        <a:rPr lang="de-CH" sz="500" dirty="0" smtClean="0">
+                          <a:effectLst/>
+                        </a:rPr>
+                        <a:t> </a:t>
+                      </a:r>
+                      <a:r>
+                        <a:rPr lang="pl-PL" sz="500" dirty="0" smtClean="0">
+                          <a:effectLst/>
+                        </a:rPr>
+                        <a:t>3</a:t>
+                      </a:r>
+                      <a:endParaRPr lang="en-US" sz="500" dirty="0">
+                        <a:effectLst/>
+                        <a:latin typeface="Verdana"/>
+                        <a:ea typeface="Calibri"/>
+                        <a:cs typeface="Times New Roman"/>
+                      </a:endParaRPr>
+                    </a:p>
+                  </a:txBody>
+                  <a:tcPr marL="26328" marR="26328" marT="0" marB="0" anchor="ctr"/>
+                </a:tc>
+              </a:tr>
+              <a:tr h="398904">
+                <a:tc>
+                  <a:txBody>
+                    <a:bodyPr/>
+                    <a:lstStyle/>
+                    <a:p>
+                      <a:pPr>
+                        <a:lnSpc>
+                          <a:spcPct val="115000"/>
+                        </a:lnSpc>
+                        <a:spcAft>
+                          <a:spcPts val="0"/>
+                        </a:spcAft>
+                      </a:pPr>
+                      <a:r>
+                        <a:rPr lang="pl-PL" sz="500">
+                          <a:effectLst/>
+                        </a:rPr>
+                        <a:t> </a:t>
+                      </a:r>
+                      <a:endParaRPr lang="en-US" sz="500">
+                        <a:effectLst/>
+                        <a:latin typeface="Verdana"/>
+                        <a:ea typeface="Calibri"/>
+                        <a:cs typeface="Times New Roman"/>
+                      </a:endParaRPr>
+                    </a:p>
+                  </a:txBody>
+                  <a:tcPr marL="26328" marR="26328" marT="0" marB="0" anchor="ctr"/>
+                </a:tc>
+                <a:tc>
+                  <a:txBody>
+                    <a:bodyPr/>
+                    <a:lstStyle/>
+                    <a:p>
+                      <a:pPr>
+                        <a:lnSpc>
+                          <a:spcPct val="115000"/>
+                        </a:lnSpc>
+                        <a:spcAft>
+                          <a:spcPts val="0"/>
+                        </a:spcAft>
+                      </a:pPr>
+                      <a:r>
+                        <a:rPr lang="pl-PL" sz="500">
+                          <a:effectLst/>
+                        </a:rPr>
+                        <a:t>Business Logic implementieren</a:t>
+                      </a:r>
+                      <a:endParaRPr lang="en-US" sz="500">
+                        <a:effectLst/>
+                        <a:latin typeface="Verdana"/>
+                        <a:ea typeface="Calibri"/>
+                        <a:cs typeface="Times New Roman"/>
+                      </a:endParaRPr>
+                    </a:p>
+                  </a:txBody>
+                  <a:tcPr marL="26328" marR="26328" marT="0" marB="0" anchor="ctr"/>
+                </a:tc>
+                <a:tc>
+                  <a:txBody>
+                    <a:bodyPr/>
+                    <a:lstStyle/>
+                    <a:p>
+                      <a:pPr>
+                        <a:lnSpc>
+                          <a:spcPct val="115000"/>
+                        </a:lnSpc>
+                        <a:spcAft>
+                          <a:spcPts val="0"/>
+                        </a:spcAft>
+                      </a:pPr>
+                      <a:r>
+                        <a:rPr lang="pl-PL" sz="500">
+                          <a:effectLst/>
+                        </a:rPr>
+                        <a:t> </a:t>
+                      </a:r>
+                      <a:endParaRPr lang="en-US" sz="500">
+                        <a:effectLst/>
+                        <a:latin typeface="Verdana"/>
+                        <a:ea typeface="Calibri"/>
+                        <a:cs typeface="Times New Roman"/>
+                      </a:endParaRPr>
+                    </a:p>
+                  </a:txBody>
+                  <a:tcPr marL="26328" marR="26328" marT="0" marB="0" anchor="ctr"/>
+                </a:tc>
+                <a:tc>
+                  <a:txBody>
+                    <a:bodyPr/>
+                    <a:lstStyle/>
+                    <a:p>
+                      <a:pPr>
+                        <a:lnSpc>
+                          <a:spcPct val="115000"/>
+                        </a:lnSpc>
+                        <a:spcAft>
+                          <a:spcPts val="0"/>
+                        </a:spcAft>
+                      </a:pPr>
+                      <a:r>
+                        <a:rPr lang="pl-PL" sz="500">
+                          <a:effectLst/>
+                        </a:rPr>
+                        <a:t> </a:t>
+                      </a:r>
+                      <a:endParaRPr lang="en-US" sz="500">
+                        <a:effectLst/>
+                        <a:latin typeface="Verdana"/>
+                        <a:ea typeface="Calibri"/>
+                        <a:cs typeface="Times New Roman"/>
+                      </a:endParaRPr>
+                    </a:p>
+                  </a:txBody>
+                  <a:tcPr marL="26328" marR="26328" marT="0" marB="0" anchor="ctr"/>
+                </a:tc>
+                <a:tc>
+                  <a:txBody>
+                    <a:bodyPr/>
+                    <a:lstStyle/>
+                    <a:p>
+                      <a:pPr>
+                        <a:lnSpc>
+                          <a:spcPct val="115000"/>
+                        </a:lnSpc>
+                        <a:spcAft>
+                          <a:spcPts val="0"/>
+                        </a:spcAft>
+                      </a:pPr>
+                      <a:r>
+                        <a:rPr lang="pl-PL" sz="500">
+                          <a:effectLst/>
+                        </a:rPr>
+                        <a:t>Woche 3</a:t>
+                      </a:r>
+                      <a:endParaRPr lang="en-US" sz="500">
+                        <a:effectLst/>
+                        <a:latin typeface="Verdana"/>
+                        <a:ea typeface="Calibri"/>
+                        <a:cs typeface="Times New Roman"/>
+                      </a:endParaRPr>
+                    </a:p>
+                  </a:txBody>
+                  <a:tcPr marL="26328" marR="26328" marT="0" marB="0" anchor="ctr"/>
+                </a:tc>
+              </a:tr>
+              <a:tr h="336379">
+                <a:tc>
+                  <a:txBody>
+                    <a:bodyPr/>
+                    <a:lstStyle/>
+                    <a:p>
+                      <a:pPr>
+                        <a:lnSpc>
+                          <a:spcPct val="115000"/>
+                        </a:lnSpc>
+                        <a:spcAft>
+                          <a:spcPts val="0"/>
+                        </a:spcAft>
+                      </a:pPr>
+                      <a:r>
+                        <a:rPr lang="de-CH" sz="500">
+                          <a:effectLst/>
+                        </a:rPr>
+                        <a:t>Anpassungen des UML, Spielregeln</a:t>
+                      </a:r>
+                      <a:endParaRPr lang="en-US" sz="500">
+                        <a:effectLst/>
+                        <a:latin typeface="Verdana"/>
+                        <a:ea typeface="Calibri"/>
+                        <a:cs typeface="Times New Roman"/>
+                      </a:endParaRPr>
+                    </a:p>
+                  </a:txBody>
+                  <a:tcPr marL="26328" marR="26328" marT="0" marB="0" anchor="ctr"/>
+                </a:tc>
+                <a:tc>
+                  <a:txBody>
+                    <a:bodyPr/>
+                    <a:lstStyle/>
+                    <a:p>
+                      <a:pPr>
+                        <a:lnSpc>
+                          <a:spcPct val="115000"/>
+                        </a:lnSpc>
+                        <a:spcAft>
+                          <a:spcPts val="0"/>
+                        </a:spcAft>
+                      </a:pPr>
+                      <a:r>
+                        <a:rPr lang="de-CH" sz="500">
+                          <a:effectLst/>
+                        </a:rPr>
+                        <a:t>Business Logic verfeinern</a:t>
+                      </a:r>
+                      <a:endParaRPr lang="en-US" sz="500">
+                        <a:effectLst/>
+                        <a:latin typeface="Verdana"/>
+                        <a:ea typeface="Calibri"/>
+                        <a:cs typeface="Times New Roman"/>
+                      </a:endParaRPr>
+                    </a:p>
+                  </a:txBody>
+                  <a:tcPr marL="26328" marR="26328" marT="0" marB="0" anchor="ctr"/>
+                </a:tc>
+                <a:tc>
+                  <a:txBody>
+                    <a:bodyPr/>
+                    <a:lstStyle/>
+                    <a:p>
+                      <a:pPr>
+                        <a:lnSpc>
+                          <a:spcPct val="115000"/>
+                        </a:lnSpc>
+                        <a:spcAft>
+                          <a:spcPts val="0"/>
+                        </a:spcAft>
+                      </a:pPr>
+                      <a:r>
+                        <a:rPr lang="de-CH" sz="500">
+                          <a:effectLst/>
+                        </a:rPr>
+                        <a:t> </a:t>
+                      </a:r>
+                      <a:endParaRPr lang="en-US" sz="500">
+                        <a:effectLst/>
+                        <a:latin typeface="Verdana"/>
+                        <a:ea typeface="Calibri"/>
+                        <a:cs typeface="Times New Roman"/>
+                      </a:endParaRPr>
+                    </a:p>
+                  </a:txBody>
+                  <a:tcPr marL="26328" marR="26328" marT="0" marB="0" anchor="ctr"/>
+                </a:tc>
+                <a:tc>
+                  <a:txBody>
+                    <a:bodyPr/>
+                    <a:lstStyle/>
+                    <a:p>
+                      <a:pPr>
+                        <a:lnSpc>
+                          <a:spcPct val="115000"/>
+                        </a:lnSpc>
+                        <a:spcAft>
+                          <a:spcPts val="0"/>
+                        </a:spcAft>
+                      </a:pPr>
+                      <a:r>
+                        <a:rPr lang="pl-PL" sz="500">
+                          <a:effectLst/>
+                        </a:rPr>
+                        <a:t> </a:t>
+                      </a:r>
+                      <a:endParaRPr lang="en-US" sz="500">
+                        <a:effectLst/>
+                        <a:latin typeface="Verdana"/>
+                        <a:ea typeface="Calibri"/>
+                        <a:cs typeface="Times New Roman"/>
+                      </a:endParaRPr>
+                    </a:p>
+                  </a:txBody>
+                  <a:tcPr marL="26328" marR="26328" marT="0" marB="0" anchor="ctr"/>
+                </a:tc>
+                <a:tc>
+                  <a:txBody>
+                    <a:bodyPr/>
+                    <a:lstStyle/>
+                    <a:p>
+                      <a:pPr>
+                        <a:lnSpc>
+                          <a:spcPct val="115000"/>
+                        </a:lnSpc>
+                        <a:spcAft>
+                          <a:spcPts val="0"/>
+                        </a:spcAft>
+                      </a:pPr>
+                      <a:r>
+                        <a:rPr lang="pl-PL" sz="500">
+                          <a:effectLst/>
+                        </a:rPr>
+                        <a:t>Woche 3</a:t>
+                      </a:r>
+                      <a:endParaRPr lang="en-US" sz="500">
+                        <a:effectLst/>
+                        <a:latin typeface="Verdana"/>
+                        <a:ea typeface="Calibri"/>
+                        <a:cs typeface="Times New Roman"/>
+                      </a:endParaRPr>
+                    </a:p>
+                  </a:txBody>
+                  <a:tcPr marL="26328" marR="26328" marT="0" marB="0" anchor="ctr"/>
+                </a:tc>
+              </a:tr>
+              <a:tr h="336379">
+                <a:tc>
+                  <a:txBody>
+                    <a:bodyPr/>
+                    <a:lstStyle/>
+                    <a:p>
+                      <a:pPr>
+                        <a:lnSpc>
+                          <a:spcPct val="115000"/>
+                        </a:lnSpc>
+                        <a:spcAft>
+                          <a:spcPts val="0"/>
+                        </a:spcAft>
+                      </a:pPr>
+                      <a:r>
+                        <a:rPr lang="de-CH" sz="500">
+                          <a:effectLst/>
+                        </a:rPr>
+                        <a:t> </a:t>
+                      </a:r>
+                      <a:endParaRPr lang="en-US" sz="500">
+                        <a:effectLst/>
+                        <a:latin typeface="Verdana"/>
+                        <a:ea typeface="Calibri"/>
+                        <a:cs typeface="Times New Roman"/>
+                      </a:endParaRPr>
+                    </a:p>
+                  </a:txBody>
+                  <a:tcPr marL="26328" marR="26328" marT="0" marB="0" anchor="ctr"/>
+                </a:tc>
+                <a:tc>
+                  <a:txBody>
+                    <a:bodyPr/>
+                    <a:lstStyle/>
+                    <a:p>
+                      <a:pPr>
+                        <a:lnSpc>
+                          <a:spcPct val="115000"/>
+                        </a:lnSpc>
+                        <a:spcAft>
+                          <a:spcPts val="0"/>
+                        </a:spcAft>
+                      </a:pPr>
+                      <a:r>
+                        <a:rPr lang="de-CH" sz="500" dirty="0">
+                          <a:effectLst/>
+                        </a:rPr>
+                        <a:t>GUI </a:t>
+                      </a:r>
+                      <a:r>
+                        <a:rPr lang="de-CH" sz="500" dirty="0" err="1">
+                          <a:effectLst/>
+                        </a:rPr>
+                        <a:t>Logic</a:t>
+                      </a:r>
+                      <a:r>
+                        <a:rPr lang="de-CH" sz="500" dirty="0">
+                          <a:effectLst/>
+                        </a:rPr>
+                        <a:t> Implementieren</a:t>
+                      </a:r>
+                      <a:endParaRPr lang="en-US" sz="500" dirty="0">
+                        <a:effectLst/>
+                        <a:latin typeface="Verdana"/>
+                        <a:ea typeface="Calibri"/>
+                        <a:cs typeface="Times New Roman"/>
+                      </a:endParaRPr>
+                    </a:p>
+                  </a:txBody>
+                  <a:tcPr marL="26328" marR="26328" marT="0" marB="0" anchor="ctr"/>
+                </a:tc>
+                <a:tc>
+                  <a:txBody>
+                    <a:bodyPr/>
+                    <a:lstStyle/>
+                    <a:p>
+                      <a:pPr>
+                        <a:lnSpc>
+                          <a:spcPct val="115000"/>
+                        </a:lnSpc>
+                        <a:spcAft>
+                          <a:spcPts val="0"/>
+                        </a:spcAft>
+                      </a:pPr>
+                      <a:r>
+                        <a:rPr lang="de-CH" sz="500">
+                          <a:effectLst/>
+                        </a:rPr>
+                        <a:t> </a:t>
+                      </a:r>
+                      <a:endParaRPr lang="en-US" sz="500">
+                        <a:effectLst/>
+                        <a:latin typeface="Verdana"/>
+                        <a:ea typeface="Calibri"/>
+                        <a:cs typeface="Times New Roman"/>
+                      </a:endParaRPr>
+                    </a:p>
+                  </a:txBody>
+                  <a:tcPr marL="26328" marR="26328" marT="0" marB="0" anchor="ctr"/>
+                </a:tc>
+                <a:tc>
+                  <a:txBody>
+                    <a:bodyPr/>
+                    <a:lstStyle/>
+                    <a:p>
+                      <a:pPr>
+                        <a:lnSpc>
+                          <a:spcPct val="115000"/>
+                        </a:lnSpc>
+                        <a:spcAft>
+                          <a:spcPts val="0"/>
+                        </a:spcAft>
+                      </a:pPr>
+                      <a:r>
+                        <a:rPr lang="pl-PL" sz="500">
+                          <a:effectLst/>
+                        </a:rPr>
+                        <a:t> </a:t>
+                      </a:r>
+                      <a:endParaRPr lang="en-US" sz="500">
+                        <a:effectLst/>
+                        <a:latin typeface="Verdana"/>
+                        <a:ea typeface="Calibri"/>
+                        <a:cs typeface="Times New Roman"/>
+                      </a:endParaRPr>
+                    </a:p>
+                  </a:txBody>
+                  <a:tcPr marL="26328" marR="26328" marT="0" marB="0" anchor="ctr"/>
+                </a:tc>
+                <a:tc>
+                  <a:txBody>
+                    <a:bodyPr/>
+                    <a:lstStyle/>
+                    <a:p>
+                      <a:pPr>
+                        <a:lnSpc>
+                          <a:spcPct val="115000"/>
+                        </a:lnSpc>
+                        <a:spcAft>
+                          <a:spcPts val="0"/>
+                        </a:spcAft>
+                      </a:pPr>
+                      <a:r>
+                        <a:rPr lang="pl-PL" sz="500">
+                          <a:effectLst/>
+                        </a:rPr>
+                        <a:t>Woche 4</a:t>
+                      </a:r>
+                      <a:endParaRPr lang="en-US" sz="500">
+                        <a:effectLst/>
+                        <a:latin typeface="Verdana"/>
+                        <a:ea typeface="Calibri"/>
+                        <a:cs typeface="Times New Roman"/>
+                      </a:endParaRPr>
+                    </a:p>
+                  </a:txBody>
+                  <a:tcPr marL="26328" marR="26328" marT="0" marB="0" anchor="ctr"/>
+                </a:tc>
+              </a:tr>
+              <a:tr h="155102">
+                <a:tc>
+                  <a:txBody>
+                    <a:bodyPr/>
+                    <a:lstStyle/>
+                    <a:p>
+                      <a:pPr>
+                        <a:lnSpc>
+                          <a:spcPct val="115000"/>
+                        </a:lnSpc>
+                        <a:spcAft>
+                          <a:spcPts val="0"/>
+                        </a:spcAft>
+                      </a:pPr>
+                      <a:r>
+                        <a:rPr lang="pl-PL" sz="500" dirty="0">
+                          <a:effectLst/>
+                        </a:rPr>
+                        <a:t>Projekt fertig</a:t>
+                      </a:r>
+                      <a:endParaRPr lang="en-US" sz="500" dirty="0">
+                        <a:effectLst/>
+                        <a:latin typeface="Verdana"/>
+                        <a:ea typeface="Calibri"/>
+                        <a:cs typeface="Times New Roman"/>
+                      </a:endParaRPr>
+                    </a:p>
+                  </a:txBody>
+                  <a:tcPr marL="26328" marR="26328" marT="0" marB="0" anchor="ctr"/>
+                </a:tc>
+                <a:tc>
+                  <a:txBody>
+                    <a:bodyPr/>
+                    <a:lstStyle/>
+                    <a:p>
+                      <a:pPr>
+                        <a:lnSpc>
+                          <a:spcPct val="115000"/>
+                        </a:lnSpc>
+                        <a:spcAft>
+                          <a:spcPts val="0"/>
+                        </a:spcAft>
+                      </a:pPr>
+                      <a:r>
+                        <a:rPr lang="pl-PL" sz="500">
+                          <a:effectLst/>
+                        </a:rPr>
+                        <a:t> </a:t>
+                      </a:r>
+                      <a:endParaRPr lang="en-US" sz="500">
+                        <a:effectLst/>
+                        <a:latin typeface="Verdana"/>
+                        <a:ea typeface="Calibri"/>
+                        <a:cs typeface="Times New Roman"/>
+                      </a:endParaRPr>
+                    </a:p>
+                  </a:txBody>
+                  <a:tcPr marL="26328" marR="26328" marT="0" marB="0" anchor="ctr"/>
+                </a:tc>
+                <a:tc>
+                  <a:txBody>
+                    <a:bodyPr/>
+                    <a:lstStyle/>
+                    <a:p>
+                      <a:pPr>
+                        <a:lnSpc>
+                          <a:spcPct val="115000"/>
+                        </a:lnSpc>
+                        <a:spcAft>
+                          <a:spcPts val="0"/>
+                        </a:spcAft>
+                      </a:pPr>
+                      <a:r>
+                        <a:rPr lang="pl-PL" sz="500">
+                          <a:effectLst/>
+                        </a:rPr>
+                        <a:t> </a:t>
+                      </a:r>
+                      <a:endParaRPr lang="en-US" sz="500">
+                        <a:effectLst/>
+                        <a:latin typeface="Verdana"/>
+                        <a:ea typeface="Calibri"/>
+                        <a:cs typeface="Times New Roman"/>
+                      </a:endParaRPr>
+                    </a:p>
+                  </a:txBody>
+                  <a:tcPr marL="26328" marR="26328" marT="0" marB="0" anchor="ctr"/>
+                </a:tc>
+                <a:tc>
+                  <a:txBody>
+                    <a:bodyPr/>
+                    <a:lstStyle/>
+                    <a:p>
+                      <a:pPr>
+                        <a:lnSpc>
+                          <a:spcPct val="115000"/>
+                        </a:lnSpc>
+                        <a:spcAft>
+                          <a:spcPts val="0"/>
+                        </a:spcAft>
+                      </a:pPr>
+                      <a:r>
+                        <a:rPr lang="pl-PL" sz="500">
+                          <a:effectLst/>
+                        </a:rPr>
+                        <a:t> </a:t>
+                      </a:r>
+                      <a:endParaRPr lang="en-US" sz="500">
+                        <a:effectLst/>
+                        <a:latin typeface="Verdana"/>
+                        <a:ea typeface="Calibri"/>
+                        <a:cs typeface="Times New Roman"/>
+                      </a:endParaRPr>
+                    </a:p>
+                  </a:txBody>
+                  <a:tcPr marL="26328" marR="26328" marT="0" marB="0" anchor="ctr"/>
+                </a:tc>
+                <a:tc>
+                  <a:txBody>
+                    <a:bodyPr/>
+                    <a:lstStyle/>
+                    <a:p>
+                      <a:pPr>
+                        <a:lnSpc>
+                          <a:spcPct val="115000"/>
+                        </a:lnSpc>
+                        <a:spcAft>
+                          <a:spcPts val="0"/>
+                        </a:spcAft>
+                      </a:pPr>
+                      <a:r>
+                        <a:rPr lang="pl-PL" sz="500" dirty="0">
+                          <a:effectLst/>
+                        </a:rPr>
+                        <a:t>Woche 5</a:t>
+                      </a:r>
+                      <a:endParaRPr lang="en-US" sz="500" dirty="0">
+                        <a:effectLst/>
+                        <a:latin typeface="Verdana"/>
+                        <a:ea typeface="Calibri"/>
+                        <a:cs typeface="Times New Roman"/>
+                      </a:endParaRPr>
+                    </a:p>
+                  </a:txBody>
+                  <a:tcPr marL="26328" marR="26328" marT="0" marB="0" anchor="ctr"/>
+                </a:tc>
+              </a:tr>
+            </a:tbl>
+          </a:graphicData>
+        </a:graphic>
+      </p:graphicFrame>
     </p:spTree>
     <p:extLst>
       <p:ext uri="{BB962C8B-B14F-4D97-AF65-F5344CB8AC3E}">
-        <p14:creationId xmlns:p14="http://schemas.microsoft.com/office/powerpoint/2010/main" val="1700663537"/>
+        <p14:creationId xmlns:p14="http://schemas.microsoft.com/office/powerpoint/2010/main" val="3232245642"/>
       </p:ext>
     </p:extLst>
   </p:cSld>
@@ -6716,12 +9106,107 @@
             <p:ph idx="1"/>
           </p:nvPr>
         </p:nvSpPr>
-        <p:spPr/>
+        <p:spPr>
+          <a:xfrm>
+            <a:off x="216488" y="1090800"/>
+            <a:ext cx="4382808" cy="3474900"/>
+          </a:xfrm>
+        </p:spPr>
         <p:txBody>
           <a:bodyPr/>
           <a:lstStyle/>
           <a:p>
+            <a:r>
+              <a:rPr lang="de-CH" dirty="0" smtClean="0"/>
+              <a:t>Cassandra (</a:t>
+            </a:r>
+            <a:r>
+              <a:rPr lang="de-CH" dirty="0"/>
+              <a:t>C</a:t>
+            </a:r>
+            <a:r>
+              <a:rPr lang="de-CH" dirty="0" smtClean="0"/>
+              <a:t>#)</a:t>
+            </a:r>
+          </a:p>
+          <a:p>
+            <a:pPr lvl="1"/>
+            <a:r>
+              <a:rPr lang="de-CH" dirty="0" err="1" smtClean="0"/>
+              <a:t>UseCases</a:t>
+            </a:r>
+            <a:r>
+              <a:rPr lang="de-CH" dirty="0" smtClean="0"/>
+              <a:t>  definiert</a:t>
+            </a:r>
+          </a:p>
+          <a:p>
+            <a:pPr lvl="1"/>
+            <a:r>
+              <a:rPr lang="de-CH" dirty="0" smtClean="0"/>
+              <a:t>GUI Design erstellen</a:t>
+            </a:r>
+          </a:p>
+          <a:p>
+            <a:pPr lvl="1"/>
+            <a:r>
+              <a:rPr lang="de-CH" dirty="0" smtClean="0"/>
+              <a:t>GUI </a:t>
+            </a:r>
+            <a:r>
+              <a:rPr lang="de-CH" dirty="0" err="1" smtClean="0"/>
+              <a:t>Logic</a:t>
+            </a:r>
+            <a:endParaRPr lang="de-CH" dirty="0" smtClean="0"/>
+          </a:p>
+          <a:p>
+            <a:pPr lvl="2"/>
+            <a:r>
+              <a:rPr lang="de-CH" dirty="0" smtClean="0"/>
+              <a:t>Buttons</a:t>
+            </a:r>
+          </a:p>
+          <a:p>
+            <a:pPr lvl="1"/>
+            <a:r>
+              <a:rPr lang="de-CH" dirty="0" err="1" smtClean="0"/>
+              <a:t>Refactoring</a:t>
+            </a:r>
+            <a:r>
+              <a:rPr lang="de-CH" dirty="0" smtClean="0"/>
+              <a:t>	</a:t>
+            </a:r>
+          </a:p>
+          <a:p>
+            <a:pPr lvl="1"/>
+            <a:r>
+              <a:rPr lang="de-CH" dirty="0" smtClean="0"/>
+              <a:t>Business </a:t>
+            </a:r>
+            <a:r>
+              <a:rPr lang="de-CH" dirty="0" err="1" smtClean="0"/>
+              <a:t>Logic</a:t>
+            </a:r>
+            <a:endParaRPr lang="de-CH" dirty="0" smtClean="0"/>
+          </a:p>
+          <a:p>
+            <a:pPr lvl="2"/>
+            <a:r>
+              <a:rPr lang="de-CH" dirty="0"/>
+              <a:t>Player </a:t>
+            </a:r>
+            <a:r>
+              <a:rPr lang="de-CH" dirty="0" smtClean="0"/>
+              <a:t>Movement</a:t>
+            </a:r>
+          </a:p>
+          <a:p>
+            <a:pPr lvl="2"/>
             <a:endParaRPr lang="de-CH" dirty="0"/>
+          </a:p>
+          <a:p>
+            <a:pPr lvl="1"/>
+            <a:endParaRPr lang="de-CH" dirty="0" smtClean="0"/>
           </a:p>
         </p:txBody>
       </p:sp>
@@ -6774,29 +9259,342 @@
           <a:p>
             <a:r>
               <a:rPr lang="de-CH" dirty="0" smtClean="0"/>
-              <a:t>Was gut lief</a:t>
+              <a:t>Aufgabenaufteilung</a:t>
             </a:r>
             <a:endParaRPr lang="de-CH" dirty="0"/>
+          </a:p>
+        </p:txBody>
+      </p:sp>
+      <p:sp>
+        <p:nvSpPr>
+          <p:cNvPr id="5" name="Content Placeholder 1"/>
+          <p:cNvSpPr txBox="1">
+            <a:spLocks/>
+          </p:cNvSpPr>
+          <p:nvPr/>
+        </p:nvSpPr>
+        <p:spPr>
+          <a:xfrm>
+            <a:off x="4581680" y="1090800"/>
+            <a:ext cx="4382808" cy="3474900"/>
+          </a:xfrm>
+          <a:prstGeom prst="rect">
+            <a:avLst/>
+          </a:prstGeom>
+        </p:spPr>
+        <p:txBody>
+          <a:bodyPr vert="horz" lIns="91440" tIns="45720" rIns="91440" bIns="45720" rtlCol="0">
+            <a:noAutofit/>
+          </a:bodyPr>
+          <a:lstStyle>
+            <a:lvl1pPr marL="270000" indent="-270000" algn="l" defTabSz="914400" rtl="0" eaLnBrk="1" latinLnBrk="0" hangingPunct="1">
+              <a:spcBef>
+                <a:spcPct val="20000"/>
+              </a:spcBef>
+              <a:buClr>
+                <a:schemeClr val="tx2"/>
+              </a:buClr>
+              <a:buFont typeface="Lucida Sans Unicode" pitchFamily="34" charset="0"/>
+              <a:buChar char="▶"/>
+              <a:defRPr sz="1600" kern="1200" baseline="0">
+                <a:solidFill>
+                  <a:schemeClr val="tx1"/>
+                </a:solidFill>
+                <a:latin typeface="Verdana" pitchFamily="34" charset="0"/>
+                <a:ea typeface="Verdana" pitchFamily="34" charset="0"/>
+                <a:cs typeface="Verdana" pitchFamily="34" charset="0"/>
+              </a:defRPr>
+            </a:lvl1pPr>
+            <a:lvl2pPr marL="540000" indent="-270000" algn="l" defTabSz="914400" rtl="0" eaLnBrk="1" latinLnBrk="0" hangingPunct="1">
+              <a:spcBef>
+                <a:spcPts val="384"/>
+              </a:spcBef>
+              <a:buClr>
+                <a:schemeClr val="tx2"/>
+              </a:buClr>
+              <a:buFont typeface="Arial" pitchFamily="34" charset="0"/>
+              <a:buChar char="–"/>
+              <a:defRPr sz="1600" kern="1200" baseline="0">
+                <a:solidFill>
+                  <a:schemeClr val="tx1"/>
+                </a:solidFill>
+                <a:latin typeface="Verdana" pitchFamily="34" charset="0"/>
+                <a:ea typeface="Verdana" pitchFamily="34" charset="0"/>
+                <a:cs typeface="Verdana" pitchFamily="34" charset="0"/>
+              </a:defRPr>
+            </a:lvl2pPr>
+            <a:lvl3pPr marL="810000" indent="-270000" algn="l" defTabSz="914400" rtl="0" eaLnBrk="1" latinLnBrk="0" hangingPunct="1">
+              <a:spcBef>
+                <a:spcPct val="20000"/>
+              </a:spcBef>
+              <a:buClr>
+                <a:schemeClr val="tx2"/>
+              </a:buClr>
+              <a:buFont typeface="Arial" pitchFamily="34" charset="0"/>
+              <a:buChar char="•"/>
+              <a:defRPr sz="1600" kern="1200">
+                <a:solidFill>
+                  <a:schemeClr val="tx1"/>
+                </a:solidFill>
+                <a:latin typeface="Verdana" pitchFamily="34" charset="0"/>
+                <a:ea typeface="Verdana" pitchFamily="34" charset="0"/>
+                <a:cs typeface="Verdana" pitchFamily="34" charset="0"/>
+              </a:defRPr>
+            </a:lvl3pPr>
+            <a:lvl4pPr marL="1080000" indent="-270000" algn="l" defTabSz="914400" rtl="0" eaLnBrk="1" latinLnBrk="0" hangingPunct="1">
+              <a:spcBef>
+                <a:spcPct val="20000"/>
+              </a:spcBef>
+              <a:buClr>
+                <a:schemeClr val="tx2"/>
+              </a:buClr>
+              <a:buFont typeface="Arial" pitchFamily="34" charset="0"/>
+              <a:buChar char="–"/>
+              <a:defRPr sz="1600" kern="1200" baseline="0">
+                <a:solidFill>
+                  <a:schemeClr val="tx1"/>
+                </a:solidFill>
+                <a:latin typeface="Verdana" pitchFamily="34" charset="0"/>
+                <a:ea typeface="Verdana" pitchFamily="34" charset="0"/>
+                <a:cs typeface="Verdana" pitchFamily="34" charset="0"/>
+              </a:defRPr>
+            </a:lvl4pPr>
+            <a:lvl5pPr marL="1350000" indent="-270000" algn="l" defTabSz="914400" rtl="0" eaLnBrk="1" latinLnBrk="0" hangingPunct="1">
+              <a:spcBef>
+                <a:spcPct val="20000"/>
+              </a:spcBef>
+              <a:buClr>
+                <a:schemeClr val="tx2"/>
+              </a:buClr>
+              <a:buFont typeface="Arial" pitchFamily="34" charset="0"/>
+              <a:buChar char="»"/>
+              <a:defRPr sz="1600" kern="1200">
+                <a:solidFill>
+                  <a:schemeClr val="tx1"/>
+                </a:solidFill>
+                <a:latin typeface="Verdana" pitchFamily="34" charset="0"/>
+                <a:ea typeface="Verdana" pitchFamily="34" charset="0"/>
+                <a:cs typeface="Verdana" pitchFamily="34" charset="0"/>
+              </a:defRPr>
+            </a:lvl5pPr>
+            <a:lvl6pPr marL="2514600" indent="-228600" algn="l" defTabSz="914400" rtl="0" eaLnBrk="1" latinLnBrk="0" hangingPunct="1">
+              <a:spcBef>
+                <a:spcPct val="20000"/>
+              </a:spcBef>
+              <a:buFont typeface="Arial" pitchFamily="34" charset="0"/>
+              <a:buChar char="•"/>
+              <a:defRPr sz="2000" kern="1200">
+                <a:solidFill>
+                  <a:schemeClr val="tx1"/>
+                </a:solidFill>
+                <a:latin typeface="+mn-lt"/>
+                <a:ea typeface="+mn-ea"/>
+                <a:cs typeface="+mn-cs"/>
+              </a:defRPr>
+            </a:lvl6pPr>
+            <a:lvl7pPr marL="2971800" indent="-228600" algn="l" defTabSz="914400" rtl="0" eaLnBrk="1" latinLnBrk="0" hangingPunct="1">
+              <a:spcBef>
+                <a:spcPct val="20000"/>
+              </a:spcBef>
+              <a:buFont typeface="Arial" pitchFamily="34" charset="0"/>
+              <a:buChar char="•"/>
+              <a:defRPr sz="2000" kern="1200">
+                <a:solidFill>
+                  <a:schemeClr val="tx1"/>
+                </a:solidFill>
+                <a:latin typeface="+mn-lt"/>
+                <a:ea typeface="+mn-ea"/>
+                <a:cs typeface="+mn-cs"/>
+              </a:defRPr>
+            </a:lvl7pPr>
+            <a:lvl8pPr marL="3429000" indent="-228600" algn="l" defTabSz="914400" rtl="0" eaLnBrk="1" latinLnBrk="0" hangingPunct="1">
+              <a:spcBef>
+                <a:spcPct val="20000"/>
+              </a:spcBef>
+              <a:buFont typeface="Arial" pitchFamily="34" charset="0"/>
+              <a:buChar char="•"/>
+              <a:defRPr sz="2000" kern="1200">
+                <a:solidFill>
+                  <a:schemeClr val="tx1"/>
+                </a:solidFill>
+                <a:latin typeface="+mn-lt"/>
+                <a:ea typeface="+mn-ea"/>
+                <a:cs typeface="+mn-cs"/>
+              </a:defRPr>
+            </a:lvl8pPr>
+            <a:lvl9pPr marL="3886200" indent="-228600" algn="l" defTabSz="914400" rtl="0" eaLnBrk="1" latinLnBrk="0" hangingPunct="1">
+              <a:spcBef>
+                <a:spcPct val="20000"/>
+              </a:spcBef>
+              <a:buFont typeface="Arial" pitchFamily="34" charset="0"/>
+              <a:buChar char="•"/>
+              <a:defRPr sz="2000" kern="1200">
+                <a:solidFill>
+                  <a:schemeClr val="tx1"/>
+                </a:solidFill>
+                <a:latin typeface="+mn-lt"/>
+                <a:ea typeface="+mn-ea"/>
+                <a:cs typeface="+mn-cs"/>
+              </a:defRPr>
+            </a:lvl9pPr>
+          </a:lstStyle>
+          <a:p>
+            <a:pPr fontAlgn="auto">
+              <a:spcAft>
+                <a:spcPts val="0"/>
+              </a:spcAft>
+            </a:pPr>
+            <a:r>
+              <a:rPr lang="de-CH" dirty="0" smtClean="0"/>
+              <a:t>Fabrice (C#)</a:t>
+            </a:r>
+          </a:p>
+          <a:p>
+            <a:pPr lvl="1" fontAlgn="auto">
+              <a:spcAft>
+                <a:spcPts val="0"/>
+              </a:spcAft>
+            </a:pPr>
+            <a:r>
+              <a:rPr lang="de-CH" dirty="0" smtClean="0"/>
+              <a:t>Business  </a:t>
+            </a:r>
+            <a:r>
+              <a:rPr lang="de-CH" dirty="0" err="1" smtClean="0"/>
+              <a:t>Logic</a:t>
+            </a:r>
+            <a:endParaRPr lang="de-CH" dirty="0" smtClean="0"/>
+          </a:p>
+          <a:p>
+            <a:pPr lvl="2" fontAlgn="auto">
+              <a:spcAft>
+                <a:spcPts val="0"/>
+              </a:spcAft>
+            </a:pPr>
+            <a:r>
+              <a:rPr lang="de-CH" dirty="0" err="1"/>
+              <a:t>Invader</a:t>
+            </a:r>
+            <a:r>
+              <a:rPr lang="de-CH" dirty="0"/>
+              <a:t> Movement</a:t>
+            </a:r>
+          </a:p>
+          <a:p>
+            <a:pPr lvl="2" fontAlgn="auto">
+              <a:spcAft>
+                <a:spcPts val="0"/>
+              </a:spcAft>
+            </a:pPr>
+            <a:r>
+              <a:rPr lang="de-CH" dirty="0" smtClean="0"/>
+              <a:t>Player </a:t>
+            </a:r>
+            <a:r>
+              <a:rPr lang="de-CH" dirty="0" err="1" smtClean="0"/>
+              <a:t>Logic</a:t>
+            </a:r>
+            <a:endParaRPr lang="de-CH" dirty="0" smtClean="0"/>
+          </a:p>
+          <a:p>
+            <a:pPr lvl="2" fontAlgn="auto">
+              <a:spcAft>
+                <a:spcPts val="0"/>
+              </a:spcAft>
+            </a:pPr>
+            <a:r>
+              <a:rPr lang="de-CH" dirty="0" err="1" smtClean="0"/>
+              <a:t>Invader</a:t>
+            </a:r>
+            <a:r>
+              <a:rPr lang="de-CH" dirty="0" smtClean="0"/>
+              <a:t> </a:t>
+            </a:r>
+            <a:r>
+              <a:rPr lang="de-CH" dirty="0" err="1" smtClean="0"/>
+              <a:t>Logic</a:t>
+            </a:r>
+            <a:endParaRPr lang="de-CH" dirty="0" smtClean="0"/>
+          </a:p>
+          <a:p>
+            <a:pPr lvl="2" fontAlgn="auto">
+              <a:spcAft>
+                <a:spcPts val="0"/>
+              </a:spcAft>
+            </a:pPr>
+            <a:r>
+              <a:rPr lang="de-CH" dirty="0" smtClean="0"/>
+              <a:t>Score, </a:t>
+            </a:r>
+            <a:r>
+              <a:rPr lang="de-CH" dirty="0" err="1" smtClean="0"/>
+              <a:t>Lives</a:t>
+            </a:r>
+            <a:r>
+              <a:rPr lang="de-CH" dirty="0" smtClean="0"/>
+              <a:t>, </a:t>
+            </a:r>
+            <a:r>
+              <a:rPr lang="de-CH" dirty="0" err="1" smtClean="0"/>
+              <a:t>Ammunition</a:t>
+            </a:r>
+            <a:r>
+              <a:rPr lang="de-CH" dirty="0" smtClean="0"/>
+              <a:t> </a:t>
+            </a:r>
+          </a:p>
+          <a:p>
+            <a:pPr lvl="1" fontAlgn="auto">
+              <a:spcAft>
+                <a:spcPts val="0"/>
+              </a:spcAft>
+            </a:pPr>
+            <a:r>
+              <a:rPr lang="de-CH" dirty="0" smtClean="0"/>
+              <a:t>GUI </a:t>
+            </a:r>
+            <a:r>
+              <a:rPr lang="de-CH" dirty="0" err="1" smtClean="0"/>
+              <a:t>Logic</a:t>
+            </a:r>
+            <a:endParaRPr lang="de-CH" dirty="0" smtClean="0"/>
+          </a:p>
+          <a:p>
+            <a:pPr lvl="2" fontAlgn="auto">
+              <a:spcAft>
+                <a:spcPts val="0"/>
+              </a:spcAft>
+            </a:pPr>
+            <a:r>
+              <a:rPr lang="de-CH" dirty="0" smtClean="0"/>
+              <a:t>Data </a:t>
+            </a:r>
+            <a:r>
+              <a:rPr lang="de-CH" dirty="0" err="1" smtClean="0"/>
+              <a:t>Bindings</a:t>
+            </a:r>
+            <a:endParaRPr lang="de-CH" dirty="0" smtClean="0"/>
+          </a:p>
+          <a:p>
+            <a:pPr lvl="1" fontAlgn="auto">
+              <a:spcAft>
+                <a:spcPts val="0"/>
+              </a:spcAft>
+            </a:pPr>
+            <a:endParaRPr lang="de-CH" dirty="0" smtClean="0"/>
           </a:p>
         </p:txBody>
       </p:sp>
     </p:spTree>
     <p:extLst>
       <p:ext uri="{BB962C8B-B14F-4D97-AF65-F5344CB8AC3E}">
-        <p14:creationId xmlns:p14="http://schemas.microsoft.com/office/powerpoint/2010/main" val="1313184122"/>
+        <p14:creationId xmlns:p14="http://schemas.microsoft.com/office/powerpoint/2010/main" val="308731127"/>
       </p:ext>
     </p:extLst>
   </p:cSld>
   <p:clrMapOvr>
     <a:masterClrMapping/>
   </p:clrMapOvr>
-  <p:timing>
-    <p:tnLst>
-      <p:par>
-        <p:cTn id="1" dur="indefinite" restart="never" nodeType="tmRoot"/>
-      </p:par>
-    </p:tnLst>
-  </p:timing>
 </p:sld>
 </file>
 
@@ -6842,7 +9640,7 @@
           <a:graphicData uri="http://schemas.openxmlformats.org/presentationml/2006/ole">
             <mc:AlternateContent xmlns:mc="http://schemas.openxmlformats.org/markup-compatibility/2006">
               <mc:Choice xmlns:v="urn:schemas-microsoft-com:vml" Requires="v">
-                <p:oleObj spid="_x0000_s2060" name="think-cell Slide" r:id="rId5" imgW="270" imgH="270" progId="TCLayout.ActiveDocument.1">
+                <p:oleObj spid="_x0000_s2072" name="think-cell Slide" r:id="rId5" imgW="270" imgH="270" progId="TCLayout.ActiveDocument.1">
                   <p:embed/>
                 </p:oleObj>
               </mc:Choice>
@@ -7515,12 +10313,12 @@
       </p:grpSpPr>
       <p:sp>
         <p:nvSpPr>
-          <p:cNvPr id="2" name="Content Placeholder 1"/>
+          <p:cNvPr id="2" name="Title 1"/>
           <p:cNvSpPr>
             <a:spLocks noGrp="1"/>
           </p:cNvSpPr>
           <p:nvPr>
-            <p:ph idx="1"/>
+            <p:ph type="title"/>
           </p:nvPr>
         </p:nvSpPr>
         <p:spPr/>
@@ -7528,10 +10326,51 @@
           <a:bodyPr/>
           <a:lstStyle/>
           <a:p>
-            <a:endParaRPr lang="de-CH"/>
+            <a:r>
+              <a:rPr lang="de-CH" dirty="0" smtClean="0"/>
+              <a:t>Demo</a:t>
+            </a:r>
+            <a:endParaRPr lang="de-CH" dirty="0"/>
           </a:p>
         </p:txBody>
       </p:sp>
+    </p:spTree>
+    <p:extLst>
+      <p:ext uri="{BB962C8B-B14F-4D97-AF65-F5344CB8AC3E}">
+        <p14:creationId xmlns:p14="http://schemas.microsoft.com/office/powerpoint/2010/main" val="3495553038"/>
+      </p:ext>
+    </p:extLst>
+  </p:cSld>
+  <p:clrMapOvr>
+    <a:masterClrMapping/>
+  </p:clrMapOvr>
+  <p:timing>
+    <p:tnLst>
+      <p:par>
+        <p:cTn id="1" dur="indefinite" restart="never" nodeType="tmRoot"/>
+      </p:par>
+    </p:tnLst>
+  </p:timing>
+</p:sld>
+</file>
+
+<file path=ppt/slides/slide21.xml><?xml version="1.0" encoding="utf-8"?>
+<p:sld xmlns:a="http://schemas.openxmlformats.org/drawingml/2006/main" xmlns:r="http://schemas.openxmlformats.org/officeDocument/2006/relationships" xmlns:p="http://schemas.openxmlformats.org/presentationml/2006/main">
+  <p:cSld>
+    <p:spTree>
+      <p:nvGrpSpPr>
+        <p:cNvPr id="1" name=""/>
+        <p:cNvGrpSpPr/>
+        <p:nvPr/>
+      </p:nvGrpSpPr>
+      <p:grpSpPr>
+        <a:xfrm>
+          <a:off x="0" y="0"/>
+          <a:ext cx="0" cy="0"/>
+          <a:chOff x="0" y="0"/>
+          <a:chExt cx="0" cy="0"/>
+        </a:xfrm>
+      </p:grpSpPr>
       <p:sp>
         <p:nvSpPr>
           <p:cNvPr id="3" name="Slide Number Placeholder 2"/>
@@ -7554,7 +10393,7 @@
                 </a:solidFill>
               </a:rPr>
               <a:pPr/>
-              <a:t>20</a:t>
+              <a:t>21</a:t>
             </a:fld>
             <a:endParaRPr lang="nl-NL" dirty="0">
               <a:solidFill>
@@ -7581,26 +10420,147 @@
           <a:p>
             <a:r>
               <a:rPr lang="de-CH" dirty="0" smtClean="0"/>
-              <a:t>Was wir besser machen könnten</a:t>
+              <a:t>Demo des Spiels</a:t>
             </a:r>
             <a:endParaRPr lang="de-CH" dirty="0"/>
           </a:p>
         </p:txBody>
       </p:sp>
+      <p:pic>
+        <p:nvPicPr>
+          <p:cNvPr id="3075" name="Picture 3"/>
+          <p:cNvPicPr>
+            <a:picLocks noChangeAspect="1" noChangeArrowheads="1"/>
+          </p:cNvPicPr>
+          <p:nvPr/>
+        </p:nvPicPr>
+        <p:blipFill>
+          <a:blip r:embed="rId2" cstate="print">
+            <a:extLst>
+              <a:ext uri="{28A0092B-C50C-407E-A947-70E740481C1C}">
+                <a14:useLocalDpi xmlns:a14="http://schemas.microsoft.com/office/drawing/2010/main" val="0"/>
+              </a:ext>
+            </a:extLst>
+          </a:blip>
+          <a:srcRect/>
+          <a:stretch>
+            <a:fillRect/>
+          </a:stretch>
+        </p:blipFill>
+        <p:spPr bwMode="auto">
+          <a:xfrm>
+            <a:off x="1927860" y="1046496"/>
+            <a:ext cx="5242559" cy="3497361"/>
+          </a:xfrm>
+          <a:prstGeom prst="rect">
+            <a:avLst/>
+          </a:prstGeom>
+          <a:noFill/>
+          <a:ln>
+            <a:noFill/>
+          </a:ln>
+          <a:extLst>
+            <a:ext uri="{909E8E84-426E-40DD-AFC4-6F175D3DCCD1}">
+              <a14:hiddenFill xmlns:a14="http://schemas.microsoft.com/office/drawing/2010/main">
+                <a:solidFill>
+                  <a:schemeClr val="accent1"/>
+                </a:solidFill>
+              </a14:hiddenFill>
+            </a:ext>
+            <a:ext uri="{91240B29-F687-4F45-9708-019B960494DF}">
+              <a14:hiddenLine xmlns:a14="http://schemas.microsoft.com/office/drawing/2010/main" w="9525">
+                <a:solidFill>
+                  <a:schemeClr val="tx1"/>
+                </a:solidFill>
+                <a:miter lim="800000"/>
+                <a:headEnd/>
+                <a:tailEnd/>
+              </a14:hiddenLine>
+            </a:ext>
+          </a:extLst>
+        </p:spPr>
+      </p:pic>
     </p:spTree>
     <p:extLst>
       <p:ext uri="{BB962C8B-B14F-4D97-AF65-F5344CB8AC3E}">
-        <p14:creationId xmlns:p14="http://schemas.microsoft.com/office/powerpoint/2010/main" val="1504529276"/>
+        <p14:creationId xmlns:p14="http://schemas.microsoft.com/office/powerpoint/2010/main" val="2244617409"/>
       </p:ext>
     </p:extLst>
   </p:cSld>
   <p:clrMapOvr>
     <a:masterClrMapping/>
   </p:clrMapOvr>
+  <p:timing>
+    <p:tnLst>
+      <p:par>
+        <p:cTn id="1" dur="indefinite" restart="never" nodeType="tmRoot"/>
+      </p:par>
+    </p:tnLst>
+  </p:timing>
 </p:sld>
 </file>
 
-<file path=ppt/slides/slide21.xml><?xml version="1.0" encoding="utf-8"?>
+<file path=ppt/slides/slide22.xml><?xml version="1.0" encoding="utf-8"?>
+<p:sld xmlns:a="http://schemas.openxmlformats.org/drawingml/2006/main" xmlns:r="http://schemas.openxmlformats.org/officeDocument/2006/relationships" xmlns:p="http://schemas.openxmlformats.org/presentationml/2006/main">
+  <p:cSld>
+    <p:spTree>
+      <p:nvGrpSpPr>
+        <p:cNvPr id="1" name=""/>
+        <p:cNvGrpSpPr/>
+        <p:nvPr/>
+      </p:nvGrpSpPr>
+      <p:grpSpPr>
+        <a:xfrm>
+          <a:off x="0" y="0"/>
+          <a:ext cx="0" cy="0"/>
+          <a:chOff x="0" y="0"/>
+          <a:chExt cx="0" cy="0"/>
+        </a:xfrm>
+      </p:grpSpPr>
+      <p:sp>
+        <p:nvSpPr>
+          <p:cNvPr id="2" name="Title 1"/>
+          <p:cNvSpPr>
+            <a:spLocks noGrp="1"/>
+          </p:cNvSpPr>
+          <p:nvPr>
+            <p:ph type="title"/>
+          </p:nvPr>
+        </p:nvSpPr>
+        <p:spPr/>
+        <p:txBody>
+          <a:bodyPr/>
+          <a:lstStyle/>
+          <a:p>
+            <a:r>
+              <a:rPr lang="de-CH" dirty="0" smtClean="0"/>
+              <a:t>Retrospektive</a:t>
+            </a:r>
+            <a:endParaRPr lang="de-CH" dirty="0"/>
+          </a:p>
+        </p:txBody>
+      </p:sp>
+    </p:spTree>
+    <p:extLst>
+      <p:ext uri="{BB962C8B-B14F-4D97-AF65-F5344CB8AC3E}">
+        <p14:creationId xmlns:p14="http://schemas.microsoft.com/office/powerpoint/2010/main" val="1109046541"/>
+      </p:ext>
+    </p:extLst>
+  </p:cSld>
+  <p:clrMapOvr>
+    <a:masterClrMapping/>
+  </p:clrMapOvr>
+  <p:timing>
+    <p:tnLst>
+      <p:par>
+        <p:cTn id="1" dur="indefinite" restart="never" nodeType="tmRoot"/>
+      </p:par>
+    </p:tnLst>
+  </p:timing>
+</p:sld>
+</file>
+
+<file path=ppt/slides/slide23.xml><?xml version="1.0" encoding="utf-8"?>
 <p:sld xmlns:a="http://schemas.openxmlformats.org/drawingml/2006/main" xmlns:r="http://schemas.openxmlformats.org/officeDocument/2006/relationships" xmlns:p="http://schemas.openxmlformats.org/presentationml/2006/main">
   <p:cSld>
     <p:spTree>
@@ -7658,7 +10618,7 @@
                 </a:solidFill>
               </a:rPr>
               <a:pPr/>
-              <a:t>21</a:t>
+              <a:t>23</a:t>
             </a:fld>
             <a:endParaRPr lang="nl-NL" dirty="0">
               <a:solidFill>
@@ -7685,7 +10645,7 @@
           <a:p>
             <a:r>
               <a:rPr lang="de-CH" dirty="0" smtClean="0"/>
-              <a:t>Vornahme für das nächste Projekt</a:t>
+              <a:t>Rückblick auf Spiel</a:t>
             </a:r>
             <a:endParaRPr lang="de-CH" dirty="0"/>
           </a:p>
@@ -7694,7 +10654,7 @@
     </p:spTree>
     <p:extLst>
       <p:ext uri="{BB962C8B-B14F-4D97-AF65-F5344CB8AC3E}">
-        <p14:creationId xmlns:p14="http://schemas.microsoft.com/office/powerpoint/2010/main" val="4089292240"/>
+        <p14:creationId xmlns:p14="http://schemas.microsoft.com/office/powerpoint/2010/main" val="1700663537"/>
       </p:ext>
     </p:extLst>
   </p:cSld>
@@ -7704,7 +10664,7 @@
 </p:sld>
 </file>
 
-<file path=ppt/slides/slide22.xml><?xml version="1.0" encoding="utf-8"?>
+<file path=ppt/slides/slide24.xml><?xml version="1.0" encoding="utf-8"?>
 <p:sld xmlns:a="http://schemas.openxmlformats.org/drawingml/2006/main" xmlns:r="http://schemas.openxmlformats.org/officeDocument/2006/relationships" xmlns:p="http://schemas.openxmlformats.org/presentationml/2006/main">
   <p:cSld>
     <p:spTree>
@@ -7736,7 +10696,7 @@
           <a:bodyPr/>
           <a:lstStyle/>
           <a:p>
-            <a:endParaRPr lang="de-CH"/>
+            <a:endParaRPr lang="de-CH" dirty="0"/>
           </a:p>
         </p:txBody>
       </p:sp>
@@ -7762,7 +10722,7 @@
                 </a:solidFill>
               </a:rPr>
               <a:pPr/>
-              <a:t>22</a:t>
+              <a:t>24</a:t>
             </a:fld>
             <a:endParaRPr lang="nl-NL" dirty="0">
               <a:solidFill>
@@ -7787,14 +10747,129 @@
           <a:bodyPr/>
           <a:lstStyle/>
           <a:p>
-            <a:endParaRPr lang="de-CH"/>
+            <a:r>
+              <a:rPr lang="de-CH" dirty="0" smtClean="0"/>
+              <a:t>Was gut lief</a:t>
+            </a:r>
+            <a:endParaRPr lang="de-CH" dirty="0"/>
           </a:p>
         </p:txBody>
       </p:sp>
     </p:spTree>
     <p:extLst>
       <p:ext uri="{BB962C8B-B14F-4D97-AF65-F5344CB8AC3E}">
-        <p14:creationId xmlns:p14="http://schemas.microsoft.com/office/powerpoint/2010/main" val="1718065966"/>
+        <p14:creationId xmlns:p14="http://schemas.microsoft.com/office/powerpoint/2010/main" val="1313184122"/>
+      </p:ext>
+    </p:extLst>
+  </p:cSld>
+  <p:clrMapOvr>
+    <a:masterClrMapping/>
+  </p:clrMapOvr>
+  <p:timing>
+    <p:tnLst>
+      <p:par>
+        <p:cTn id="1" dur="indefinite" restart="never" nodeType="tmRoot"/>
+      </p:par>
+    </p:tnLst>
+  </p:timing>
+</p:sld>
+</file>
+
+<file path=ppt/slides/slide25.xml><?xml version="1.0" encoding="utf-8"?>
+<p:sld xmlns:a="http://schemas.openxmlformats.org/drawingml/2006/main" xmlns:r="http://schemas.openxmlformats.org/officeDocument/2006/relationships" xmlns:p="http://schemas.openxmlformats.org/presentationml/2006/main">
+  <p:cSld>
+    <p:spTree>
+      <p:nvGrpSpPr>
+        <p:cNvPr id="1" name=""/>
+        <p:cNvGrpSpPr/>
+        <p:nvPr/>
+      </p:nvGrpSpPr>
+      <p:grpSpPr>
+        <a:xfrm>
+          <a:off x="0" y="0"/>
+          <a:ext cx="0" cy="0"/>
+          <a:chOff x="0" y="0"/>
+          <a:chExt cx="0" cy="0"/>
+        </a:xfrm>
+      </p:grpSpPr>
+      <p:sp>
+        <p:nvSpPr>
+          <p:cNvPr id="2" name="Content Placeholder 1"/>
+          <p:cNvSpPr>
+            <a:spLocks noGrp="1"/>
+          </p:cNvSpPr>
+          <p:nvPr>
+            <p:ph idx="1"/>
+          </p:nvPr>
+        </p:nvSpPr>
+        <p:spPr/>
+        <p:txBody>
+          <a:bodyPr/>
+          <a:lstStyle/>
+          <a:p>
+            <a:endParaRPr lang="de-CH"/>
+          </a:p>
+        </p:txBody>
+      </p:sp>
+      <p:sp>
+        <p:nvSpPr>
+          <p:cNvPr id="3" name="Slide Number Placeholder 2"/>
+          <p:cNvSpPr>
+            <a:spLocks noGrp="1"/>
+          </p:cNvSpPr>
+          <p:nvPr>
+            <p:ph type="sldNum" sz="quarter" idx="4"/>
+          </p:nvPr>
+        </p:nvSpPr>
+        <p:spPr/>
+        <p:txBody>
+          <a:bodyPr/>
+          <a:lstStyle/>
+          <a:p>
+            <a:fld id="{DAF489CC-3B7A-4DA5-A8C0-4984788D0EC5}" type="slidenum">
+              <a:rPr lang="nl-NL" smtClean="0">
+                <a:solidFill>
+                  <a:prstClr val="black"/>
+                </a:solidFill>
+              </a:rPr>
+              <a:pPr/>
+              <a:t>25</a:t>
+            </a:fld>
+            <a:endParaRPr lang="nl-NL" dirty="0">
+              <a:solidFill>
+                <a:prstClr val="black"/>
+              </a:solidFill>
+            </a:endParaRPr>
+          </a:p>
+        </p:txBody>
+      </p:sp>
+      <p:sp>
+        <p:nvSpPr>
+          <p:cNvPr id="4" name="Title 3"/>
+          <p:cNvSpPr>
+            <a:spLocks noGrp="1"/>
+          </p:cNvSpPr>
+          <p:nvPr>
+            <p:ph type="title"/>
+          </p:nvPr>
+        </p:nvSpPr>
+        <p:spPr/>
+        <p:txBody>
+          <a:bodyPr/>
+          <a:lstStyle/>
+          <a:p>
+            <a:r>
+              <a:rPr lang="de-CH" dirty="0" smtClean="0"/>
+              <a:t>Was wir besser machen könnten</a:t>
+            </a:r>
+            <a:endParaRPr lang="de-CH" dirty="0"/>
+          </a:p>
+        </p:txBody>
+      </p:sp>
+    </p:spTree>
+    <p:extLst>
+      <p:ext uri="{BB962C8B-B14F-4D97-AF65-F5344CB8AC3E}">
+        <p14:creationId xmlns:p14="http://schemas.microsoft.com/office/powerpoint/2010/main" val="1504529276"/>
       </p:ext>
     </p:extLst>
   </p:cSld>
@@ -7804,7 +10879,7 @@
 </p:sld>
 </file>
 
-<file path=ppt/slides/slide23.xml><?xml version="1.0" encoding="utf-8"?>
+<file path=ppt/slides/slide26.xml><?xml version="1.0" encoding="utf-8"?>
 <p:sld xmlns:a="http://schemas.openxmlformats.org/drawingml/2006/main" xmlns:r="http://schemas.openxmlformats.org/officeDocument/2006/relationships" xmlns:p="http://schemas.openxmlformats.org/presentationml/2006/main">
   <p:cSld>
     <p:spTree>
@@ -7944,95 +11019,73 @@
             <p:ph idx="1"/>
           </p:nvPr>
         </p:nvSpPr>
-        <p:spPr>
-          <a:xfrm>
-            <a:off x="216488" y="1090800"/>
-            <a:ext cx="4119292" cy="3474900"/>
-          </a:xfrm>
-        </p:spPr>
+        <p:spPr/>
         <p:txBody>
           <a:bodyPr/>
           <a:lstStyle/>
           <a:p>
             <a:r>
               <a:rPr lang="de-CH" dirty="0" smtClean="0"/>
-              <a:t>Entwickler: </a:t>
-            </a:r>
+              <a:t>Implementierung</a:t>
+            </a:r>
+            <a:r>
+              <a:rPr lang="en-US" dirty="0" smtClean="0"/>
+              <a:t> von Space Invaders in Java und C#</a:t>
+            </a:r>
+          </a:p>
+          <a:p>
+            <a:r>
+              <a:rPr lang="de-CH" dirty="0" smtClean="0"/>
+              <a:t>Vorgaben:</a:t>
+            </a:r>
+          </a:p>
+          <a:p>
+            <a:pPr lvl="1"/>
+            <a:r>
+              <a:rPr lang="de-CH" dirty="0" smtClean="0"/>
+              <a:t>wöchentliche Planung</a:t>
+            </a:r>
+          </a:p>
+          <a:p>
+            <a:pPr lvl="1"/>
+            <a:r>
+              <a:rPr lang="de-CH" dirty="0" smtClean="0"/>
+              <a:t>wöchentliche Besprechung</a:t>
+            </a:r>
+          </a:p>
+          <a:p>
+            <a:pPr lvl="1"/>
+            <a:r>
+              <a:rPr lang="de-CH" dirty="0" smtClean="0"/>
+              <a:t>Spielregeln selber bestimmen</a:t>
+            </a:r>
+          </a:p>
+          <a:p>
+            <a:pPr lvl="1"/>
             <a:r>
               <a:rPr lang="de-CH" dirty="0" err="1" smtClean="0"/>
-              <a:t>Tomohiro</a:t>
+              <a:t>Use</a:t>
             </a:r>
             <a:r>
               <a:rPr lang="de-CH" dirty="0" smtClean="0"/>
-              <a:t> </a:t>
-            </a:r>
-            <a:r>
-              <a:rPr lang="de-CH" dirty="0" err="1" smtClean="0"/>
-              <a:t>Nishikado</a:t>
+              <a:t>-Cases und Testfälle </a:t>
+            </a:r>
+            <a:r>
+              <a:rPr lang="de-CH" dirty="0" smtClean="0"/>
+              <a:t>definieren</a:t>
+            </a:r>
+          </a:p>
+          <a:p>
+            <a:pPr lvl="1"/>
+            <a:r>
+              <a:rPr lang="de-CH" dirty="0" smtClean="0"/>
+              <a:t>Präsentation</a:t>
             </a:r>
             <a:endParaRPr lang="de-CH" dirty="0" smtClean="0"/>
           </a:p>
           <a:p>
-            <a:r>
-              <a:rPr lang="de-CH" dirty="0" smtClean="0"/>
-              <a:t>1978 von </a:t>
-            </a:r>
-            <a:r>
-              <a:rPr lang="de-CH" dirty="0" err="1" smtClean="0"/>
-              <a:t>Taito</a:t>
-            </a:r>
+            <a:pPr lvl="1"/>
             <a:endParaRPr lang="de-CH" dirty="0" smtClean="0"/>
-          </a:p>
-          <a:p>
-            <a:r>
-              <a:rPr lang="de-CH" dirty="0" err="1" smtClean="0"/>
-              <a:t>Arcade</a:t>
-            </a:r>
-            <a:r>
-              <a:rPr lang="de-CH" dirty="0"/>
-              <a:t> </a:t>
-            </a:r>
-            <a:r>
-              <a:rPr lang="de-CH" dirty="0" smtClean="0"/>
-              <a:t>System: </a:t>
-            </a:r>
-            <a:r>
-              <a:rPr lang="de-CH" dirty="0" err="1" smtClean="0"/>
-              <a:t>Taito</a:t>
-            </a:r>
-            <a:r>
-              <a:rPr lang="de-CH" dirty="0" smtClean="0"/>
-              <a:t> 8080</a:t>
-            </a:r>
-          </a:p>
-          <a:p>
-            <a:r>
-              <a:rPr lang="de-CH" dirty="0" smtClean="0"/>
-              <a:t>1982 von Atari für Konsole</a:t>
-            </a:r>
-          </a:p>
-          <a:p>
-            <a:r>
-              <a:rPr lang="de-CH" dirty="0" smtClean="0"/>
-              <a:t>Erste «</a:t>
-            </a:r>
-            <a:r>
-              <a:rPr lang="de-CH" dirty="0" err="1" smtClean="0"/>
-              <a:t>killer</a:t>
-            </a:r>
-            <a:r>
-              <a:rPr lang="de-CH" dirty="0" smtClean="0"/>
-              <a:t> </a:t>
-            </a:r>
-            <a:r>
-              <a:rPr lang="de-CH" dirty="0" err="1" smtClean="0"/>
-              <a:t>app</a:t>
-            </a:r>
-            <a:r>
-              <a:rPr lang="de-CH" dirty="0" smtClean="0"/>
-              <a:t>»</a:t>
-            </a:r>
-            <a:endParaRPr lang="de-CH" dirty="0"/>
           </a:p>
         </p:txBody>
       </p:sp>
@@ -8084,209 +11137,17 @@
           <a:lstStyle/>
           <a:p>
             <a:r>
-              <a:rPr lang="ja-JP" altLang="de-DE" b="0" dirty="0" smtClean="0"/>
-              <a:t>ス</a:t>
-            </a:r>
-            <a:r>
-              <a:rPr lang="ja-JP" altLang="de-DE" b="0" dirty="0"/>
-              <a:t>ペースインベー</a:t>
-            </a:r>
-            <a:r>
-              <a:rPr lang="ja-JP" altLang="de-DE" b="0" dirty="0" smtClean="0"/>
-              <a:t>ダ </a:t>
-            </a:r>
-            <a:r>
-              <a:rPr lang="de-CH" altLang="ja-JP" b="0" dirty="0" smtClean="0"/>
-              <a:t>(</a:t>
-            </a:r>
-            <a:r>
-              <a:rPr lang="de-CH" b="0" dirty="0" err="1"/>
-              <a:t>Supēsu</a:t>
-            </a:r>
-            <a:r>
-              <a:rPr lang="de-CH" b="0" dirty="0"/>
-              <a:t> </a:t>
-            </a:r>
-            <a:r>
-              <a:rPr lang="de-CH" b="0" dirty="0" err="1"/>
-              <a:t>Inbēdā</a:t>
-            </a:r>
-            <a:r>
-              <a:rPr lang="de-CH" altLang="ja-JP" b="0" dirty="0" smtClean="0"/>
-              <a:t>)</a:t>
-            </a:r>
-            <a:endParaRPr lang="de-CH" dirty="0"/>
+              <a:rPr lang="de-CH" dirty="0" smtClean="0"/>
+              <a:t>Aufgabenstellung</a:t>
+            </a:r>
+            <a:endParaRPr lang="en-US" dirty="0"/>
           </a:p>
         </p:txBody>
       </p:sp>
-      <p:pic>
-        <p:nvPicPr>
-          <p:cNvPr id="3074" name="Picture 2" descr="Related image"/>
-          <p:cNvPicPr>
-            <a:picLocks noChangeAspect="1" noChangeArrowheads="1"/>
-          </p:cNvPicPr>
-          <p:nvPr/>
-        </p:nvPicPr>
-        <p:blipFill>
-          <a:blip r:embed="rId2" cstate="print">
-            <a:extLst>
-              <a:ext uri="{28A0092B-C50C-407E-A947-70E740481C1C}">
-                <a14:useLocalDpi xmlns:a14="http://schemas.microsoft.com/office/drawing/2010/main" val="0"/>
-              </a:ext>
-            </a:extLst>
-          </a:blip>
-          <a:srcRect/>
-          <a:stretch>
-            <a:fillRect/>
-          </a:stretch>
-        </p:blipFill>
-        <p:spPr bwMode="auto">
-          <a:xfrm>
-            <a:off x="6718493" y="1090800"/>
-            <a:ext cx="2074987" cy="1633581"/>
-          </a:xfrm>
-          <a:prstGeom prst="rect">
-            <a:avLst/>
-          </a:prstGeom>
-          <a:noFill/>
-          <a:extLst>
-            <a:ext uri="{909E8E84-426E-40DD-AFC4-6F175D3DCCD1}">
-              <a14:hiddenFill xmlns:a14="http://schemas.microsoft.com/office/drawing/2010/main">
-                <a:solidFill>
-                  <a:srgbClr val="FFFFFF"/>
-                </a:solidFill>
-              </a14:hiddenFill>
-            </a:ext>
-          </a:extLst>
-        </p:spPr>
-      </p:pic>
-      <p:pic>
-        <p:nvPicPr>
-          <p:cNvPr id="3076" name="Picture 4" descr="Image result for space invaders 1978"/>
-          <p:cNvPicPr>
-            <a:picLocks noChangeAspect="1" noChangeArrowheads="1"/>
-          </p:cNvPicPr>
-          <p:nvPr/>
-        </p:nvPicPr>
-        <p:blipFill>
-          <a:blip r:embed="rId3" cstate="print">
-            <a:extLst>
-              <a:ext uri="{28A0092B-C50C-407E-A947-70E740481C1C}">
-                <a14:useLocalDpi xmlns:a14="http://schemas.microsoft.com/office/drawing/2010/main" val="0"/>
-              </a:ext>
-            </a:extLst>
-          </a:blip>
-          <a:srcRect/>
-          <a:stretch>
-            <a:fillRect/>
-          </a:stretch>
-        </p:blipFill>
-        <p:spPr bwMode="auto">
-          <a:xfrm>
-            <a:off x="6718493" y="2825551"/>
-            <a:ext cx="2074987" cy="1673522"/>
-          </a:xfrm>
-          <a:prstGeom prst="rect">
-            <a:avLst/>
-          </a:prstGeom>
-          <a:noFill/>
-          <a:extLst>
-            <a:ext uri="{909E8E84-426E-40DD-AFC4-6F175D3DCCD1}">
-              <a14:hiddenFill xmlns:a14="http://schemas.microsoft.com/office/drawing/2010/main">
-                <a:solidFill>
-                  <a:srgbClr val="FFFFFF"/>
-                </a:solidFill>
-              </a14:hiddenFill>
-            </a:ext>
-          </a:extLst>
-        </p:spPr>
-      </p:pic>
-      <p:pic>
-        <p:nvPicPr>
-          <p:cNvPr id="3078" name="Picture 6" descr="Image result for space invaders atari"/>
-          <p:cNvPicPr>
-            <a:picLocks noChangeAspect="1" noChangeArrowheads="1"/>
-          </p:cNvPicPr>
-          <p:nvPr/>
-        </p:nvPicPr>
-        <p:blipFill>
-          <a:blip r:embed="rId4">
-            <a:extLst>
-              <a:ext uri="{28A0092B-C50C-407E-A947-70E740481C1C}">
-                <a14:useLocalDpi xmlns:a14="http://schemas.microsoft.com/office/drawing/2010/main" val="0"/>
-              </a:ext>
-            </a:extLst>
-          </a:blip>
-          <a:srcRect/>
-          <a:stretch>
-            <a:fillRect/>
-          </a:stretch>
-        </p:blipFill>
-        <p:spPr bwMode="auto">
-          <a:xfrm>
-            <a:off x="4564380" y="2825551"/>
-            <a:ext cx="2057400" cy="1673522"/>
-          </a:xfrm>
-          <a:prstGeom prst="rect">
-            <a:avLst/>
-          </a:prstGeom>
-          <a:noFill/>
-          <a:extLst>
-            <a:ext uri="{909E8E84-426E-40DD-AFC4-6F175D3DCCD1}">
-              <a14:hiddenFill xmlns:a14="http://schemas.microsoft.com/office/drawing/2010/main">
-                <a:solidFill>
-                  <a:srgbClr val="FFFFFF"/>
-                </a:solidFill>
-              </a14:hiddenFill>
-            </a:ext>
-          </a:extLst>
-        </p:spPr>
-      </p:pic>
-      <p:pic>
-        <p:nvPicPr>
-          <p:cNvPr id="3080" name="Picture 8" descr="Image result for atari 2600"/>
-          <p:cNvPicPr>
-            <a:picLocks noChangeAspect="1" noChangeArrowheads="1"/>
-          </p:cNvPicPr>
-          <p:nvPr/>
-        </p:nvPicPr>
-        <p:blipFill>
-          <a:blip r:embed="rId5" cstate="print">
-            <a:extLst>
-              <a:ext uri="{28A0092B-C50C-407E-A947-70E740481C1C}">
-                <a14:useLocalDpi xmlns:a14="http://schemas.microsoft.com/office/drawing/2010/main" val="0"/>
-              </a:ext>
-            </a:extLst>
-          </a:blip>
-          <a:srcRect/>
-          <a:stretch>
-            <a:fillRect/>
-          </a:stretch>
-        </p:blipFill>
-        <p:spPr bwMode="auto">
-          <a:xfrm>
-            <a:off x="4564380" y="1450959"/>
-            <a:ext cx="2057401" cy="961835"/>
-          </a:xfrm>
-          <a:prstGeom prst="rect">
-            <a:avLst/>
-          </a:prstGeom>
-          <a:noFill/>
-          <a:extLst>
-            <a:ext uri="{909E8E84-426E-40DD-AFC4-6F175D3DCCD1}">
-              <a14:hiddenFill xmlns:a14="http://schemas.microsoft.com/office/drawing/2010/main">
-                <a:solidFill>
-                  <a:srgbClr val="FFFFFF"/>
-                </a:solidFill>
-              </a14:hiddenFill>
-            </a:ext>
-          </a:extLst>
-        </p:spPr>
-      </p:pic>
     </p:spTree>
     <p:extLst>
       <p:ext uri="{BB962C8B-B14F-4D97-AF65-F5344CB8AC3E}">
-        <p14:creationId xmlns:p14="http://schemas.microsoft.com/office/powerpoint/2010/main" val="2667100616"/>
+        <p14:creationId xmlns:p14="http://schemas.microsoft.com/office/powerpoint/2010/main" val="2818917041"/>
       </p:ext>
     </p:extLst>
   </p:cSld>
@@ -8330,36 +11191,97 @@
             <p:ph idx="1"/>
           </p:nvPr>
         </p:nvSpPr>
-        <p:spPr/>
+        <p:spPr>
+          <a:xfrm>
+            <a:off x="216488" y="1090800"/>
+            <a:ext cx="4119292" cy="3474900"/>
+          </a:xfrm>
+        </p:spPr>
         <p:txBody>
           <a:bodyPr/>
           <a:lstStyle/>
           <a:p>
             <a:r>
               <a:rPr lang="de-CH" dirty="0" smtClean="0"/>
-              <a:t>2D fixierter Shooter</a:t>
-            </a:r>
-          </a:p>
-          <a:p>
+              <a:t>Entwickler: </a:t>
+            </a:r>
+            <a:r>
+              <a:rPr lang="de-CH" dirty="0" err="1" smtClean="0"/>
+              <a:t>Tomohiro</a:t>
+            </a:r>
             <a:r>
               <a:rPr lang="de-CH" dirty="0" smtClean="0"/>
-              <a:t>Spaceship ist Player</a:t>
-            </a:r>
+              <a:t> </a:t>
+            </a:r>
+            <a:r>
+              <a:rPr lang="de-CH" dirty="0" err="1" smtClean="0"/>
+              <a:t>Nishikado</a:t>
+            </a:r>
+            <a:endParaRPr lang="de-CH" dirty="0" smtClean="0"/>
           </a:p>
           <a:p>
             <a:r>
               <a:rPr lang="de-CH" dirty="0" smtClean="0"/>
-              <a:t>Kann rechts/links bewegt werden</a:t>
-            </a:r>
-          </a:p>
-          <a:p>
+              <a:t>1978 von </a:t>
+            </a:r>
+            <a:r>
+              <a:rPr lang="de-CH" dirty="0" err="1" smtClean="0"/>
+              <a:t>Taito</a:t>
+            </a:r>
+            <a:endParaRPr lang="de-CH" dirty="0" smtClean="0"/>
+          </a:p>
+          <a:p>
+            <a:r>
+              <a:rPr lang="de-CH" dirty="0" err="1" smtClean="0"/>
+              <a:t>Arcade</a:t>
+            </a:r>
+            <a:r>
+              <a:rPr lang="de-CH" dirty="0"/>
+              <a:t> </a:t>
+            </a:r>
             <a:r>
               <a:rPr lang="de-CH" dirty="0" smtClean="0"/>
-              <a:t>Laser-Kanone kann Aliens abschiessen, bei Kollision wird Alien eliminiert</a:t>
-            </a:r>
-          </a:p>
-          <a:p>
-            <a:endParaRPr lang="de-CH" dirty="0" smtClean="0"/>
+              <a:t>System: </a:t>
+            </a:r>
+            <a:r>
+              <a:rPr lang="de-CH" dirty="0" err="1" smtClean="0"/>
+              <a:t>Taito</a:t>
+            </a:r>
+            <a:r>
+              <a:rPr lang="de-CH" dirty="0" smtClean="0"/>
+              <a:t> 8080</a:t>
+            </a:r>
+          </a:p>
+          <a:p>
+            <a:r>
+              <a:rPr lang="de-CH" dirty="0" smtClean="0"/>
+              <a:t>1982 von Atari für Konsole</a:t>
+            </a:r>
+          </a:p>
+          <a:p>
+            <a:r>
+              <a:rPr lang="de-CH" dirty="0" smtClean="0"/>
+              <a:t>Erste «</a:t>
+            </a:r>
+            <a:r>
+              <a:rPr lang="de-CH" dirty="0" err="1" smtClean="0"/>
+              <a:t>killer</a:t>
+            </a:r>
+            <a:r>
+              <a:rPr lang="de-CH" dirty="0" smtClean="0"/>
+              <a:t> </a:t>
+            </a:r>
+            <a:r>
+              <a:rPr lang="de-CH" dirty="0" err="1" smtClean="0"/>
+              <a:t>app</a:t>
+            </a:r>
+            <a:r>
+              <a:rPr lang="de-CH" dirty="0" smtClean="0"/>
+              <a:t>»</a:t>
+            </a:r>
+          </a:p>
+          <a:p>
+            <a:endParaRPr lang="de-CH" dirty="0"/>
           </a:p>
         </p:txBody>
       </p:sp>
@@ -8411,17 +11333,209 @@
           <a:lstStyle/>
           <a:p>
             <a:r>
-              <a:rPr lang="de-CH" dirty="0" err="1" smtClean="0"/>
-              <a:t>Gameplay</a:t>
+              <a:rPr lang="ja-JP" altLang="de-DE" b="0" dirty="0" smtClean="0"/>
+              <a:t>ス</a:t>
+            </a:r>
+            <a:r>
+              <a:rPr lang="ja-JP" altLang="de-DE" b="0" dirty="0"/>
+              <a:t>ペースインベー</a:t>
+            </a:r>
+            <a:r>
+              <a:rPr lang="ja-JP" altLang="de-DE" b="0" dirty="0" smtClean="0"/>
+              <a:t>ダ </a:t>
+            </a:r>
+            <a:r>
+              <a:rPr lang="de-CH" altLang="ja-JP" b="0" dirty="0" smtClean="0"/>
+              <a:t>(</a:t>
+            </a:r>
+            <a:r>
+              <a:rPr lang="de-CH" b="0" dirty="0" err="1"/>
+              <a:t>Supēsu</a:t>
+            </a:r>
+            <a:r>
+              <a:rPr lang="de-CH" b="0" dirty="0"/>
+              <a:t> </a:t>
+            </a:r>
+            <a:r>
+              <a:rPr lang="de-CH" b="0" dirty="0" err="1"/>
+              <a:t>Inbēdā</a:t>
+            </a:r>
+            <a:r>
+              <a:rPr lang="de-CH" altLang="ja-JP" b="0" dirty="0" smtClean="0"/>
+              <a:t>)</a:t>
             </a:r>
             <a:endParaRPr lang="de-CH" dirty="0"/>
           </a:p>
         </p:txBody>
       </p:sp>
+      <p:pic>
+        <p:nvPicPr>
+          <p:cNvPr id="3074" name="Picture 2" descr="Related image"/>
+          <p:cNvPicPr>
+            <a:picLocks noChangeAspect="1" noChangeArrowheads="1"/>
+          </p:cNvPicPr>
+          <p:nvPr/>
+        </p:nvPicPr>
+        <p:blipFill>
+          <a:blip r:embed="rId2" cstate="print">
+            <a:extLst>
+              <a:ext uri="{28A0092B-C50C-407E-A947-70E740481C1C}">
+                <a14:useLocalDpi xmlns:a14="http://schemas.microsoft.com/office/drawing/2010/main" val="0"/>
+              </a:ext>
+            </a:extLst>
+          </a:blip>
+          <a:srcRect/>
+          <a:stretch>
+            <a:fillRect/>
+          </a:stretch>
+        </p:blipFill>
+        <p:spPr bwMode="auto">
+          <a:xfrm>
+            <a:off x="6718493" y="1090800"/>
+            <a:ext cx="2074987" cy="1633581"/>
+          </a:xfrm>
+          <a:prstGeom prst="rect">
+            <a:avLst/>
+          </a:prstGeom>
+          <a:noFill/>
+          <a:extLst>
+            <a:ext uri="{909E8E84-426E-40DD-AFC4-6F175D3DCCD1}">
+              <a14:hiddenFill xmlns:a14="http://schemas.microsoft.com/office/drawing/2010/main">
+                <a:solidFill>
+                  <a:srgbClr val="FFFFFF"/>
+                </a:solidFill>
+              </a14:hiddenFill>
+            </a:ext>
+          </a:extLst>
+        </p:spPr>
+      </p:pic>
+      <p:pic>
+        <p:nvPicPr>
+          <p:cNvPr id="3076" name="Picture 4" descr="Image result for space invaders 1978"/>
+          <p:cNvPicPr>
+            <a:picLocks noChangeAspect="1" noChangeArrowheads="1"/>
+          </p:cNvPicPr>
+          <p:nvPr/>
+        </p:nvPicPr>
+        <p:blipFill>
+          <a:blip r:embed="rId3" cstate="print">
+            <a:extLst>
+              <a:ext uri="{28A0092B-C50C-407E-A947-70E740481C1C}">
+                <a14:useLocalDpi xmlns:a14="http://schemas.microsoft.com/office/drawing/2010/main" val="0"/>
+              </a:ext>
+            </a:extLst>
+          </a:blip>
+          <a:srcRect/>
+          <a:stretch>
+            <a:fillRect/>
+          </a:stretch>
+        </p:blipFill>
+        <p:spPr bwMode="auto">
+          <a:xfrm>
+            <a:off x="6718493" y="2825551"/>
+            <a:ext cx="2074987" cy="1673522"/>
+          </a:xfrm>
+          <a:prstGeom prst="rect">
+            <a:avLst/>
+          </a:prstGeom>
+          <a:noFill/>
+          <a:extLst>
+            <a:ext uri="{909E8E84-426E-40DD-AFC4-6F175D3DCCD1}">
+              <a14:hiddenFill xmlns:a14="http://schemas.microsoft.com/office/drawing/2010/main">
+                <a:solidFill>
+                  <a:srgbClr val="FFFFFF"/>
+                </a:solidFill>
+              </a14:hiddenFill>
+            </a:ext>
+          </a:extLst>
+        </p:spPr>
+      </p:pic>
+      <p:pic>
+        <p:nvPicPr>
+          <p:cNvPr id="3078" name="Picture 6" descr="Image result for space invaders atari"/>
+          <p:cNvPicPr>
+            <a:picLocks noChangeAspect="1" noChangeArrowheads="1"/>
+          </p:cNvPicPr>
+          <p:nvPr/>
+        </p:nvPicPr>
+        <p:blipFill>
+          <a:blip r:embed="rId4">
+            <a:extLst>
+              <a:ext uri="{28A0092B-C50C-407E-A947-70E740481C1C}">
+                <a14:useLocalDpi xmlns:a14="http://schemas.microsoft.com/office/drawing/2010/main" val="0"/>
+              </a:ext>
+            </a:extLst>
+          </a:blip>
+          <a:srcRect/>
+          <a:stretch>
+            <a:fillRect/>
+          </a:stretch>
+        </p:blipFill>
+        <p:spPr bwMode="auto">
+          <a:xfrm>
+            <a:off x="4564380" y="2825551"/>
+            <a:ext cx="2057400" cy="1673522"/>
+          </a:xfrm>
+          <a:prstGeom prst="rect">
+            <a:avLst/>
+          </a:prstGeom>
+          <a:noFill/>
+          <a:extLst>
+            <a:ext uri="{909E8E84-426E-40DD-AFC4-6F175D3DCCD1}">
+              <a14:hiddenFill xmlns:a14="http://schemas.microsoft.com/office/drawing/2010/main">
+                <a:solidFill>
+                  <a:srgbClr val="FFFFFF"/>
+                </a:solidFill>
+              </a14:hiddenFill>
+            </a:ext>
+          </a:extLst>
+        </p:spPr>
+      </p:pic>
+      <p:pic>
+        <p:nvPicPr>
+          <p:cNvPr id="3080" name="Picture 8" descr="Image result for atari 2600"/>
+          <p:cNvPicPr>
+            <a:picLocks noChangeAspect="1" noChangeArrowheads="1"/>
+          </p:cNvPicPr>
+          <p:nvPr/>
+        </p:nvPicPr>
+        <p:blipFill>
+          <a:blip r:embed="rId5" cstate="print">
+            <a:extLst>
+              <a:ext uri="{28A0092B-C50C-407E-A947-70E740481C1C}">
+                <a14:useLocalDpi xmlns:a14="http://schemas.microsoft.com/office/drawing/2010/main" val="0"/>
+              </a:ext>
+            </a:extLst>
+          </a:blip>
+          <a:srcRect/>
+          <a:stretch>
+            <a:fillRect/>
+          </a:stretch>
+        </p:blipFill>
+        <p:spPr bwMode="auto">
+          <a:xfrm>
+            <a:off x="4564380" y="1450959"/>
+            <a:ext cx="2057401" cy="961835"/>
+          </a:xfrm>
+          <a:prstGeom prst="rect">
+            <a:avLst/>
+          </a:prstGeom>
+          <a:noFill/>
+          <a:extLst>
+            <a:ext uri="{909E8E84-426E-40DD-AFC4-6F175D3DCCD1}">
+              <a14:hiddenFill xmlns:a14="http://schemas.microsoft.com/office/drawing/2010/main">
+                <a:solidFill>
+                  <a:srgbClr val="FFFFFF"/>
+                </a:solidFill>
+              </a14:hiddenFill>
+            </a:ext>
+          </a:extLst>
+        </p:spPr>
+      </p:pic>
     </p:spTree>
     <p:extLst>
       <p:ext uri="{BB962C8B-B14F-4D97-AF65-F5344CB8AC3E}">
-        <p14:creationId xmlns:p14="http://schemas.microsoft.com/office/powerpoint/2010/main" val="3324309959"/>
+        <p14:creationId xmlns:p14="http://schemas.microsoft.com/office/powerpoint/2010/main" val="3525290926"/>
       </p:ext>
     </p:extLst>
   </p:cSld>
@@ -8457,7 +11571,82 @@
       </p:grpSpPr>
       <p:sp>
         <p:nvSpPr>
-          <p:cNvPr id="2" name="Title 1"/>
+          <p:cNvPr id="2" name="Content Placeholder 1"/>
+          <p:cNvSpPr>
+            <a:spLocks noGrp="1"/>
+          </p:cNvSpPr>
+          <p:nvPr>
+            <p:ph idx="1"/>
+          </p:nvPr>
+        </p:nvSpPr>
+        <p:spPr/>
+        <p:txBody>
+          <a:bodyPr/>
+          <a:lstStyle/>
+          <a:p>
+            <a:r>
+              <a:rPr lang="de-CH" dirty="0" smtClean="0"/>
+              <a:t>2D fixierter Shooter</a:t>
+            </a:r>
+          </a:p>
+          <a:p>
+            <a:r>
+              <a:rPr lang="de-CH" dirty="0" smtClean="0"/>
+              <a:t>Spaceship ist Player</a:t>
+            </a:r>
+          </a:p>
+          <a:p>
+            <a:r>
+              <a:rPr lang="de-CH" dirty="0" smtClean="0"/>
+              <a:t>Kann rechts/links bewegt werden</a:t>
+            </a:r>
+          </a:p>
+          <a:p>
+            <a:r>
+              <a:rPr lang="de-CH" dirty="0" smtClean="0"/>
+              <a:t>Laser-Kanone kann Aliens abschiessen, bei Kollision wird Alien eliminiert</a:t>
+            </a:r>
+          </a:p>
+          <a:p>
+            <a:endParaRPr lang="de-CH" dirty="0" smtClean="0"/>
+          </a:p>
+        </p:txBody>
+      </p:sp>
+      <p:sp>
+        <p:nvSpPr>
+          <p:cNvPr id="3" name="Slide Number Placeholder 2"/>
+          <p:cNvSpPr>
+            <a:spLocks noGrp="1"/>
+          </p:cNvSpPr>
+          <p:nvPr>
+            <p:ph type="sldNum" sz="quarter" idx="4"/>
+          </p:nvPr>
+        </p:nvSpPr>
+        <p:spPr/>
+        <p:txBody>
+          <a:bodyPr/>
+          <a:lstStyle/>
+          <a:p>
+            <a:fld id="{DAF489CC-3B7A-4DA5-A8C0-4984788D0EC5}" type="slidenum">
+              <a:rPr lang="nl-NL" smtClean="0">
+                <a:solidFill>
+                  <a:prstClr val="black"/>
+                </a:solidFill>
+              </a:rPr>
+              <a:pPr/>
+              <a:t>6</a:t>
+            </a:fld>
+            <a:endParaRPr lang="nl-NL" dirty="0">
+              <a:solidFill>
+                <a:prstClr val="black"/>
+              </a:solidFill>
+            </a:endParaRPr>
+          </a:p>
+        </p:txBody>
+      </p:sp>
+      <p:sp>
+        <p:nvSpPr>
+          <p:cNvPr id="4" name="Title 3"/>
           <p:cNvSpPr>
             <a:spLocks noGrp="1"/>
           </p:cNvSpPr>
@@ -8471,16 +11660,8 @@
           <a:lstStyle/>
           <a:p>
             <a:r>
-              <a:rPr lang="de-CH" dirty="0" smtClean="0"/>
-              <a:t>Spielregeln &amp; </a:t>
-            </a:r>
-            <a:r>
               <a:rPr lang="de-CH" dirty="0" err="1" smtClean="0"/>
-              <a:t>Use</a:t>
-            </a:r>
-            <a:r>
-              <a:rPr lang="de-CH" dirty="0" smtClean="0"/>
-              <a:t>-Cases</a:t>
+              <a:t>Gameplay</a:t>
             </a:r>
             <a:endParaRPr lang="de-CH" dirty="0"/>
           </a:p>
@@ -8489,7 +11670,7 @@
     </p:spTree>
     <p:extLst>
       <p:ext uri="{BB962C8B-B14F-4D97-AF65-F5344CB8AC3E}">
-        <p14:creationId xmlns:p14="http://schemas.microsoft.com/office/powerpoint/2010/main" val="4247438009"/>
+        <p14:creationId xmlns:p14="http://schemas.microsoft.com/office/powerpoint/2010/main" val="4109920584"/>
       </p:ext>
     </p:extLst>
   </p:cSld>
@@ -8525,58 +11706,7 @@
       </p:grpSpPr>
       <p:sp>
         <p:nvSpPr>
-          <p:cNvPr id="2" name="Content Placeholder 1"/>
-          <p:cNvSpPr>
-            <a:spLocks noGrp="1"/>
-          </p:cNvSpPr>
-          <p:nvPr>
-            <p:ph idx="1"/>
-          </p:nvPr>
-        </p:nvSpPr>
-        <p:spPr/>
-        <p:txBody>
-          <a:bodyPr/>
-          <a:lstStyle/>
-          <a:p>
-            <a:endParaRPr lang="de-CH" dirty="0"/>
-          </a:p>
-        </p:txBody>
-      </p:sp>
-      <p:sp>
-        <p:nvSpPr>
-          <p:cNvPr id="3" name="Slide Number Placeholder 2"/>
-          <p:cNvSpPr>
-            <a:spLocks noGrp="1"/>
-          </p:cNvSpPr>
-          <p:nvPr>
-            <p:ph type="sldNum" sz="quarter" idx="4"/>
-          </p:nvPr>
-        </p:nvSpPr>
-        <p:spPr/>
-        <p:txBody>
-          <a:bodyPr/>
-          <a:lstStyle/>
-          <a:p>
-            <a:fld id="{DAF489CC-3B7A-4DA5-A8C0-4984788D0EC5}" type="slidenum">
-              <a:rPr lang="nl-NL" smtClean="0">
-                <a:solidFill>
-                  <a:prstClr val="black"/>
-                </a:solidFill>
-              </a:rPr>
-              <a:pPr/>
-              <a:t>7</a:t>
-            </a:fld>
-            <a:endParaRPr lang="nl-NL" dirty="0">
-              <a:solidFill>
-                <a:prstClr val="black"/>
-              </a:solidFill>
-            </a:endParaRPr>
-          </a:p>
-        </p:txBody>
-      </p:sp>
-      <p:sp>
-        <p:nvSpPr>
-          <p:cNvPr id="4" name="Title 3"/>
+          <p:cNvPr id="2" name="Title 1"/>
           <p:cNvSpPr>
             <a:spLocks noGrp="1"/>
           </p:cNvSpPr>
@@ -8591,7 +11721,15 @@
           <a:p>
             <a:r>
               <a:rPr lang="de-CH" dirty="0" smtClean="0"/>
-              <a:t>Spielregeln</a:t>
+              <a:t>Spielregeln &amp; </a:t>
+            </a:r>
+            <a:r>
+              <a:rPr lang="de-CH" dirty="0" err="1" smtClean="0"/>
+              <a:t>Use</a:t>
+            </a:r>
+            <a:r>
+              <a:rPr lang="de-CH" dirty="0" smtClean="0"/>
+              <a:t>-Cases</a:t>
             </a:r>
             <a:endParaRPr lang="de-CH" dirty="0"/>
           </a:p>
@@ -8600,7 +11738,7 @@
     </p:spTree>
     <p:extLst>
       <p:ext uri="{BB962C8B-B14F-4D97-AF65-F5344CB8AC3E}">
-        <p14:creationId xmlns:p14="http://schemas.microsoft.com/office/powerpoint/2010/main" val="3382847550"/>
+        <p14:creationId xmlns:p14="http://schemas.microsoft.com/office/powerpoint/2010/main" val="4247438009"/>
       </p:ext>
     </p:extLst>
   </p:cSld>
@@ -8649,7 +11787,55 @@
           <a:bodyPr/>
           <a:lstStyle/>
           <a:p>
-            <a:endParaRPr lang="de-CH"/>
+            <a:pPr marL="0" indent="0">
+              <a:buNone/>
+            </a:pPr>
+            <a:r>
+              <a:rPr lang="de-CH" sz="1800" b="1" dirty="0" smtClean="0"/>
+              <a:t>Invader Logic</a:t>
+            </a:r>
+          </a:p>
+          <a:p>
+            <a:pPr marL="0" indent="0">
+              <a:buNone/>
+            </a:pPr>
+            <a:endParaRPr lang="de-CH" dirty="0" smtClean="0"/>
+          </a:p>
+          <a:p>
+            <a:r>
+              <a:rPr lang="de-CH" dirty="0" smtClean="0"/>
+              <a:t>Invader erstellen</a:t>
+            </a:r>
+          </a:p>
+          <a:p>
+            <a:endParaRPr lang="de-CH" dirty="0" smtClean="0"/>
+          </a:p>
+          <a:p>
+            <a:r>
+              <a:rPr lang="de-CH" dirty="0" smtClean="0"/>
+              <a:t>Invader Bewegung</a:t>
+            </a:r>
+          </a:p>
+          <a:p>
+            <a:endParaRPr lang="de-CH" dirty="0" smtClean="0"/>
+          </a:p>
+          <a:p>
+            <a:r>
+              <a:rPr lang="de-CH" dirty="0" smtClean="0"/>
+              <a:t>Invaderschuss</a:t>
+            </a:r>
+          </a:p>
+          <a:p>
+            <a:endParaRPr lang="de-CH" dirty="0" smtClean="0"/>
+          </a:p>
+          <a:p>
+            <a:r>
+              <a:rPr lang="de-CH" dirty="0" smtClean="0"/>
+              <a:t>Invader zerstören</a:t>
+            </a:r>
+          </a:p>
+          <a:p>
+            <a:endParaRPr lang="de-CH" dirty="0"/>
           </a:p>
         </p:txBody>
       </p:sp>
@@ -8715,13 +11901,20 @@
     </p:spTree>
     <p:extLst>
       <p:ext uri="{BB962C8B-B14F-4D97-AF65-F5344CB8AC3E}">
-        <p14:creationId xmlns:p14="http://schemas.microsoft.com/office/powerpoint/2010/main" val="1802139786"/>
+        <p14:creationId xmlns:p14="http://schemas.microsoft.com/office/powerpoint/2010/main" val="779035322"/>
       </p:ext>
     </p:extLst>
   </p:cSld>
   <p:clrMapOvr>
     <a:masterClrMapping/>
   </p:clrMapOvr>
+  <p:timing>
+    <p:tnLst>
+      <p:par>
+        <p:cTn id="1" dur="indefinite" restart="never" nodeType="tmRoot"/>
+      </p:par>
+    </p:tnLst>
+  </p:timing>
 </p:sld>
 </file>
 
@@ -8744,7 +11937,106 @@
       </p:grpSpPr>
       <p:sp>
         <p:nvSpPr>
-          <p:cNvPr id="2" name="Title 1"/>
+          <p:cNvPr id="2" name="Content Placeholder 1"/>
+          <p:cNvSpPr>
+            <a:spLocks noGrp="1"/>
+          </p:cNvSpPr>
+          <p:nvPr>
+            <p:ph idx="1"/>
+          </p:nvPr>
+        </p:nvSpPr>
+        <p:spPr/>
+        <p:txBody>
+          <a:bodyPr/>
+          <a:lstStyle/>
+          <a:p>
+            <a:pPr marL="0" indent="0">
+              <a:buNone/>
+            </a:pPr>
+            <a:r>
+              <a:rPr lang="de-CH" sz="1800" b="1" dirty="0" smtClean="0"/>
+              <a:t>Player Logic</a:t>
+            </a:r>
+          </a:p>
+          <a:p>
+            <a:pPr marL="0" indent="0">
+              <a:buNone/>
+            </a:pPr>
+            <a:endParaRPr lang="de-CH" b="1" dirty="0" smtClean="0"/>
+          </a:p>
+          <a:p>
+            <a:r>
+              <a:rPr lang="de-CH" dirty="0" smtClean="0"/>
+              <a:t>Schuss von Invader hat Kollision</a:t>
+            </a:r>
+          </a:p>
+          <a:p>
+            <a:endParaRPr lang="de-CH" dirty="0" smtClean="0"/>
+          </a:p>
+          <a:p>
+            <a:r>
+              <a:rPr lang="de-CH" dirty="0" smtClean="0"/>
+              <a:t>Position des Spielers</a:t>
+            </a:r>
+          </a:p>
+          <a:p>
+            <a:endParaRPr lang="de-CH" dirty="0" smtClean="0"/>
+          </a:p>
+          <a:p>
+            <a:r>
+              <a:rPr lang="de-CH" dirty="0" smtClean="0"/>
+              <a:t>Player erreicht den Rand + Bewegung</a:t>
+            </a:r>
+          </a:p>
+          <a:p>
+            <a:endParaRPr lang="de-CH" dirty="0" smtClean="0"/>
+          </a:p>
+          <a:p>
+            <a:r>
+              <a:rPr lang="de-CH" dirty="0" smtClean="0"/>
+              <a:t>Player hat sein letztes Leben verloren</a:t>
+            </a:r>
+          </a:p>
+          <a:p>
+            <a:endParaRPr lang="en-US" dirty="0"/>
+          </a:p>
+        </p:txBody>
+      </p:sp>
+      <p:sp>
+        <p:nvSpPr>
+          <p:cNvPr id="3" name="Slide Number Placeholder 2"/>
+          <p:cNvSpPr>
+            <a:spLocks noGrp="1"/>
+          </p:cNvSpPr>
+          <p:nvPr>
+            <p:ph type="sldNum" sz="quarter" idx="4"/>
+          </p:nvPr>
+        </p:nvSpPr>
+        <p:spPr/>
+        <p:txBody>
+          <a:bodyPr/>
+          <a:lstStyle/>
+          <a:p>
+            <a:fld id="{DAF489CC-3B7A-4DA5-A8C0-4984788D0EC5}" type="slidenum">
+              <a:rPr lang="nl-NL" smtClean="0">
+                <a:solidFill>
+                  <a:prstClr val="black"/>
+                </a:solidFill>
+              </a:rPr>
+              <a:pPr/>
+              <a:t>9</a:t>
+            </a:fld>
+            <a:endParaRPr lang="nl-NL" dirty="0">
+              <a:solidFill>
+                <a:prstClr val="black"/>
+              </a:solidFill>
+            </a:endParaRPr>
+          </a:p>
+        </p:txBody>
+      </p:sp>
+      <p:sp>
+        <p:nvSpPr>
+          <p:cNvPr id="4" name="Title 3"/>
           <p:cNvSpPr>
             <a:spLocks noGrp="1"/>
           </p:cNvSpPr>
@@ -8758,17 +12050,21 @@
           <a:lstStyle/>
           <a:p>
             <a:r>
+              <a:rPr lang="de-CH" dirty="0" err="1" smtClean="0"/>
+              <a:t>Use</a:t>
+            </a:r>
+            <a:r>
               <a:rPr lang="de-CH" dirty="0" smtClean="0"/>
-              <a:t>Planung</a:t>
-            </a:r>
-            <a:endParaRPr lang="de-CH" dirty="0"/>
+              <a:t>-Cases</a:t>
+            </a:r>
+            <a:endParaRPr lang="en-US" dirty="0"/>
           </a:p>
         </p:txBody>
       </p:sp>
     </p:spTree>
     <p:extLst>
       <p:ext uri="{BB962C8B-B14F-4D97-AF65-F5344CB8AC3E}">
-        <p14:creationId xmlns:p14="http://schemas.microsoft.com/office/powerpoint/2010/main" val="4205210766"/>
+        <p14:creationId xmlns:p14="http://schemas.microsoft.com/office/powerpoint/2010/main" val="722801015"/>
       </p:ext>
     </p:extLst>
   </p:cSld>

--- a/SpaceInvaders/Documents/SpaceInvaders.pptx
+++ b/SpaceInvaders/Documents/SpaceInvaders.pptx
@@ -5,10 +5,10 @@
     <p:sldMasterId id="2147484120" r:id="rId1"/>
   </p:sldMasterIdLst>
   <p:notesMasterIdLst>
-    <p:notesMasterId r:id="rId28"/>
+    <p:notesMasterId r:id="rId26"/>
   </p:notesMasterIdLst>
   <p:handoutMasterIdLst>
-    <p:handoutMasterId r:id="rId29"/>
+    <p:handoutMasterId r:id="rId27"/>
   </p:handoutMasterIdLst>
   <p:sldIdLst>
     <p:sldId id="280" r:id="rId2"/>
@@ -26,17 +26,15 @@
     <p:sldId id="289" r:id="rId14"/>
     <p:sldId id="263" r:id="rId15"/>
     <p:sldId id="268" r:id="rId16"/>
-    <p:sldId id="264" r:id="rId17"/>
-    <p:sldId id="259" r:id="rId18"/>
-    <p:sldId id="278" r:id="rId19"/>
-    <p:sldId id="277" r:id="rId20"/>
-    <p:sldId id="265" r:id="rId21"/>
-    <p:sldId id="271" r:id="rId22"/>
-    <p:sldId id="266" r:id="rId23"/>
-    <p:sldId id="276" r:id="rId24"/>
-    <p:sldId id="269" r:id="rId25"/>
-    <p:sldId id="270" r:id="rId26"/>
-    <p:sldId id="279" r:id="rId27"/>
+    <p:sldId id="290" r:id="rId17"/>
+    <p:sldId id="264" r:id="rId18"/>
+    <p:sldId id="259" r:id="rId19"/>
+    <p:sldId id="278" r:id="rId20"/>
+    <p:sldId id="277" r:id="rId21"/>
+    <p:sldId id="265" r:id="rId22"/>
+    <p:sldId id="271" r:id="rId23"/>
+    <p:sldId id="266" r:id="rId24"/>
+    <p:sldId id="279" r:id="rId25"/>
   </p:sldIdLst>
   <p:sldSz cx="9144000" cy="5143500" type="screen16x9"/>
   <p:notesSz cx="6858000" cy="9144000"/>
@@ -167,7 +165,7 @@
   </p:defaultTextStyle>
   <p:extLst>
     <p:ext uri="{EFAFB233-063F-42B5-8137-9DF3F51BA10A}">
-      <p15:sldGuideLst xmlns="" xmlns:p15="http://schemas.microsoft.com/office/powerpoint/2012/main">
+      <p15:sldGuideLst xmlns:p15="http://schemas.microsoft.com/office/powerpoint/2012/main" xmlns="">
         <p15:guide id="1" orient="horz">
           <p15:clr>
             <a:srgbClr val="A4A3A4"/>
@@ -181,7 +179,7 @@
       </p15:sldGuideLst>
     </p:ext>
     <p:ext uri="{2D200454-40CA-4A62-9FC3-DE9A4176ACB9}">
-      <p15:notesGuideLst xmlns="" xmlns:p15="http://schemas.microsoft.com/office/powerpoint/2012/main">
+      <p15:notesGuideLst xmlns:p15="http://schemas.microsoft.com/office/powerpoint/2012/main" xmlns="">
         <p15:guide id="1" orient="horz" pos="2880">
           <p15:clr>
             <a:srgbClr val="A4A3A4"/>
@@ -3718,7 +3716,7 @@
           <a:graphicData uri="http://schemas.openxmlformats.org/presentationml/2006/ole">
             <mc:AlternateContent xmlns:mc="http://schemas.openxmlformats.org/markup-compatibility/2006">
               <mc:Choice xmlns:v="urn:schemas-microsoft-com:vml" Requires="v">
-                <p:oleObj spid="_x0000_s1048" name="think-cell Slide" r:id="rId5" imgW="270" imgH="270" progId="TCLayout.ActiveDocument.1">
+                <p:oleObj spid="_x0000_s1056" name="think-cell Slide" r:id="rId5" imgW="270" imgH="270" progId="TCLayout.ActiveDocument.1">
                   <p:embed/>
                 </p:oleObj>
               </mc:Choice>
@@ -6365,45 +6363,6 @@
           </a:p>
         </p:txBody>
       </p:sp>
-      <p:pic>
-        <p:nvPicPr>
-          <p:cNvPr id="5123" name="Picture 3" descr="C:\Users\A639360\AppData\Local\Microsoft\Windows\Temporary Internet Files\Content.Outlook\4J5LOOI5\Unbenannt.PNG"/>
-          <p:cNvPicPr>
-            <a:picLocks noChangeAspect="1" noChangeArrowheads="1"/>
-          </p:cNvPicPr>
-          <p:nvPr/>
-        </p:nvPicPr>
-        <p:blipFill rotWithShape="1">
-          <a:blip r:embed="rId2">
-            <a:extLst>
-              <a:ext uri="{28A0092B-C50C-407E-A947-70E740481C1C}">
-                <a14:useLocalDpi xmlns:a14="http://schemas.microsoft.com/office/drawing/2010/main" val="0"/>
-              </a:ext>
-            </a:extLst>
-          </a:blip>
-          <a:srcRect t="13241" b="3230"/>
-          <a:stretch/>
-        </p:blipFill>
-        <p:spPr bwMode="auto">
-          <a:xfrm>
-            <a:off x="910464" y="0"/>
-            <a:ext cx="7333064" cy="5143500"/>
-          </a:xfrm>
-          <a:prstGeom prst="rect">
-            <a:avLst/>
-          </a:prstGeom>
-          <a:noFill/>
-          <a:extLst>
-            <a:ext uri="{909E8E84-426E-40DD-AFC4-6F175D3DCCD1}">
-              <a14:hiddenFill xmlns:a14="http://schemas.microsoft.com/office/drawing/2010/main">
-                <a:solidFill>
-                  <a:srgbClr val="FFFFFF"/>
-                </a:solidFill>
-              </a14:hiddenFill>
-            </a:ext>
-          </a:extLst>
-        </p:spPr>
-      </p:pic>
       <p:sp>
         <p:nvSpPr>
           <p:cNvPr id="6" name="Rectangle 5"/>
@@ -6500,6 +6459,60 @@
           </a:p>
         </p:txBody>
       </p:sp>
+      <p:pic>
+        <p:nvPicPr>
+          <p:cNvPr id="3074" name="Picture 2"/>
+          <p:cNvPicPr>
+            <a:picLocks noChangeAspect="1" noChangeArrowheads="1"/>
+          </p:cNvPicPr>
+          <p:nvPr/>
+        </p:nvPicPr>
+        <p:blipFill>
+          <a:blip r:embed="rId2">
+            <a:extLst>
+              <a:ext uri="{28A0092B-C50C-407E-A947-70E740481C1C}">
+                <a14:useLocalDpi xmlns:a14="http://schemas.microsoft.com/office/drawing/2010/main" val="0"/>
+              </a:ext>
+            </a:extLst>
+          </a:blip>
+          <a:srcRect/>
+          <a:stretch>
+            <a:fillRect/>
+          </a:stretch>
+        </p:blipFill>
+        <p:spPr bwMode="auto">
+          <a:xfrm>
+            <a:off x="910464" y="191249"/>
+            <a:ext cx="7387375" cy="4369103"/>
+          </a:xfrm>
+          <a:prstGeom prst="rect">
+            <a:avLst/>
+          </a:prstGeom>
+          <a:noFill/>
+          <a:ln>
+            <a:noFill/>
+          </a:ln>
+          <a:extLst>
+            <a:ext uri="{909E8E84-426E-40DD-AFC4-6F175D3DCCD1}">
+              <a14:hiddenFill xmlns:a14="http://schemas.microsoft.com/office/drawing/2010/main">
+                <a:solidFill>
+                  <a:schemeClr val="accent1"/>
+                </a:solidFill>
+              </a14:hiddenFill>
+            </a:ext>
+            <a:ext uri="{91240B29-F687-4F45-9708-019B960494DF}">
+              <a14:hiddenLine xmlns:a14="http://schemas.microsoft.com/office/drawing/2010/main" w="9525">
+                <a:solidFill>
+                  <a:schemeClr val="tx1"/>
+                </a:solidFill>
+                <a:miter lim="800000"/>
+                <a:headEnd/>
+                <a:tailEnd/>
+              </a14:hiddenLine>
+            </a:ext>
+          </a:extLst>
+        </p:spPr>
+      </p:pic>
     </p:spTree>
     <p:extLst>
       <p:ext uri="{BB962C8B-B14F-4D97-AF65-F5344CB8AC3E}">
@@ -6539,7 +6552,39 @@
       </p:grpSpPr>
       <p:sp>
         <p:nvSpPr>
-          <p:cNvPr id="2" name="Title 1"/>
+          <p:cNvPr id="3" name="Foliennummernplatzhalter 2"/>
+          <p:cNvSpPr>
+            <a:spLocks noGrp="1"/>
+          </p:cNvSpPr>
+          <p:nvPr>
+            <p:ph type="sldNum" sz="quarter" idx="4"/>
+          </p:nvPr>
+        </p:nvSpPr>
+        <p:spPr/>
+        <p:txBody>
+          <a:bodyPr/>
+          <a:lstStyle/>
+          <a:p>
+            <a:fld id="{DAF489CC-3B7A-4DA5-A8C0-4984788D0EC5}" type="slidenum">
+              <a:rPr lang="nl-NL" smtClean="0">
+                <a:solidFill>
+                  <a:prstClr val="black"/>
+                </a:solidFill>
+              </a:rPr>
+              <a:pPr/>
+              <a:t>16</a:t>
+            </a:fld>
+            <a:endParaRPr lang="nl-NL" dirty="0">
+              <a:solidFill>
+                <a:prstClr val="black"/>
+              </a:solidFill>
+            </a:endParaRPr>
+          </a:p>
+        </p:txBody>
+      </p:sp>
+      <p:sp>
+        <p:nvSpPr>
+          <p:cNvPr id="4" name="Titel 3"/>
           <p:cNvSpPr>
             <a:spLocks noGrp="1"/>
           </p:cNvSpPr>
@@ -6552,18 +6597,114 @@
           <a:bodyPr/>
           <a:lstStyle/>
           <a:p>
-            <a:r>
-              <a:rPr lang="de-CH" dirty="0" smtClean="0"/>
-              <a:t>Planung</a:t>
-            </a:r>
-            <a:endParaRPr lang="de-CH" dirty="0"/>
+            <a:endParaRPr lang="en-US"/>
           </a:p>
         </p:txBody>
       </p:sp>
+      <p:pic>
+        <p:nvPicPr>
+          <p:cNvPr id="4098" name="Picture 2"/>
+          <p:cNvPicPr>
+            <a:picLocks noGrp="1" noChangeAspect="1" noChangeArrowheads="1"/>
+          </p:cNvPicPr>
+          <p:nvPr>
+            <p:ph idx="1"/>
+          </p:nvPr>
+        </p:nvPicPr>
+        <p:blipFill>
+          <a:blip r:embed="rId2">
+            <a:extLst>
+              <a:ext uri="{28A0092B-C50C-407E-A947-70E740481C1C}">
+                <a14:useLocalDpi xmlns:a14="http://schemas.microsoft.com/office/drawing/2010/main" val="0"/>
+              </a:ext>
+            </a:extLst>
+          </a:blip>
+          <a:srcRect/>
+          <a:stretch>
+            <a:fillRect/>
+          </a:stretch>
+        </p:blipFill>
+        <p:spPr bwMode="auto">
+          <a:xfrm>
+            <a:off x="3254992" y="0"/>
+            <a:ext cx="5889008" cy="4944063"/>
+          </a:xfrm>
+          <a:prstGeom prst="rect">
+            <a:avLst/>
+          </a:prstGeom>
+          <a:noFill/>
+          <a:ln w="9525">
+            <a:solidFill>
+              <a:schemeClr val="tx1"/>
+            </a:solidFill>
+            <a:miter lim="800000"/>
+            <a:headEnd/>
+            <a:tailEnd/>
+          </a:ln>
+          <a:extLst>
+            <a:ext uri="{909E8E84-426E-40DD-AFC4-6F175D3DCCD1}">
+              <a14:hiddenFill xmlns:a14="http://schemas.microsoft.com/office/drawing/2010/main">
+                <a:solidFill>
+                  <a:schemeClr val="accent1"/>
+                </a:solidFill>
+              </a14:hiddenFill>
+            </a:ext>
+          </a:extLst>
+        </p:spPr>
+      </p:pic>
+      <p:pic>
+        <p:nvPicPr>
+          <p:cNvPr id="4099" name="Picture 3"/>
+          <p:cNvPicPr>
+            <a:picLocks noChangeAspect="1" noChangeArrowheads="1"/>
+          </p:cNvPicPr>
+          <p:nvPr/>
+        </p:nvPicPr>
+        <p:blipFill>
+          <a:blip r:embed="rId3" cstate="print">
+            <a:extLst>
+              <a:ext uri="{28A0092B-C50C-407E-A947-70E740481C1C}">
+                <a14:useLocalDpi xmlns:a14="http://schemas.microsoft.com/office/drawing/2010/main" val="0"/>
+              </a:ext>
+            </a:extLst>
+          </a:blip>
+          <a:srcRect/>
+          <a:stretch>
+            <a:fillRect/>
+          </a:stretch>
+        </p:blipFill>
+        <p:spPr bwMode="auto">
+          <a:xfrm>
+            <a:off x="168180" y="1765395"/>
+            <a:ext cx="3059836" cy="2438116"/>
+          </a:xfrm>
+          <a:prstGeom prst="rect">
+            <a:avLst/>
+          </a:prstGeom>
+          <a:noFill/>
+          <a:ln w="9525">
+            <a:solidFill>
+              <a:schemeClr val="tx1"/>
+            </a:solidFill>
+            <a:miter lim="800000"/>
+            <a:headEnd/>
+            <a:tailEnd/>
+          </a:ln>
+          <a:extLst>
+            <a:ext uri="{909E8E84-426E-40DD-AFC4-6F175D3DCCD1}">
+              <a14:hiddenFill xmlns:a14="http://schemas.microsoft.com/office/drawing/2010/main">
+                <a:solidFill>
+                  <a:schemeClr val="accent1"/>
+                </a:solidFill>
+              </a14:hiddenFill>
+            </a:ext>
+          </a:extLst>
+        </p:spPr>
+      </p:pic>
     </p:spTree>
     <p:extLst>
       <p:ext uri="{BB962C8B-B14F-4D97-AF65-F5344CB8AC3E}">
-        <p14:creationId xmlns:p14="http://schemas.microsoft.com/office/powerpoint/2010/main" val="1534734836"/>
+        <p14:creationId xmlns:p14="http://schemas.microsoft.com/office/powerpoint/2010/main" val="1967002530"/>
       </p:ext>
     </p:extLst>
   </p:cSld>
@@ -6599,85 +6740,7 @@
       </p:grpSpPr>
       <p:sp>
         <p:nvSpPr>
-          <p:cNvPr id="2" name="Content Placeholder 1"/>
-          <p:cNvSpPr>
-            <a:spLocks noGrp="1"/>
-          </p:cNvSpPr>
-          <p:nvPr>
-            <p:ph idx="1"/>
-          </p:nvPr>
-        </p:nvSpPr>
-        <p:spPr>
-          <a:xfrm>
-            <a:off x="1397198" y="3073254"/>
-            <a:ext cx="1905206" cy="1348138"/>
-          </a:xfrm>
-        </p:spPr>
-        <p:txBody>
-          <a:bodyPr/>
-          <a:lstStyle/>
-          <a:p>
-            <a:r>
-              <a:rPr lang="de-CH" dirty="0" smtClean="0"/>
-              <a:t>Toshiki</a:t>
-            </a:r>
-          </a:p>
-          <a:p>
-            <a:r>
-              <a:rPr lang="de-CH" dirty="0" smtClean="0"/>
-              <a:t>Marc</a:t>
-            </a:r>
-          </a:p>
-          <a:p>
-            <a:r>
-              <a:rPr lang="de-CH" dirty="0" smtClean="0"/>
-              <a:t>Angel</a:t>
-            </a:r>
-          </a:p>
-          <a:p>
-            <a:r>
-              <a:rPr lang="de-CH" dirty="0" smtClean="0"/>
-              <a:t>Dennis</a:t>
-            </a:r>
-            <a:endParaRPr lang="de-CH" dirty="0"/>
-          </a:p>
-        </p:txBody>
-      </p:sp>
-      <p:sp>
-        <p:nvSpPr>
-          <p:cNvPr id="3" name="Slide Number Placeholder 2"/>
-          <p:cNvSpPr>
-            <a:spLocks noGrp="1"/>
-          </p:cNvSpPr>
-          <p:nvPr>
-            <p:ph type="sldNum" sz="quarter" idx="4"/>
-          </p:nvPr>
-        </p:nvSpPr>
-        <p:spPr/>
-        <p:txBody>
-          <a:bodyPr/>
-          <a:lstStyle/>
-          <a:p>
-            <a:fld id="{DAF489CC-3B7A-4DA5-A8C0-4984788D0EC5}" type="slidenum">
-              <a:rPr lang="nl-NL" smtClean="0">
-                <a:solidFill>
-                  <a:prstClr val="black"/>
-                </a:solidFill>
-              </a:rPr>
-              <a:pPr/>
-              <a:t>17</a:t>
-            </a:fld>
-            <a:endParaRPr lang="nl-NL" dirty="0">
-              <a:solidFill>
-                <a:prstClr val="black"/>
-              </a:solidFill>
-            </a:endParaRPr>
-          </a:p>
-        </p:txBody>
-      </p:sp>
-      <p:sp>
-        <p:nvSpPr>
-          <p:cNvPr id="4" name="Title 3"/>
+          <p:cNvPr id="2" name="Title 1"/>
           <p:cNvSpPr>
             <a:spLocks noGrp="1"/>
           </p:cNvSpPr>
@@ -6692,296 +6755,16 @@
           <a:p>
             <a:r>
               <a:rPr lang="de-CH" dirty="0" smtClean="0"/>
-              <a:t>Gruppenaufteilung</a:t>
+              <a:t>Planung</a:t>
             </a:r>
             <a:endParaRPr lang="de-CH" dirty="0"/>
           </a:p>
         </p:txBody>
       </p:sp>
-      <p:sp>
-        <p:nvSpPr>
-          <p:cNvPr id="5" name="Content Placeholder 1"/>
-          <p:cNvSpPr txBox="1">
-            <a:spLocks/>
-          </p:cNvSpPr>
-          <p:nvPr/>
-        </p:nvSpPr>
-        <p:spPr>
-          <a:xfrm>
-            <a:off x="5161479" y="2996940"/>
-            <a:ext cx="1905206" cy="912120"/>
-          </a:xfrm>
-          <a:prstGeom prst="rect">
-            <a:avLst/>
-          </a:prstGeom>
-        </p:spPr>
-        <p:txBody>
-          <a:bodyPr vert="horz" lIns="91440" tIns="45720" rIns="91440" bIns="45720" rtlCol="0">
-            <a:noAutofit/>
-          </a:bodyPr>
-          <a:lstStyle>
-            <a:lvl1pPr marL="270000" indent="-270000" algn="l" defTabSz="914400" rtl="0" eaLnBrk="1" latinLnBrk="0" hangingPunct="1">
-              <a:spcBef>
-                <a:spcPct val="20000"/>
-              </a:spcBef>
-              <a:buClr>
-                <a:schemeClr val="tx2"/>
-              </a:buClr>
-              <a:buFont typeface="Lucida Sans Unicode" pitchFamily="34" charset="0"/>
-              <a:buChar char="▶"/>
-              <a:defRPr sz="1600" kern="1200" baseline="0">
-                <a:solidFill>
-                  <a:schemeClr val="tx1"/>
-                </a:solidFill>
-                <a:latin typeface="Verdana" pitchFamily="34" charset="0"/>
-                <a:ea typeface="Verdana" pitchFamily="34" charset="0"/>
-                <a:cs typeface="Verdana" pitchFamily="34" charset="0"/>
-              </a:defRPr>
-            </a:lvl1pPr>
-            <a:lvl2pPr marL="540000" indent="-270000" algn="l" defTabSz="914400" rtl="0" eaLnBrk="1" latinLnBrk="0" hangingPunct="1">
-              <a:spcBef>
-                <a:spcPts val="384"/>
-              </a:spcBef>
-              <a:buClr>
-                <a:schemeClr val="tx2"/>
-              </a:buClr>
-              <a:buFont typeface="Arial" pitchFamily="34" charset="0"/>
-              <a:buChar char="–"/>
-              <a:defRPr sz="1600" kern="1200" baseline="0">
-                <a:solidFill>
-                  <a:schemeClr val="tx1"/>
-                </a:solidFill>
-                <a:latin typeface="Verdana" pitchFamily="34" charset="0"/>
-                <a:ea typeface="Verdana" pitchFamily="34" charset="0"/>
-                <a:cs typeface="Verdana" pitchFamily="34" charset="0"/>
-              </a:defRPr>
-            </a:lvl2pPr>
-            <a:lvl3pPr marL="810000" indent="-270000" algn="l" defTabSz="914400" rtl="0" eaLnBrk="1" latinLnBrk="0" hangingPunct="1">
-              <a:spcBef>
-                <a:spcPct val="20000"/>
-              </a:spcBef>
-              <a:buClr>
-                <a:schemeClr val="tx2"/>
-              </a:buClr>
-              <a:buFont typeface="Arial" pitchFamily="34" charset="0"/>
-              <a:buChar char="•"/>
-              <a:defRPr sz="1600" kern="1200">
-                <a:solidFill>
-                  <a:schemeClr val="tx1"/>
-                </a:solidFill>
-                <a:latin typeface="Verdana" pitchFamily="34" charset="0"/>
-                <a:ea typeface="Verdana" pitchFamily="34" charset="0"/>
-                <a:cs typeface="Verdana" pitchFamily="34" charset="0"/>
-              </a:defRPr>
-            </a:lvl3pPr>
-            <a:lvl4pPr marL="1080000" indent="-270000" algn="l" defTabSz="914400" rtl="0" eaLnBrk="1" latinLnBrk="0" hangingPunct="1">
-              <a:spcBef>
-                <a:spcPct val="20000"/>
-              </a:spcBef>
-              <a:buClr>
-                <a:schemeClr val="tx2"/>
-              </a:buClr>
-              <a:buFont typeface="Arial" pitchFamily="34" charset="0"/>
-              <a:buChar char="–"/>
-              <a:defRPr sz="1600" kern="1200" baseline="0">
-                <a:solidFill>
-                  <a:schemeClr val="tx1"/>
-                </a:solidFill>
-                <a:latin typeface="Verdana" pitchFamily="34" charset="0"/>
-                <a:ea typeface="Verdana" pitchFamily="34" charset="0"/>
-                <a:cs typeface="Verdana" pitchFamily="34" charset="0"/>
-              </a:defRPr>
-            </a:lvl4pPr>
-            <a:lvl5pPr marL="1350000" indent="-270000" algn="l" defTabSz="914400" rtl="0" eaLnBrk="1" latinLnBrk="0" hangingPunct="1">
-              <a:spcBef>
-                <a:spcPct val="20000"/>
-              </a:spcBef>
-              <a:buClr>
-                <a:schemeClr val="tx2"/>
-              </a:buClr>
-              <a:buFont typeface="Arial" pitchFamily="34" charset="0"/>
-              <a:buChar char="»"/>
-              <a:defRPr sz="1600" kern="1200">
-                <a:solidFill>
-                  <a:schemeClr val="tx1"/>
-                </a:solidFill>
-                <a:latin typeface="Verdana" pitchFamily="34" charset="0"/>
-                <a:ea typeface="Verdana" pitchFamily="34" charset="0"/>
-                <a:cs typeface="Verdana" pitchFamily="34" charset="0"/>
-              </a:defRPr>
-            </a:lvl5pPr>
-            <a:lvl6pPr marL="2514600" indent="-228600" algn="l" defTabSz="914400" rtl="0" eaLnBrk="1" latinLnBrk="0" hangingPunct="1">
-              <a:spcBef>
-                <a:spcPct val="20000"/>
-              </a:spcBef>
-              <a:buFont typeface="Arial" pitchFamily="34" charset="0"/>
-              <a:buChar char="•"/>
-              <a:defRPr sz="2000" kern="1200">
-                <a:solidFill>
-                  <a:schemeClr val="tx1"/>
-                </a:solidFill>
-                <a:latin typeface="+mn-lt"/>
-                <a:ea typeface="+mn-ea"/>
-                <a:cs typeface="+mn-cs"/>
-              </a:defRPr>
-            </a:lvl6pPr>
-            <a:lvl7pPr marL="2971800" indent="-228600" algn="l" defTabSz="914400" rtl="0" eaLnBrk="1" latinLnBrk="0" hangingPunct="1">
-              <a:spcBef>
-                <a:spcPct val="20000"/>
-              </a:spcBef>
-              <a:buFont typeface="Arial" pitchFamily="34" charset="0"/>
-              <a:buChar char="•"/>
-              <a:defRPr sz="2000" kern="1200">
-                <a:solidFill>
-                  <a:schemeClr val="tx1"/>
-                </a:solidFill>
-                <a:latin typeface="+mn-lt"/>
-                <a:ea typeface="+mn-ea"/>
-                <a:cs typeface="+mn-cs"/>
-              </a:defRPr>
-            </a:lvl7pPr>
-            <a:lvl8pPr marL="3429000" indent="-228600" algn="l" defTabSz="914400" rtl="0" eaLnBrk="1" latinLnBrk="0" hangingPunct="1">
-              <a:spcBef>
-                <a:spcPct val="20000"/>
-              </a:spcBef>
-              <a:buFont typeface="Arial" pitchFamily="34" charset="0"/>
-              <a:buChar char="•"/>
-              <a:defRPr sz="2000" kern="1200">
-                <a:solidFill>
-                  <a:schemeClr val="tx1"/>
-                </a:solidFill>
-                <a:latin typeface="+mn-lt"/>
-                <a:ea typeface="+mn-ea"/>
-                <a:cs typeface="+mn-cs"/>
-              </a:defRPr>
-            </a:lvl8pPr>
-            <a:lvl9pPr marL="3886200" indent="-228600" algn="l" defTabSz="914400" rtl="0" eaLnBrk="1" latinLnBrk="0" hangingPunct="1">
-              <a:spcBef>
-                <a:spcPct val="20000"/>
-              </a:spcBef>
-              <a:buFont typeface="Arial" pitchFamily="34" charset="0"/>
-              <a:buChar char="•"/>
-              <a:defRPr sz="2000" kern="1200">
-                <a:solidFill>
-                  <a:schemeClr val="tx1"/>
-                </a:solidFill>
-                <a:latin typeface="+mn-lt"/>
-                <a:ea typeface="+mn-ea"/>
-                <a:cs typeface="+mn-cs"/>
-              </a:defRPr>
-            </a:lvl9pPr>
-          </a:lstStyle>
-          <a:p>
-            <a:pPr fontAlgn="auto">
-              <a:spcAft>
-                <a:spcPts val="0"/>
-              </a:spcAft>
-            </a:pPr>
-            <a:r>
-              <a:rPr lang="de-CH" dirty="0" smtClean="0"/>
-              <a:t>Fabrice</a:t>
-            </a:r>
-          </a:p>
-          <a:p>
-            <a:pPr fontAlgn="auto">
-              <a:spcAft>
-                <a:spcPts val="0"/>
-              </a:spcAft>
-            </a:pPr>
-            <a:r>
-              <a:rPr lang="de-CH" dirty="0" smtClean="0"/>
-              <a:t>Cassandra</a:t>
-            </a:r>
-            <a:endParaRPr lang="de-CH" dirty="0"/>
-          </a:p>
-        </p:txBody>
-      </p:sp>
-      <p:pic>
-        <p:nvPicPr>
-          <p:cNvPr id="4098" name="Picture 2" descr="Image result for java logo"/>
-          <p:cNvPicPr>
-            <a:picLocks noChangeAspect="1" noChangeArrowheads="1"/>
-          </p:cNvPicPr>
-          <p:nvPr/>
-        </p:nvPicPr>
-        <p:blipFill>
-          <a:blip r:embed="rId2" cstate="print">
-            <a:extLst>
-              <a:ext uri="{28A0092B-C50C-407E-A947-70E740481C1C}">
-                <a14:useLocalDpi xmlns:a14="http://schemas.microsoft.com/office/drawing/2010/main" val="0"/>
-              </a:ext>
-            </a:extLst>
-          </a:blip>
-          <a:srcRect/>
-          <a:stretch>
-            <a:fillRect/>
-          </a:stretch>
-        </p:blipFill>
-        <p:spPr bwMode="auto">
-          <a:xfrm>
-            <a:off x="1348035" y="1168140"/>
-            <a:ext cx="1954369" cy="1094103"/>
-          </a:xfrm>
-          <a:prstGeom prst="rect">
-            <a:avLst/>
-          </a:prstGeom>
-          <a:noFill/>
-          <a:extLst>
-            <a:ext uri="{909E8E84-426E-40DD-AFC4-6F175D3DCCD1}">
-              <a14:hiddenFill xmlns:a14="http://schemas.microsoft.com/office/drawing/2010/main">
-                <a:solidFill>
-                  <a:srgbClr val="FFFFFF"/>
-                </a:solidFill>
-              </a14:hiddenFill>
-            </a:ext>
-          </a:extLst>
-        </p:spPr>
-      </p:pic>
-      <p:pic>
-        <p:nvPicPr>
-          <p:cNvPr id="4100" name="Picture 4" descr="Image result for c# logo"/>
-          <p:cNvPicPr>
-            <a:picLocks noChangeAspect="1" noChangeArrowheads="1"/>
-          </p:cNvPicPr>
-          <p:nvPr/>
-        </p:nvPicPr>
-        <p:blipFill>
-          <a:blip r:embed="rId3" cstate="print">
-            <a:extLst>
-              <a:ext uri="{28A0092B-C50C-407E-A947-70E740481C1C}">
-                <a14:useLocalDpi xmlns:a14="http://schemas.microsoft.com/office/drawing/2010/main" val="0"/>
-              </a:ext>
-            </a:extLst>
-          </a:blip>
-          <a:srcRect/>
-          <a:stretch>
-            <a:fillRect/>
-          </a:stretch>
-        </p:blipFill>
-        <p:spPr bwMode="auto">
-          <a:xfrm>
-            <a:off x="5161479" y="1299244"/>
-            <a:ext cx="911923" cy="1023959"/>
-          </a:xfrm>
-          <a:prstGeom prst="rect">
-            <a:avLst/>
-          </a:prstGeom>
-          <a:noFill/>
-          <a:extLst>
-            <a:ext uri="{909E8E84-426E-40DD-AFC4-6F175D3DCCD1}">
-              <a14:hiddenFill xmlns:a14="http://schemas.microsoft.com/office/drawing/2010/main">
-                <a:solidFill>
-                  <a:srgbClr val="FFFFFF"/>
-                </a:solidFill>
-              </a14:hiddenFill>
-            </a:ext>
-          </a:extLst>
-        </p:spPr>
-      </p:pic>
     </p:spTree>
     <p:extLst>
       <p:ext uri="{BB962C8B-B14F-4D97-AF65-F5344CB8AC3E}">
-        <p14:creationId xmlns:p14="http://schemas.microsoft.com/office/powerpoint/2010/main" val="2787977755"/>
+        <p14:creationId xmlns:p14="http://schemas.microsoft.com/office/powerpoint/2010/main" val="1534734836"/>
       </p:ext>
     </p:extLst>
   </p:cSld>
@@ -7027,14 +6810,36 @@
         </p:nvSpPr>
         <p:spPr>
           <a:xfrm>
-            <a:off x="216488" y="1077257"/>
-            <a:ext cx="8748000" cy="3474900"/>
+            <a:off x="1397198" y="3073254"/>
+            <a:ext cx="1905206" cy="1348138"/>
           </a:xfrm>
         </p:spPr>
         <p:txBody>
           <a:bodyPr/>
           <a:lstStyle/>
           <a:p>
+            <a:r>
+              <a:rPr lang="de-CH" dirty="0" smtClean="0"/>
+              <a:t>Toshiki</a:t>
+            </a:r>
+          </a:p>
+          <a:p>
+            <a:r>
+              <a:rPr lang="de-CH" dirty="0" smtClean="0"/>
+              <a:t>Marc</a:t>
+            </a:r>
+          </a:p>
+          <a:p>
+            <a:r>
+              <a:rPr lang="de-CH" dirty="0" smtClean="0"/>
+              <a:t>Angel</a:t>
+            </a:r>
+          </a:p>
+          <a:p>
+            <a:r>
+              <a:rPr lang="de-CH" dirty="0" smtClean="0"/>
+              <a:t>Dennis</a:t>
+            </a:r>
             <a:endParaRPr lang="de-CH" dirty="0"/>
           </a:p>
         </p:txBody>
@@ -7062,6 +6867,402 @@
               </a:rPr>
               <a:pPr/>
               <a:t>18</a:t>
+            </a:fld>
+            <a:endParaRPr lang="nl-NL" dirty="0">
+              <a:solidFill>
+                <a:prstClr val="black"/>
+              </a:solidFill>
+            </a:endParaRPr>
+          </a:p>
+        </p:txBody>
+      </p:sp>
+      <p:sp>
+        <p:nvSpPr>
+          <p:cNvPr id="4" name="Title 3"/>
+          <p:cNvSpPr>
+            <a:spLocks noGrp="1"/>
+          </p:cNvSpPr>
+          <p:nvPr>
+            <p:ph type="title"/>
+          </p:nvPr>
+        </p:nvSpPr>
+        <p:spPr/>
+        <p:txBody>
+          <a:bodyPr/>
+          <a:lstStyle/>
+          <a:p>
+            <a:r>
+              <a:rPr lang="de-CH" dirty="0" smtClean="0"/>
+              <a:t>Gruppenaufteilung</a:t>
+            </a:r>
+            <a:endParaRPr lang="de-CH" dirty="0"/>
+          </a:p>
+        </p:txBody>
+      </p:sp>
+      <p:sp>
+        <p:nvSpPr>
+          <p:cNvPr id="5" name="Content Placeholder 1"/>
+          <p:cNvSpPr txBox="1">
+            <a:spLocks/>
+          </p:cNvSpPr>
+          <p:nvPr/>
+        </p:nvSpPr>
+        <p:spPr>
+          <a:xfrm>
+            <a:off x="5161479" y="2996940"/>
+            <a:ext cx="1905206" cy="912120"/>
+          </a:xfrm>
+          <a:prstGeom prst="rect">
+            <a:avLst/>
+          </a:prstGeom>
+        </p:spPr>
+        <p:txBody>
+          <a:bodyPr vert="horz" lIns="91440" tIns="45720" rIns="91440" bIns="45720" rtlCol="0">
+            <a:noAutofit/>
+          </a:bodyPr>
+          <a:lstStyle>
+            <a:lvl1pPr marL="270000" indent="-270000" algn="l" defTabSz="914400" rtl="0" eaLnBrk="1" latinLnBrk="0" hangingPunct="1">
+              <a:spcBef>
+                <a:spcPct val="20000"/>
+              </a:spcBef>
+              <a:buClr>
+                <a:schemeClr val="tx2"/>
+              </a:buClr>
+              <a:buFont typeface="Lucida Sans Unicode" pitchFamily="34" charset="0"/>
+              <a:buChar char="▶"/>
+              <a:defRPr sz="1600" kern="1200" baseline="0">
+                <a:solidFill>
+                  <a:schemeClr val="tx1"/>
+                </a:solidFill>
+                <a:latin typeface="Verdana" pitchFamily="34" charset="0"/>
+                <a:ea typeface="Verdana" pitchFamily="34" charset="0"/>
+                <a:cs typeface="Verdana" pitchFamily="34" charset="0"/>
+              </a:defRPr>
+            </a:lvl1pPr>
+            <a:lvl2pPr marL="540000" indent="-270000" algn="l" defTabSz="914400" rtl="0" eaLnBrk="1" latinLnBrk="0" hangingPunct="1">
+              <a:spcBef>
+                <a:spcPts val="384"/>
+              </a:spcBef>
+              <a:buClr>
+                <a:schemeClr val="tx2"/>
+              </a:buClr>
+              <a:buFont typeface="Arial" pitchFamily="34" charset="0"/>
+              <a:buChar char="–"/>
+              <a:defRPr sz="1600" kern="1200" baseline="0">
+                <a:solidFill>
+                  <a:schemeClr val="tx1"/>
+                </a:solidFill>
+                <a:latin typeface="Verdana" pitchFamily="34" charset="0"/>
+                <a:ea typeface="Verdana" pitchFamily="34" charset="0"/>
+                <a:cs typeface="Verdana" pitchFamily="34" charset="0"/>
+              </a:defRPr>
+            </a:lvl2pPr>
+            <a:lvl3pPr marL="810000" indent="-270000" algn="l" defTabSz="914400" rtl="0" eaLnBrk="1" latinLnBrk="0" hangingPunct="1">
+              <a:spcBef>
+                <a:spcPct val="20000"/>
+              </a:spcBef>
+              <a:buClr>
+                <a:schemeClr val="tx2"/>
+              </a:buClr>
+              <a:buFont typeface="Arial" pitchFamily="34" charset="0"/>
+              <a:buChar char="•"/>
+              <a:defRPr sz="1600" kern="1200">
+                <a:solidFill>
+                  <a:schemeClr val="tx1"/>
+                </a:solidFill>
+                <a:latin typeface="Verdana" pitchFamily="34" charset="0"/>
+                <a:ea typeface="Verdana" pitchFamily="34" charset="0"/>
+                <a:cs typeface="Verdana" pitchFamily="34" charset="0"/>
+              </a:defRPr>
+            </a:lvl3pPr>
+            <a:lvl4pPr marL="1080000" indent="-270000" algn="l" defTabSz="914400" rtl="0" eaLnBrk="1" latinLnBrk="0" hangingPunct="1">
+              <a:spcBef>
+                <a:spcPct val="20000"/>
+              </a:spcBef>
+              <a:buClr>
+                <a:schemeClr val="tx2"/>
+              </a:buClr>
+              <a:buFont typeface="Arial" pitchFamily="34" charset="0"/>
+              <a:buChar char="–"/>
+              <a:defRPr sz="1600" kern="1200" baseline="0">
+                <a:solidFill>
+                  <a:schemeClr val="tx1"/>
+                </a:solidFill>
+                <a:latin typeface="Verdana" pitchFamily="34" charset="0"/>
+                <a:ea typeface="Verdana" pitchFamily="34" charset="0"/>
+                <a:cs typeface="Verdana" pitchFamily="34" charset="0"/>
+              </a:defRPr>
+            </a:lvl4pPr>
+            <a:lvl5pPr marL="1350000" indent="-270000" algn="l" defTabSz="914400" rtl="0" eaLnBrk="1" latinLnBrk="0" hangingPunct="1">
+              <a:spcBef>
+                <a:spcPct val="20000"/>
+              </a:spcBef>
+              <a:buClr>
+                <a:schemeClr val="tx2"/>
+              </a:buClr>
+              <a:buFont typeface="Arial" pitchFamily="34" charset="0"/>
+              <a:buChar char="»"/>
+              <a:defRPr sz="1600" kern="1200">
+                <a:solidFill>
+                  <a:schemeClr val="tx1"/>
+                </a:solidFill>
+                <a:latin typeface="Verdana" pitchFamily="34" charset="0"/>
+                <a:ea typeface="Verdana" pitchFamily="34" charset="0"/>
+                <a:cs typeface="Verdana" pitchFamily="34" charset="0"/>
+              </a:defRPr>
+            </a:lvl5pPr>
+            <a:lvl6pPr marL="2514600" indent="-228600" algn="l" defTabSz="914400" rtl="0" eaLnBrk="1" latinLnBrk="0" hangingPunct="1">
+              <a:spcBef>
+                <a:spcPct val="20000"/>
+              </a:spcBef>
+              <a:buFont typeface="Arial" pitchFamily="34" charset="0"/>
+              <a:buChar char="•"/>
+              <a:defRPr sz="2000" kern="1200">
+                <a:solidFill>
+                  <a:schemeClr val="tx1"/>
+                </a:solidFill>
+                <a:latin typeface="+mn-lt"/>
+                <a:ea typeface="+mn-ea"/>
+                <a:cs typeface="+mn-cs"/>
+              </a:defRPr>
+            </a:lvl6pPr>
+            <a:lvl7pPr marL="2971800" indent="-228600" algn="l" defTabSz="914400" rtl="0" eaLnBrk="1" latinLnBrk="0" hangingPunct="1">
+              <a:spcBef>
+                <a:spcPct val="20000"/>
+              </a:spcBef>
+              <a:buFont typeface="Arial" pitchFamily="34" charset="0"/>
+              <a:buChar char="•"/>
+              <a:defRPr sz="2000" kern="1200">
+                <a:solidFill>
+                  <a:schemeClr val="tx1"/>
+                </a:solidFill>
+                <a:latin typeface="+mn-lt"/>
+                <a:ea typeface="+mn-ea"/>
+                <a:cs typeface="+mn-cs"/>
+              </a:defRPr>
+            </a:lvl7pPr>
+            <a:lvl8pPr marL="3429000" indent="-228600" algn="l" defTabSz="914400" rtl="0" eaLnBrk="1" latinLnBrk="0" hangingPunct="1">
+              <a:spcBef>
+                <a:spcPct val="20000"/>
+              </a:spcBef>
+              <a:buFont typeface="Arial" pitchFamily="34" charset="0"/>
+              <a:buChar char="•"/>
+              <a:defRPr sz="2000" kern="1200">
+                <a:solidFill>
+                  <a:schemeClr val="tx1"/>
+                </a:solidFill>
+                <a:latin typeface="+mn-lt"/>
+                <a:ea typeface="+mn-ea"/>
+                <a:cs typeface="+mn-cs"/>
+              </a:defRPr>
+            </a:lvl8pPr>
+            <a:lvl9pPr marL="3886200" indent="-228600" algn="l" defTabSz="914400" rtl="0" eaLnBrk="1" latinLnBrk="0" hangingPunct="1">
+              <a:spcBef>
+                <a:spcPct val="20000"/>
+              </a:spcBef>
+              <a:buFont typeface="Arial" pitchFamily="34" charset="0"/>
+              <a:buChar char="•"/>
+              <a:defRPr sz="2000" kern="1200">
+                <a:solidFill>
+                  <a:schemeClr val="tx1"/>
+                </a:solidFill>
+                <a:latin typeface="+mn-lt"/>
+                <a:ea typeface="+mn-ea"/>
+                <a:cs typeface="+mn-cs"/>
+              </a:defRPr>
+            </a:lvl9pPr>
+          </a:lstStyle>
+          <a:p>
+            <a:pPr fontAlgn="auto">
+              <a:spcAft>
+                <a:spcPts val="0"/>
+              </a:spcAft>
+            </a:pPr>
+            <a:r>
+              <a:rPr lang="de-CH" dirty="0" smtClean="0"/>
+              <a:t>Fabrice</a:t>
+            </a:r>
+          </a:p>
+          <a:p>
+            <a:pPr fontAlgn="auto">
+              <a:spcAft>
+                <a:spcPts val="0"/>
+              </a:spcAft>
+            </a:pPr>
+            <a:r>
+              <a:rPr lang="de-CH" dirty="0" smtClean="0"/>
+              <a:t>Cassandra</a:t>
+            </a:r>
+            <a:endParaRPr lang="de-CH" dirty="0"/>
+          </a:p>
+        </p:txBody>
+      </p:sp>
+      <p:pic>
+        <p:nvPicPr>
+          <p:cNvPr id="4098" name="Picture 2" descr="Image result for java logo"/>
+          <p:cNvPicPr>
+            <a:picLocks noChangeAspect="1" noChangeArrowheads="1"/>
+          </p:cNvPicPr>
+          <p:nvPr/>
+        </p:nvPicPr>
+        <p:blipFill>
+          <a:blip r:embed="rId2" cstate="print">
+            <a:extLst>
+              <a:ext uri="{28A0092B-C50C-407E-A947-70E740481C1C}">
+                <a14:useLocalDpi xmlns:a14="http://schemas.microsoft.com/office/drawing/2010/main" val="0"/>
+              </a:ext>
+            </a:extLst>
+          </a:blip>
+          <a:srcRect/>
+          <a:stretch>
+            <a:fillRect/>
+          </a:stretch>
+        </p:blipFill>
+        <p:spPr bwMode="auto">
+          <a:xfrm>
+            <a:off x="1348035" y="1168140"/>
+            <a:ext cx="1954369" cy="1094103"/>
+          </a:xfrm>
+          <a:prstGeom prst="rect">
+            <a:avLst/>
+          </a:prstGeom>
+          <a:noFill/>
+          <a:extLst>
+            <a:ext uri="{909E8E84-426E-40DD-AFC4-6F175D3DCCD1}">
+              <a14:hiddenFill xmlns:a14="http://schemas.microsoft.com/office/drawing/2010/main">
+                <a:solidFill>
+                  <a:srgbClr val="FFFFFF"/>
+                </a:solidFill>
+              </a14:hiddenFill>
+            </a:ext>
+          </a:extLst>
+        </p:spPr>
+      </p:pic>
+      <p:pic>
+        <p:nvPicPr>
+          <p:cNvPr id="4100" name="Picture 4" descr="Image result for c# logo"/>
+          <p:cNvPicPr>
+            <a:picLocks noChangeAspect="1" noChangeArrowheads="1"/>
+          </p:cNvPicPr>
+          <p:nvPr/>
+        </p:nvPicPr>
+        <p:blipFill>
+          <a:blip r:embed="rId3" cstate="print">
+            <a:extLst>
+              <a:ext uri="{28A0092B-C50C-407E-A947-70E740481C1C}">
+                <a14:useLocalDpi xmlns:a14="http://schemas.microsoft.com/office/drawing/2010/main" val="0"/>
+              </a:ext>
+            </a:extLst>
+          </a:blip>
+          <a:srcRect/>
+          <a:stretch>
+            <a:fillRect/>
+          </a:stretch>
+        </p:blipFill>
+        <p:spPr bwMode="auto">
+          <a:xfrm>
+            <a:off x="5161479" y="1299244"/>
+            <a:ext cx="911923" cy="1023959"/>
+          </a:xfrm>
+          <a:prstGeom prst="rect">
+            <a:avLst/>
+          </a:prstGeom>
+          <a:noFill/>
+          <a:extLst>
+            <a:ext uri="{909E8E84-426E-40DD-AFC4-6F175D3DCCD1}">
+              <a14:hiddenFill xmlns:a14="http://schemas.microsoft.com/office/drawing/2010/main">
+                <a:solidFill>
+                  <a:srgbClr val="FFFFFF"/>
+                </a:solidFill>
+              </a14:hiddenFill>
+            </a:ext>
+          </a:extLst>
+        </p:spPr>
+      </p:pic>
+    </p:spTree>
+    <p:extLst>
+      <p:ext uri="{BB962C8B-B14F-4D97-AF65-F5344CB8AC3E}">
+        <p14:creationId xmlns:p14="http://schemas.microsoft.com/office/powerpoint/2010/main" val="2787977755"/>
+      </p:ext>
+    </p:extLst>
+  </p:cSld>
+  <p:clrMapOvr>
+    <a:masterClrMapping/>
+  </p:clrMapOvr>
+  <p:timing>
+    <p:tnLst>
+      <p:par>
+        <p:cTn id="1" dur="indefinite" restart="never" nodeType="tmRoot"/>
+      </p:par>
+    </p:tnLst>
+  </p:timing>
+</p:sld>
+</file>
+
+<file path=ppt/slides/slide19.xml><?xml version="1.0" encoding="utf-8"?>
+<p:sld xmlns:a="http://schemas.openxmlformats.org/drawingml/2006/main" xmlns:r="http://schemas.openxmlformats.org/officeDocument/2006/relationships" xmlns:p="http://schemas.openxmlformats.org/presentationml/2006/main">
+  <p:cSld>
+    <p:spTree>
+      <p:nvGrpSpPr>
+        <p:cNvPr id="1" name=""/>
+        <p:cNvGrpSpPr/>
+        <p:nvPr/>
+      </p:nvGrpSpPr>
+      <p:grpSpPr>
+        <a:xfrm>
+          <a:off x="0" y="0"/>
+          <a:ext cx="0" cy="0"/>
+          <a:chOff x="0" y="0"/>
+          <a:chExt cx="0" cy="0"/>
+        </a:xfrm>
+      </p:grpSpPr>
+      <p:sp>
+        <p:nvSpPr>
+          <p:cNvPr id="2" name="Content Placeholder 1"/>
+          <p:cNvSpPr>
+            <a:spLocks noGrp="1"/>
+          </p:cNvSpPr>
+          <p:nvPr>
+            <p:ph idx="1"/>
+          </p:nvPr>
+        </p:nvSpPr>
+        <p:spPr>
+          <a:xfrm>
+            <a:off x="216488" y="1077257"/>
+            <a:ext cx="8748000" cy="3474900"/>
+          </a:xfrm>
+        </p:spPr>
+        <p:txBody>
+          <a:bodyPr/>
+          <a:lstStyle/>
+          <a:p>
+            <a:endParaRPr lang="de-CH" dirty="0"/>
+          </a:p>
+        </p:txBody>
+      </p:sp>
+      <p:sp>
+        <p:nvSpPr>
+          <p:cNvPr id="3" name="Slide Number Placeholder 2"/>
+          <p:cNvSpPr>
+            <a:spLocks noGrp="1"/>
+          </p:cNvSpPr>
+          <p:nvPr>
+            <p:ph type="sldNum" sz="quarter" idx="4"/>
+          </p:nvPr>
+        </p:nvSpPr>
+        <p:spPr/>
+        <p:txBody>
+          <a:bodyPr/>
+          <a:lstStyle/>
+          <a:p>
+            <a:fld id="{DAF489CC-3B7A-4DA5-A8C0-4984788D0EC5}" type="slidenum">
+              <a:rPr lang="nl-NL" smtClean="0">
+                <a:solidFill>
+                  <a:prstClr val="black"/>
+                </a:solidFill>
+              </a:rPr>
+              <a:pPr/>
+              <a:t>19</a:t>
             </a:fld>
             <a:endParaRPr lang="nl-NL" dirty="0">
               <a:solidFill>
@@ -9076,525 +9277,13 @@
   <p:clrMapOvr>
     <a:masterClrMapping/>
   </p:clrMapOvr>
-</p:sld>
-</file>
-
-<file path=ppt/slides/slide19.xml><?xml version="1.0" encoding="utf-8"?>
-<p:sld xmlns:a="http://schemas.openxmlformats.org/drawingml/2006/main" xmlns:r="http://schemas.openxmlformats.org/officeDocument/2006/relationships" xmlns:p="http://schemas.openxmlformats.org/presentationml/2006/main">
-  <p:cSld>
-    <p:spTree>
-      <p:nvGrpSpPr>
-        <p:cNvPr id="1" name=""/>
-        <p:cNvGrpSpPr/>
-        <p:nvPr/>
-      </p:nvGrpSpPr>
-      <p:grpSpPr>
-        <a:xfrm>
-          <a:off x="0" y="0"/>
-          <a:ext cx="0" cy="0"/>
-          <a:chOff x="0" y="0"/>
-          <a:chExt cx="0" cy="0"/>
-        </a:xfrm>
-      </p:grpSpPr>
-      <p:sp>
-        <p:nvSpPr>
-          <p:cNvPr id="2" name="Content Placeholder 1"/>
-          <p:cNvSpPr>
-            <a:spLocks noGrp="1"/>
-          </p:cNvSpPr>
-          <p:nvPr>
-            <p:ph idx="1"/>
-          </p:nvPr>
-        </p:nvSpPr>
-        <p:spPr>
-          <a:xfrm>
-            <a:off x="216488" y="1090800"/>
-            <a:ext cx="4382808" cy="3474900"/>
-          </a:xfrm>
-        </p:spPr>
-        <p:txBody>
-          <a:bodyPr/>
-          <a:lstStyle/>
-          <a:p>
-            <a:r>
-              <a:rPr lang="de-CH" dirty="0" smtClean="0"/>
-              <a:t>Cassandra (</a:t>
-            </a:r>
-            <a:r>
-              <a:rPr lang="de-CH" dirty="0"/>
-              <a:t>C</a:t>
-            </a:r>
-            <a:r>
-              <a:rPr lang="de-CH" dirty="0" smtClean="0"/>
-              <a:t>#)</a:t>
-            </a:r>
-          </a:p>
-          <a:p>
-            <a:pPr lvl="1"/>
-            <a:r>
-              <a:rPr lang="de-CH" dirty="0" err="1" smtClean="0"/>
-              <a:t>UseCases</a:t>
-            </a:r>
-            <a:r>
-              <a:rPr lang="de-CH" dirty="0" smtClean="0"/>
-              <a:t>  definiert</a:t>
-            </a:r>
-          </a:p>
-          <a:p>
-            <a:pPr lvl="1"/>
-            <a:r>
-              <a:rPr lang="de-CH" dirty="0" smtClean="0"/>
-              <a:t>GUI Design erstellen</a:t>
-            </a:r>
-          </a:p>
-          <a:p>
-            <a:pPr lvl="1"/>
-            <a:r>
-              <a:rPr lang="de-CH" dirty="0" smtClean="0"/>
-              <a:t>GUI </a:t>
-            </a:r>
-            <a:r>
-              <a:rPr lang="de-CH" dirty="0" err="1" smtClean="0"/>
-              <a:t>Logic</a:t>
-            </a:r>
-            <a:endParaRPr lang="de-CH" dirty="0" smtClean="0"/>
-          </a:p>
-          <a:p>
-            <a:pPr lvl="2"/>
-            <a:r>
-              <a:rPr lang="de-CH" dirty="0" smtClean="0"/>
-              <a:t>Buttons</a:t>
-            </a:r>
-          </a:p>
-          <a:p>
-            <a:pPr lvl="1"/>
-            <a:r>
-              <a:rPr lang="de-CH" dirty="0" err="1" smtClean="0"/>
-              <a:t>Refactoring</a:t>
-            </a:r>
-            <a:r>
-              <a:rPr lang="de-CH" dirty="0" smtClean="0"/>
-              <a:t>	</a:t>
-            </a:r>
-          </a:p>
-          <a:p>
-            <a:pPr lvl="1"/>
-            <a:r>
-              <a:rPr lang="de-CH" dirty="0" smtClean="0"/>
-              <a:t>Business </a:t>
-            </a:r>
-            <a:r>
-              <a:rPr lang="de-CH" dirty="0" err="1" smtClean="0"/>
-              <a:t>Logic</a:t>
-            </a:r>
-            <a:endParaRPr lang="de-CH" dirty="0" smtClean="0"/>
-          </a:p>
-          <a:p>
-            <a:pPr lvl="2"/>
-            <a:r>
-              <a:rPr lang="de-CH" dirty="0"/>
-              <a:t>Player </a:t>
-            </a:r>
-            <a:r>
-              <a:rPr lang="de-CH" dirty="0" smtClean="0"/>
-              <a:t>Movement</a:t>
-            </a:r>
-          </a:p>
-          <a:p>
-            <a:pPr lvl="2"/>
-            <a:endParaRPr lang="de-CH" dirty="0"/>
-          </a:p>
-          <a:p>
-            <a:pPr lvl="1"/>
-            <a:endParaRPr lang="de-CH" dirty="0" smtClean="0"/>
-          </a:p>
-        </p:txBody>
-      </p:sp>
-      <p:sp>
-        <p:nvSpPr>
-          <p:cNvPr id="3" name="Slide Number Placeholder 2"/>
-          <p:cNvSpPr>
-            <a:spLocks noGrp="1"/>
-          </p:cNvSpPr>
-          <p:nvPr>
-            <p:ph type="sldNum" sz="quarter" idx="4"/>
-          </p:nvPr>
-        </p:nvSpPr>
-        <p:spPr/>
-        <p:txBody>
-          <a:bodyPr/>
-          <a:lstStyle/>
-          <a:p>
-            <a:fld id="{DAF489CC-3B7A-4DA5-A8C0-4984788D0EC5}" type="slidenum">
-              <a:rPr lang="nl-NL" smtClean="0">
-                <a:solidFill>
-                  <a:prstClr val="black"/>
-                </a:solidFill>
-              </a:rPr>
-              <a:pPr/>
-              <a:t>19</a:t>
-            </a:fld>
-            <a:endParaRPr lang="nl-NL" dirty="0">
-              <a:solidFill>
-                <a:prstClr val="black"/>
-              </a:solidFill>
-            </a:endParaRPr>
-          </a:p>
-        </p:txBody>
-      </p:sp>
-      <p:sp>
-        <p:nvSpPr>
-          <p:cNvPr id="4" name="Title 3"/>
-          <p:cNvSpPr>
-            <a:spLocks noGrp="1"/>
-          </p:cNvSpPr>
-          <p:nvPr>
-            <p:ph type="title"/>
-          </p:nvPr>
-        </p:nvSpPr>
-        <p:spPr/>
-        <p:txBody>
-          <a:bodyPr/>
-          <a:lstStyle/>
-          <a:p>
-            <a:r>
-              <a:rPr lang="de-CH" dirty="0" smtClean="0"/>
-              <a:t>Aufgabenaufteilung</a:t>
-            </a:r>
-            <a:endParaRPr lang="de-CH" dirty="0"/>
-          </a:p>
-        </p:txBody>
-      </p:sp>
-      <p:sp>
-        <p:nvSpPr>
-          <p:cNvPr id="5" name="Content Placeholder 1"/>
-          <p:cNvSpPr txBox="1">
-            <a:spLocks/>
-          </p:cNvSpPr>
-          <p:nvPr/>
-        </p:nvSpPr>
-        <p:spPr>
-          <a:xfrm>
-            <a:off x="4581680" y="1090800"/>
-            <a:ext cx="4382808" cy="3474900"/>
-          </a:xfrm>
-          <a:prstGeom prst="rect">
-            <a:avLst/>
-          </a:prstGeom>
-        </p:spPr>
-        <p:txBody>
-          <a:bodyPr vert="horz" lIns="91440" tIns="45720" rIns="91440" bIns="45720" rtlCol="0">
-            <a:noAutofit/>
-          </a:bodyPr>
-          <a:lstStyle>
-            <a:lvl1pPr marL="270000" indent="-270000" algn="l" defTabSz="914400" rtl="0" eaLnBrk="1" latinLnBrk="0" hangingPunct="1">
-              <a:spcBef>
-                <a:spcPct val="20000"/>
-              </a:spcBef>
-              <a:buClr>
-                <a:schemeClr val="tx2"/>
-              </a:buClr>
-              <a:buFont typeface="Lucida Sans Unicode" pitchFamily="34" charset="0"/>
-              <a:buChar char="▶"/>
-              <a:defRPr sz="1600" kern="1200" baseline="0">
-                <a:solidFill>
-                  <a:schemeClr val="tx1"/>
-                </a:solidFill>
-                <a:latin typeface="Verdana" pitchFamily="34" charset="0"/>
-                <a:ea typeface="Verdana" pitchFamily="34" charset="0"/>
-                <a:cs typeface="Verdana" pitchFamily="34" charset="0"/>
-              </a:defRPr>
-            </a:lvl1pPr>
-            <a:lvl2pPr marL="540000" indent="-270000" algn="l" defTabSz="914400" rtl="0" eaLnBrk="1" latinLnBrk="0" hangingPunct="1">
-              <a:spcBef>
-                <a:spcPts val="384"/>
-              </a:spcBef>
-              <a:buClr>
-                <a:schemeClr val="tx2"/>
-              </a:buClr>
-              <a:buFont typeface="Arial" pitchFamily="34" charset="0"/>
-              <a:buChar char="–"/>
-              <a:defRPr sz="1600" kern="1200" baseline="0">
-                <a:solidFill>
-                  <a:schemeClr val="tx1"/>
-                </a:solidFill>
-                <a:latin typeface="Verdana" pitchFamily="34" charset="0"/>
-                <a:ea typeface="Verdana" pitchFamily="34" charset="0"/>
-                <a:cs typeface="Verdana" pitchFamily="34" charset="0"/>
-              </a:defRPr>
-            </a:lvl2pPr>
-            <a:lvl3pPr marL="810000" indent="-270000" algn="l" defTabSz="914400" rtl="0" eaLnBrk="1" latinLnBrk="0" hangingPunct="1">
-              <a:spcBef>
-                <a:spcPct val="20000"/>
-              </a:spcBef>
-              <a:buClr>
-                <a:schemeClr val="tx2"/>
-              </a:buClr>
-              <a:buFont typeface="Arial" pitchFamily="34" charset="0"/>
-              <a:buChar char="•"/>
-              <a:defRPr sz="1600" kern="1200">
-                <a:solidFill>
-                  <a:schemeClr val="tx1"/>
-                </a:solidFill>
-                <a:latin typeface="Verdana" pitchFamily="34" charset="0"/>
-                <a:ea typeface="Verdana" pitchFamily="34" charset="0"/>
-                <a:cs typeface="Verdana" pitchFamily="34" charset="0"/>
-              </a:defRPr>
-            </a:lvl3pPr>
-            <a:lvl4pPr marL="1080000" indent="-270000" algn="l" defTabSz="914400" rtl="0" eaLnBrk="1" latinLnBrk="0" hangingPunct="1">
-              <a:spcBef>
-                <a:spcPct val="20000"/>
-              </a:spcBef>
-              <a:buClr>
-                <a:schemeClr val="tx2"/>
-              </a:buClr>
-              <a:buFont typeface="Arial" pitchFamily="34" charset="0"/>
-              <a:buChar char="–"/>
-              <a:defRPr sz="1600" kern="1200" baseline="0">
-                <a:solidFill>
-                  <a:schemeClr val="tx1"/>
-                </a:solidFill>
-                <a:latin typeface="Verdana" pitchFamily="34" charset="0"/>
-                <a:ea typeface="Verdana" pitchFamily="34" charset="0"/>
-                <a:cs typeface="Verdana" pitchFamily="34" charset="0"/>
-              </a:defRPr>
-            </a:lvl4pPr>
-            <a:lvl5pPr marL="1350000" indent="-270000" algn="l" defTabSz="914400" rtl="0" eaLnBrk="1" latinLnBrk="0" hangingPunct="1">
-              <a:spcBef>
-                <a:spcPct val="20000"/>
-              </a:spcBef>
-              <a:buClr>
-                <a:schemeClr val="tx2"/>
-              </a:buClr>
-              <a:buFont typeface="Arial" pitchFamily="34" charset="0"/>
-              <a:buChar char="»"/>
-              <a:defRPr sz="1600" kern="1200">
-                <a:solidFill>
-                  <a:schemeClr val="tx1"/>
-                </a:solidFill>
-                <a:latin typeface="Verdana" pitchFamily="34" charset="0"/>
-                <a:ea typeface="Verdana" pitchFamily="34" charset="0"/>
-                <a:cs typeface="Verdana" pitchFamily="34" charset="0"/>
-              </a:defRPr>
-            </a:lvl5pPr>
-            <a:lvl6pPr marL="2514600" indent="-228600" algn="l" defTabSz="914400" rtl="0" eaLnBrk="1" latinLnBrk="0" hangingPunct="1">
-              <a:spcBef>
-                <a:spcPct val="20000"/>
-              </a:spcBef>
-              <a:buFont typeface="Arial" pitchFamily="34" charset="0"/>
-              <a:buChar char="•"/>
-              <a:defRPr sz="2000" kern="1200">
-                <a:solidFill>
-                  <a:schemeClr val="tx1"/>
-                </a:solidFill>
-                <a:latin typeface="+mn-lt"/>
-                <a:ea typeface="+mn-ea"/>
-                <a:cs typeface="+mn-cs"/>
-              </a:defRPr>
-            </a:lvl6pPr>
-            <a:lvl7pPr marL="2971800" indent="-228600" algn="l" defTabSz="914400" rtl="0" eaLnBrk="1" latinLnBrk="0" hangingPunct="1">
-              <a:spcBef>
-                <a:spcPct val="20000"/>
-              </a:spcBef>
-              <a:buFont typeface="Arial" pitchFamily="34" charset="0"/>
-              <a:buChar char="•"/>
-              <a:defRPr sz="2000" kern="1200">
-                <a:solidFill>
-                  <a:schemeClr val="tx1"/>
-                </a:solidFill>
-                <a:latin typeface="+mn-lt"/>
-                <a:ea typeface="+mn-ea"/>
-                <a:cs typeface="+mn-cs"/>
-              </a:defRPr>
-            </a:lvl7pPr>
-            <a:lvl8pPr marL="3429000" indent="-228600" algn="l" defTabSz="914400" rtl="0" eaLnBrk="1" latinLnBrk="0" hangingPunct="1">
-              <a:spcBef>
-                <a:spcPct val="20000"/>
-              </a:spcBef>
-              <a:buFont typeface="Arial" pitchFamily="34" charset="0"/>
-              <a:buChar char="•"/>
-              <a:defRPr sz="2000" kern="1200">
-                <a:solidFill>
-                  <a:schemeClr val="tx1"/>
-                </a:solidFill>
-                <a:latin typeface="+mn-lt"/>
-                <a:ea typeface="+mn-ea"/>
-                <a:cs typeface="+mn-cs"/>
-              </a:defRPr>
-            </a:lvl8pPr>
-            <a:lvl9pPr marL="3886200" indent="-228600" algn="l" defTabSz="914400" rtl="0" eaLnBrk="1" latinLnBrk="0" hangingPunct="1">
-              <a:spcBef>
-                <a:spcPct val="20000"/>
-              </a:spcBef>
-              <a:buFont typeface="Arial" pitchFamily="34" charset="0"/>
-              <a:buChar char="•"/>
-              <a:defRPr sz="2000" kern="1200">
-                <a:solidFill>
-                  <a:schemeClr val="tx1"/>
-                </a:solidFill>
-                <a:latin typeface="+mn-lt"/>
-                <a:ea typeface="+mn-ea"/>
-                <a:cs typeface="+mn-cs"/>
-              </a:defRPr>
-            </a:lvl9pPr>
-          </a:lstStyle>
-          <a:p>
-            <a:pPr fontAlgn="auto">
-              <a:spcAft>
-                <a:spcPts val="0"/>
-              </a:spcAft>
-            </a:pPr>
-            <a:r>
-              <a:rPr lang="de-CH" dirty="0" smtClean="0"/>
-              <a:t>Fabrice (C#)</a:t>
-            </a:r>
-          </a:p>
-          <a:p>
-            <a:pPr lvl="1" fontAlgn="auto">
-              <a:spcAft>
-                <a:spcPts val="0"/>
-              </a:spcAft>
-            </a:pPr>
-            <a:r>
-              <a:rPr lang="de-CH" dirty="0" smtClean="0"/>
-              <a:t>Business  </a:t>
-            </a:r>
-            <a:r>
-              <a:rPr lang="de-CH" dirty="0" err="1" smtClean="0"/>
-              <a:t>Logic</a:t>
-            </a:r>
-            <a:endParaRPr lang="de-CH" dirty="0" smtClean="0"/>
-          </a:p>
-          <a:p>
-            <a:pPr lvl="2" fontAlgn="auto">
-              <a:spcAft>
-                <a:spcPts val="0"/>
-              </a:spcAft>
-            </a:pPr>
-            <a:r>
-              <a:rPr lang="de-CH" dirty="0" err="1"/>
-              <a:t>Invader</a:t>
-            </a:r>
-            <a:r>
-              <a:rPr lang="de-CH" dirty="0"/>
-              <a:t> Movement</a:t>
-            </a:r>
-          </a:p>
-          <a:p>
-            <a:pPr lvl="2" fontAlgn="auto">
-              <a:spcAft>
-                <a:spcPts val="0"/>
-              </a:spcAft>
-            </a:pPr>
-            <a:r>
-              <a:rPr lang="de-CH" dirty="0" smtClean="0"/>
-              <a:t>Player </a:t>
-            </a:r>
-            <a:r>
-              <a:rPr lang="de-CH" dirty="0" err="1" smtClean="0"/>
-              <a:t>Logic</a:t>
-            </a:r>
-            <a:endParaRPr lang="de-CH" dirty="0" smtClean="0"/>
-          </a:p>
-          <a:p>
-            <a:pPr lvl="2" fontAlgn="auto">
-              <a:spcAft>
-                <a:spcPts val="0"/>
-              </a:spcAft>
-            </a:pPr>
-            <a:r>
-              <a:rPr lang="de-CH" dirty="0" err="1" smtClean="0"/>
-              <a:t>Invader</a:t>
-            </a:r>
-            <a:r>
-              <a:rPr lang="de-CH" dirty="0" smtClean="0"/>
-              <a:t> </a:t>
-            </a:r>
-            <a:r>
-              <a:rPr lang="de-CH" dirty="0" err="1" smtClean="0"/>
-              <a:t>Logic</a:t>
-            </a:r>
-            <a:endParaRPr lang="de-CH" dirty="0" smtClean="0"/>
-          </a:p>
-          <a:p>
-            <a:pPr lvl="2" fontAlgn="auto">
-              <a:spcAft>
-                <a:spcPts val="0"/>
-              </a:spcAft>
-            </a:pPr>
-            <a:r>
-              <a:rPr lang="de-CH" dirty="0" smtClean="0"/>
-              <a:t>Score, </a:t>
-            </a:r>
-            <a:r>
-              <a:rPr lang="de-CH" dirty="0" err="1" smtClean="0"/>
-              <a:t>Lives</a:t>
-            </a:r>
-            <a:r>
-              <a:rPr lang="de-CH" dirty="0" smtClean="0"/>
-              <a:t>, </a:t>
-            </a:r>
-            <a:r>
-              <a:rPr lang="de-CH" dirty="0" err="1" smtClean="0"/>
-              <a:t>Ammunition</a:t>
-            </a:r>
-            <a:r>
-              <a:rPr lang="de-CH" dirty="0" smtClean="0"/>
-              <a:t> </a:t>
-            </a:r>
-          </a:p>
-          <a:p>
-            <a:pPr lvl="1" fontAlgn="auto">
-              <a:spcAft>
-                <a:spcPts val="0"/>
-              </a:spcAft>
-            </a:pPr>
-            <a:r>
-              <a:rPr lang="de-CH" dirty="0" smtClean="0"/>
-              <a:t>GUI </a:t>
-            </a:r>
-            <a:r>
-              <a:rPr lang="de-CH" dirty="0" err="1" smtClean="0"/>
-              <a:t>Logic</a:t>
-            </a:r>
-            <a:endParaRPr lang="de-CH" dirty="0" smtClean="0"/>
-          </a:p>
-          <a:p>
-            <a:pPr lvl="2" fontAlgn="auto">
-              <a:spcAft>
-                <a:spcPts val="0"/>
-              </a:spcAft>
-            </a:pPr>
-            <a:r>
-              <a:rPr lang="de-CH" dirty="0" smtClean="0"/>
-              <a:t>Data </a:t>
-            </a:r>
-            <a:r>
-              <a:rPr lang="de-CH" dirty="0" err="1" smtClean="0"/>
-              <a:t>Bindings</a:t>
-            </a:r>
-            <a:endParaRPr lang="de-CH" dirty="0" smtClean="0"/>
-          </a:p>
-          <a:p>
-            <a:pPr lvl="1" fontAlgn="auto">
-              <a:spcAft>
-                <a:spcPts val="0"/>
-              </a:spcAft>
-            </a:pPr>
-            <a:endParaRPr lang="de-CH" dirty="0" smtClean="0"/>
-          </a:p>
-        </p:txBody>
-      </p:sp>
-    </p:spTree>
-    <p:extLst>
-      <p:ext uri="{BB962C8B-B14F-4D97-AF65-F5344CB8AC3E}">
-        <p14:creationId xmlns:p14="http://schemas.microsoft.com/office/powerpoint/2010/main" val="308731127"/>
-      </p:ext>
-    </p:extLst>
-  </p:cSld>
-  <p:clrMapOvr>
-    <a:masterClrMapping/>
-  </p:clrMapOvr>
+  <p:timing>
+    <p:tnLst>
+      <p:par>
+        <p:cTn id="1" dur="indefinite" restart="never" nodeType="tmRoot"/>
+      </p:par>
+    </p:tnLst>
+  </p:timing>
 </p:sld>
 </file>
 
@@ -9640,7 +9329,7 @@
           <a:graphicData uri="http://schemas.openxmlformats.org/presentationml/2006/ole">
             <mc:AlternateContent xmlns:mc="http://schemas.openxmlformats.org/markup-compatibility/2006">
               <mc:Choice xmlns:v="urn:schemas-microsoft-com:vml" Requires="v">
-                <p:oleObj spid="_x0000_s2072" name="think-cell Slide" r:id="rId5" imgW="270" imgH="270" progId="TCLayout.ActiveDocument.1">
+                <p:oleObj spid="_x0000_s2080" name="think-cell Slide" r:id="rId5" imgW="270" imgH="270" progId="TCLayout.ActiveDocument.1">
                   <p:embed/>
                 </p:oleObj>
               </mc:Choice>
@@ -10313,7 +10002,153 @@
       </p:grpSpPr>
       <p:sp>
         <p:nvSpPr>
-          <p:cNvPr id="2" name="Title 1"/>
+          <p:cNvPr id="2" name="Content Placeholder 1"/>
+          <p:cNvSpPr>
+            <a:spLocks noGrp="1"/>
+          </p:cNvSpPr>
+          <p:nvPr>
+            <p:ph idx="1"/>
+          </p:nvPr>
+        </p:nvSpPr>
+        <p:spPr>
+          <a:xfrm>
+            <a:off x="216488" y="1090800"/>
+            <a:ext cx="4382808" cy="3474900"/>
+          </a:xfrm>
+        </p:spPr>
+        <p:txBody>
+          <a:bodyPr/>
+          <a:lstStyle/>
+          <a:p>
+            <a:r>
+              <a:rPr lang="de-CH" dirty="0" smtClean="0"/>
+              <a:t>Cassandra (</a:t>
+            </a:r>
+            <a:r>
+              <a:rPr lang="de-CH" dirty="0"/>
+              <a:t>C</a:t>
+            </a:r>
+            <a:r>
+              <a:rPr lang="de-CH" dirty="0" smtClean="0"/>
+              <a:t>#)</a:t>
+            </a:r>
+          </a:p>
+          <a:p>
+            <a:pPr lvl="1"/>
+            <a:r>
+              <a:rPr lang="de-CH" dirty="0" err="1" smtClean="0"/>
+              <a:t>UseCases</a:t>
+            </a:r>
+            <a:r>
+              <a:rPr lang="de-CH" dirty="0" smtClean="0"/>
+              <a:t>  definiert</a:t>
+            </a:r>
+          </a:p>
+          <a:p>
+            <a:pPr lvl="1"/>
+            <a:r>
+              <a:rPr lang="de-CH" dirty="0" smtClean="0"/>
+              <a:t>GUI Design erstellen</a:t>
+            </a:r>
+          </a:p>
+          <a:p>
+            <a:pPr lvl="1"/>
+            <a:r>
+              <a:rPr lang="de-CH" dirty="0" smtClean="0"/>
+              <a:t>GUI </a:t>
+            </a:r>
+            <a:r>
+              <a:rPr lang="de-CH" dirty="0" err="1" smtClean="0"/>
+              <a:t>Logic</a:t>
+            </a:r>
+            <a:endParaRPr lang="de-CH" dirty="0" smtClean="0"/>
+          </a:p>
+          <a:p>
+            <a:pPr lvl="2"/>
+            <a:r>
+              <a:rPr lang="de-CH" dirty="0" smtClean="0"/>
+              <a:t>Buttons</a:t>
+            </a:r>
+          </a:p>
+          <a:p>
+            <a:pPr lvl="1"/>
+            <a:r>
+              <a:rPr lang="de-CH" dirty="0" err="1" smtClean="0"/>
+              <a:t>Refactoring</a:t>
+            </a:r>
+            <a:r>
+              <a:rPr lang="de-CH" dirty="0" smtClean="0"/>
+              <a:t>	</a:t>
+            </a:r>
+          </a:p>
+          <a:p>
+            <a:pPr lvl="1"/>
+            <a:r>
+              <a:rPr lang="de-CH" dirty="0" smtClean="0"/>
+              <a:t>Business </a:t>
+            </a:r>
+            <a:r>
+              <a:rPr lang="de-CH" dirty="0" err="1" smtClean="0"/>
+              <a:t>Logic</a:t>
+            </a:r>
+            <a:endParaRPr lang="de-CH" dirty="0" smtClean="0"/>
+          </a:p>
+          <a:p>
+            <a:pPr lvl="2"/>
+            <a:r>
+              <a:rPr lang="de-CH" dirty="0"/>
+              <a:t>Player </a:t>
+            </a:r>
+            <a:r>
+              <a:rPr lang="de-CH" dirty="0" smtClean="0"/>
+              <a:t>Movement</a:t>
+            </a:r>
+          </a:p>
+          <a:p>
+            <a:pPr lvl="2"/>
+            <a:endParaRPr lang="de-CH" dirty="0"/>
+          </a:p>
+          <a:p>
+            <a:pPr lvl="1"/>
+            <a:endParaRPr lang="de-CH" dirty="0" smtClean="0"/>
+          </a:p>
+        </p:txBody>
+      </p:sp>
+      <p:sp>
+        <p:nvSpPr>
+          <p:cNvPr id="3" name="Slide Number Placeholder 2"/>
+          <p:cNvSpPr>
+            <a:spLocks noGrp="1"/>
+          </p:cNvSpPr>
+          <p:nvPr>
+            <p:ph type="sldNum" sz="quarter" idx="4"/>
+          </p:nvPr>
+        </p:nvSpPr>
+        <p:spPr/>
+        <p:txBody>
+          <a:bodyPr/>
+          <a:lstStyle/>
+          <a:p>
+            <a:fld id="{DAF489CC-3B7A-4DA5-A8C0-4984788D0EC5}" type="slidenum">
+              <a:rPr lang="nl-NL" smtClean="0">
+                <a:solidFill>
+                  <a:prstClr val="black"/>
+                </a:solidFill>
+              </a:rPr>
+              <a:pPr/>
+              <a:t>20</a:t>
+            </a:fld>
+            <a:endParaRPr lang="nl-NL" dirty="0">
+              <a:solidFill>
+                <a:prstClr val="black"/>
+              </a:solidFill>
+            </a:endParaRPr>
+          </a:p>
+        </p:txBody>
+      </p:sp>
+      <p:sp>
+        <p:nvSpPr>
+          <p:cNvPr id="4" name="Title 3"/>
           <p:cNvSpPr>
             <a:spLocks noGrp="1"/>
           </p:cNvSpPr>
@@ -10328,16 +10163,336 @@
           <a:p>
             <a:r>
               <a:rPr lang="de-CH" dirty="0" smtClean="0"/>
-              <a:t>Demo</a:t>
+              <a:t>Aufgabenaufteilung</a:t>
             </a:r>
             <a:endParaRPr lang="de-CH" dirty="0"/>
+          </a:p>
+        </p:txBody>
+      </p:sp>
+      <p:sp>
+        <p:nvSpPr>
+          <p:cNvPr id="5" name="Content Placeholder 1"/>
+          <p:cNvSpPr txBox="1">
+            <a:spLocks/>
+          </p:cNvSpPr>
+          <p:nvPr/>
+        </p:nvSpPr>
+        <p:spPr>
+          <a:xfrm>
+            <a:off x="4581680" y="1090800"/>
+            <a:ext cx="4382808" cy="3474900"/>
+          </a:xfrm>
+          <a:prstGeom prst="rect">
+            <a:avLst/>
+          </a:prstGeom>
+        </p:spPr>
+        <p:txBody>
+          <a:bodyPr vert="horz" lIns="91440" tIns="45720" rIns="91440" bIns="45720" rtlCol="0">
+            <a:noAutofit/>
+          </a:bodyPr>
+          <a:lstStyle>
+            <a:lvl1pPr marL="270000" indent="-270000" algn="l" defTabSz="914400" rtl="0" eaLnBrk="1" latinLnBrk="0" hangingPunct="1">
+              <a:spcBef>
+                <a:spcPct val="20000"/>
+              </a:spcBef>
+              <a:buClr>
+                <a:schemeClr val="tx2"/>
+              </a:buClr>
+              <a:buFont typeface="Lucida Sans Unicode" pitchFamily="34" charset="0"/>
+              <a:buChar char="▶"/>
+              <a:defRPr sz="1600" kern="1200" baseline="0">
+                <a:solidFill>
+                  <a:schemeClr val="tx1"/>
+                </a:solidFill>
+                <a:latin typeface="Verdana" pitchFamily="34" charset="0"/>
+                <a:ea typeface="Verdana" pitchFamily="34" charset="0"/>
+                <a:cs typeface="Verdana" pitchFamily="34" charset="0"/>
+              </a:defRPr>
+            </a:lvl1pPr>
+            <a:lvl2pPr marL="540000" indent="-270000" algn="l" defTabSz="914400" rtl="0" eaLnBrk="1" latinLnBrk="0" hangingPunct="1">
+              <a:spcBef>
+                <a:spcPts val="384"/>
+              </a:spcBef>
+              <a:buClr>
+                <a:schemeClr val="tx2"/>
+              </a:buClr>
+              <a:buFont typeface="Arial" pitchFamily="34" charset="0"/>
+              <a:buChar char="–"/>
+              <a:defRPr sz="1600" kern="1200" baseline="0">
+                <a:solidFill>
+                  <a:schemeClr val="tx1"/>
+                </a:solidFill>
+                <a:latin typeface="Verdana" pitchFamily="34" charset="0"/>
+                <a:ea typeface="Verdana" pitchFamily="34" charset="0"/>
+                <a:cs typeface="Verdana" pitchFamily="34" charset="0"/>
+              </a:defRPr>
+            </a:lvl2pPr>
+            <a:lvl3pPr marL="810000" indent="-270000" algn="l" defTabSz="914400" rtl="0" eaLnBrk="1" latinLnBrk="0" hangingPunct="1">
+              <a:spcBef>
+                <a:spcPct val="20000"/>
+              </a:spcBef>
+              <a:buClr>
+                <a:schemeClr val="tx2"/>
+              </a:buClr>
+              <a:buFont typeface="Arial" pitchFamily="34" charset="0"/>
+              <a:buChar char="•"/>
+              <a:defRPr sz="1600" kern="1200">
+                <a:solidFill>
+                  <a:schemeClr val="tx1"/>
+                </a:solidFill>
+                <a:latin typeface="Verdana" pitchFamily="34" charset="0"/>
+                <a:ea typeface="Verdana" pitchFamily="34" charset="0"/>
+                <a:cs typeface="Verdana" pitchFamily="34" charset="0"/>
+              </a:defRPr>
+            </a:lvl3pPr>
+            <a:lvl4pPr marL="1080000" indent="-270000" algn="l" defTabSz="914400" rtl="0" eaLnBrk="1" latinLnBrk="0" hangingPunct="1">
+              <a:spcBef>
+                <a:spcPct val="20000"/>
+              </a:spcBef>
+              <a:buClr>
+                <a:schemeClr val="tx2"/>
+              </a:buClr>
+              <a:buFont typeface="Arial" pitchFamily="34" charset="0"/>
+              <a:buChar char="–"/>
+              <a:defRPr sz="1600" kern="1200" baseline="0">
+                <a:solidFill>
+                  <a:schemeClr val="tx1"/>
+                </a:solidFill>
+                <a:latin typeface="Verdana" pitchFamily="34" charset="0"/>
+                <a:ea typeface="Verdana" pitchFamily="34" charset="0"/>
+                <a:cs typeface="Verdana" pitchFamily="34" charset="0"/>
+              </a:defRPr>
+            </a:lvl4pPr>
+            <a:lvl5pPr marL="1350000" indent="-270000" algn="l" defTabSz="914400" rtl="0" eaLnBrk="1" latinLnBrk="0" hangingPunct="1">
+              <a:spcBef>
+                <a:spcPct val="20000"/>
+              </a:spcBef>
+              <a:buClr>
+                <a:schemeClr val="tx2"/>
+              </a:buClr>
+              <a:buFont typeface="Arial" pitchFamily="34" charset="0"/>
+              <a:buChar char="»"/>
+              <a:defRPr sz="1600" kern="1200">
+                <a:solidFill>
+                  <a:schemeClr val="tx1"/>
+                </a:solidFill>
+                <a:latin typeface="Verdana" pitchFamily="34" charset="0"/>
+                <a:ea typeface="Verdana" pitchFamily="34" charset="0"/>
+                <a:cs typeface="Verdana" pitchFamily="34" charset="0"/>
+              </a:defRPr>
+            </a:lvl5pPr>
+            <a:lvl6pPr marL="2514600" indent="-228600" algn="l" defTabSz="914400" rtl="0" eaLnBrk="1" latinLnBrk="0" hangingPunct="1">
+              <a:spcBef>
+                <a:spcPct val="20000"/>
+              </a:spcBef>
+              <a:buFont typeface="Arial" pitchFamily="34" charset="0"/>
+              <a:buChar char="•"/>
+              <a:defRPr sz="2000" kern="1200">
+                <a:solidFill>
+                  <a:schemeClr val="tx1"/>
+                </a:solidFill>
+                <a:latin typeface="+mn-lt"/>
+                <a:ea typeface="+mn-ea"/>
+                <a:cs typeface="+mn-cs"/>
+              </a:defRPr>
+            </a:lvl6pPr>
+            <a:lvl7pPr marL="2971800" indent="-228600" algn="l" defTabSz="914400" rtl="0" eaLnBrk="1" latinLnBrk="0" hangingPunct="1">
+              <a:spcBef>
+                <a:spcPct val="20000"/>
+              </a:spcBef>
+              <a:buFont typeface="Arial" pitchFamily="34" charset="0"/>
+              <a:buChar char="•"/>
+              <a:defRPr sz="2000" kern="1200">
+                <a:solidFill>
+                  <a:schemeClr val="tx1"/>
+                </a:solidFill>
+                <a:latin typeface="+mn-lt"/>
+                <a:ea typeface="+mn-ea"/>
+                <a:cs typeface="+mn-cs"/>
+              </a:defRPr>
+            </a:lvl7pPr>
+            <a:lvl8pPr marL="3429000" indent="-228600" algn="l" defTabSz="914400" rtl="0" eaLnBrk="1" latinLnBrk="0" hangingPunct="1">
+              <a:spcBef>
+                <a:spcPct val="20000"/>
+              </a:spcBef>
+              <a:buFont typeface="Arial" pitchFamily="34" charset="0"/>
+              <a:buChar char="•"/>
+              <a:defRPr sz="2000" kern="1200">
+                <a:solidFill>
+                  <a:schemeClr val="tx1"/>
+                </a:solidFill>
+                <a:latin typeface="+mn-lt"/>
+                <a:ea typeface="+mn-ea"/>
+                <a:cs typeface="+mn-cs"/>
+              </a:defRPr>
+            </a:lvl8pPr>
+            <a:lvl9pPr marL="3886200" indent="-228600" algn="l" defTabSz="914400" rtl="0" eaLnBrk="1" latinLnBrk="0" hangingPunct="1">
+              <a:spcBef>
+                <a:spcPct val="20000"/>
+              </a:spcBef>
+              <a:buFont typeface="Arial" pitchFamily="34" charset="0"/>
+              <a:buChar char="•"/>
+              <a:defRPr sz="2000" kern="1200">
+                <a:solidFill>
+                  <a:schemeClr val="tx1"/>
+                </a:solidFill>
+                <a:latin typeface="+mn-lt"/>
+                <a:ea typeface="+mn-ea"/>
+                <a:cs typeface="+mn-cs"/>
+              </a:defRPr>
+            </a:lvl9pPr>
+          </a:lstStyle>
+          <a:p>
+            <a:pPr fontAlgn="auto">
+              <a:spcAft>
+                <a:spcPts val="0"/>
+              </a:spcAft>
+            </a:pPr>
+            <a:r>
+              <a:rPr lang="de-CH" dirty="0" smtClean="0"/>
+              <a:t>Fabrice (C#)</a:t>
+            </a:r>
+          </a:p>
+          <a:p>
+            <a:pPr lvl="1" fontAlgn="auto">
+              <a:spcAft>
+                <a:spcPts val="0"/>
+              </a:spcAft>
+            </a:pPr>
+            <a:r>
+              <a:rPr lang="de-CH" dirty="0" smtClean="0"/>
+              <a:t>Business  </a:t>
+            </a:r>
+            <a:r>
+              <a:rPr lang="de-CH" dirty="0" err="1" smtClean="0"/>
+              <a:t>Logic</a:t>
+            </a:r>
+            <a:endParaRPr lang="de-CH" dirty="0" smtClean="0"/>
+          </a:p>
+          <a:p>
+            <a:pPr lvl="2" fontAlgn="auto">
+              <a:spcAft>
+                <a:spcPts val="0"/>
+              </a:spcAft>
+            </a:pPr>
+            <a:r>
+              <a:rPr lang="de-CH" dirty="0" err="1"/>
+              <a:t>Invader</a:t>
+            </a:r>
+            <a:r>
+              <a:rPr lang="de-CH" dirty="0"/>
+              <a:t> Movement</a:t>
+            </a:r>
+          </a:p>
+          <a:p>
+            <a:pPr lvl="2" fontAlgn="auto">
+              <a:spcAft>
+                <a:spcPts val="0"/>
+              </a:spcAft>
+            </a:pPr>
+            <a:r>
+              <a:rPr lang="de-CH" dirty="0" smtClean="0"/>
+              <a:t>Player </a:t>
+            </a:r>
+            <a:r>
+              <a:rPr lang="de-CH" dirty="0" err="1" smtClean="0"/>
+              <a:t>Logic</a:t>
+            </a:r>
+            <a:endParaRPr lang="de-CH" dirty="0" smtClean="0"/>
+          </a:p>
+          <a:p>
+            <a:pPr lvl="2" fontAlgn="auto">
+              <a:spcAft>
+                <a:spcPts val="0"/>
+              </a:spcAft>
+            </a:pPr>
+            <a:r>
+              <a:rPr lang="de-CH" dirty="0" err="1" smtClean="0"/>
+              <a:t>Invader</a:t>
+            </a:r>
+            <a:r>
+              <a:rPr lang="de-CH" dirty="0" smtClean="0"/>
+              <a:t> </a:t>
+            </a:r>
+            <a:r>
+              <a:rPr lang="de-CH" dirty="0" err="1" smtClean="0"/>
+              <a:t>Logic</a:t>
+            </a:r>
+            <a:endParaRPr lang="de-CH" dirty="0" smtClean="0"/>
+          </a:p>
+          <a:p>
+            <a:pPr lvl="2" fontAlgn="auto">
+              <a:spcAft>
+                <a:spcPts val="0"/>
+              </a:spcAft>
+            </a:pPr>
+            <a:r>
+              <a:rPr lang="de-CH" dirty="0" smtClean="0"/>
+              <a:t>Score, </a:t>
+            </a:r>
+            <a:r>
+              <a:rPr lang="de-CH" dirty="0" err="1" smtClean="0"/>
+              <a:t>Lives</a:t>
+            </a:r>
+            <a:r>
+              <a:rPr lang="de-CH" dirty="0" smtClean="0"/>
+              <a:t>, </a:t>
+            </a:r>
+            <a:r>
+              <a:rPr lang="de-CH" dirty="0" err="1" smtClean="0"/>
+              <a:t>Ammunition</a:t>
+            </a:r>
+            <a:r>
+              <a:rPr lang="de-CH" dirty="0" smtClean="0"/>
+              <a:t> </a:t>
+            </a:r>
+          </a:p>
+          <a:p>
+            <a:pPr lvl="1" fontAlgn="auto">
+              <a:spcAft>
+                <a:spcPts val="0"/>
+              </a:spcAft>
+            </a:pPr>
+            <a:r>
+              <a:rPr lang="de-CH" dirty="0" smtClean="0"/>
+              <a:t>GUI </a:t>
+            </a:r>
+            <a:r>
+              <a:rPr lang="de-CH" dirty="0" err="1" smtClean="0"/>
+              <a:t>Logic</a:t>
+            </a:r>
+            <a:endParaRPr lang="de-CH" dirty="0" smtClean="0"/>
+          </a:p>
+          <a:p>
+            <a:pPr lvl="2" fontAlgn="auto">
+              <a:spcAft>
+                <a:spcPts val="0"/>
+              </a:spcAft>
+            </a:pPr>
+            <a:r>
+              <a:rPr lang="de-CH" dirty="0" smtClean="0"/>
+              <a:t>Data </a:t>
+            </a:r>
+            <a:r>
+              <a:rPr lang="de-CH" dirty="0" err="1" smtClean="0"/>
+              <a:t>Bindings</a:t>
+            </a:r>
+            <a:endParaRPr lang="de-CH" dirty="0" smtClean="0"/>
+          </a:p>
+          <a:p>
+            <a:pPr lvl="1" fontAlgn="auto">
+              <a:spcAft>
+                <a:spcPts val="0"/>
+              </a:spcAft>
+            </a:pPr>
+            <a:endParaRPr lang="de-CH" dirty="0" smtClean="0"/>
           </a:p>
         </p:txBody>
       </p:sp>
     </p:spTree>
     <p:extLst>
       <p:ext uri="{BB962C8B-B14F-4D97-AF65-F5344CB8AC3E}">
-        <p14:creationId xmlns:p14="http://schemas.microsoft.com/office/powerpoint/2010/main" val="3495553038"/>
+        <p14:creationId xmlns:p14="http://schemas.microsoft.com/office/powerpoint/2010/main" val="308731127"/>
       </p:ext>
     </p:extLst>
   </p:cSld>
@@ -10373,6 +10528,66 @@
       </p:grpSpPr>
       <p:sp>
         <p:nvSpPr>
+          <p:cNvPr id="2" name="Title 1"/>
+          <p:cNvSpPr>
+            <a:spLocks noGrp="1"/>
+          </p:cNvSpPr>
+          <p:nvPr>
+            <p:ph type="title"/>
+          </p:nvPr>
+        </p:nvSpPr>
+        <p:spPr/>
+        <p:txBody>
+          <a:bodyPr/>
+          <a:lstStyle/>
+          <a:p>
+            <a:r>
+              <a:rPr lang="de-CH" dirty="0" smtClean="0"/>
+              <a:t>Demo</a:t>
+            </a:r>
+            <a:endParaRPr lang="de-CH" dirty="0"/>
+          </a:p>
+        </p:txBody>
+      </p:sp>
+    </p:spTree>
+    <p:extLst>
+      <p:ext uri="{BB962C8B-B14F-4D97-AF65-F5344CB8AC3E}">
+        <p14:creationId xmlns:p14="http://schemas.microsoft.com/office/powerpoint/2010/main" val="3495553038"/>
+      </p:ext>
+    </p:extLst>
+  </p:cSld>
+  <p:clrMapOvr>
+    <a:masterClrMapping/>
+  </p:clrMapOvr>
+  <p:timing>
+    <p:tnLst>
+      <p:par>
+        <p:cTn id="1" dur="indefinite" restart="never" nodeType="tmRoot"/>
+      </p:par>
+    </p:tnLst>
+  </p:timing>
+</p:sld>
+</file>
+
+<file path=ppt/slides/slide22.xml><?xml version="1.0" encoding="utf-8"?>
+<p:sld xmlns:a="http://schemas.openxmlformats.org/drawingml/2006/main" xmlns:r="http://schemas.openxmlformats.org/officeDocument/2006/relationships" xmlns:p="http://schemas.openxmlformats.org/presentationml/2006/main">
+  <p:cSld>
+    <p:spTree>
+      <p:nvGrpSpPr>
+        <p:cNvPr id="1" name=""/>
+        <p:cNvGrpSpPr/>
+        <p:nvPr/>
+      </p:nvGrpSpPr>
+      <p:grpSpPr>
+        <a:xfrm>
+          <a:off x="0" y="0"/>
+          <a:ext cx="0" cy="0"/>
+          <a:chOff x="0" y="0"/>
+          <a:chExt cx="0" cy="0"/>
+        </a:xfrm>
+      </p:grpSpPr>
+      <p:sp>
+        <p:nvSpPr>
           <p:cNvPr id="3" name="Slide Number Placeholder 2"/>
           <p:cNvSpPr>
             <a:spLocks noGrp="1"/>
@@ -10393,7 +10608,7 @@
                 </a:solidFill>
               </a:rPr>
               <a:pPr/>
-              <a:t>21</a:t>
+              <a:t>22</a:t>
             </a:fld>
             <a:endParaRPr lang="nl-NL" dirty="0">
               <a:solidFill>
@@ -10500,7 +10715,7 @@
 </p:sld>
 </file>
 
-<file path=ppt/slides/slide22.xml><?xml version="1.0" encoding="utf-8"?>
+<file path=ppt/slides/slide23.xml><?xml version="1.0" encoding="utf-8"?>
 <p:sld xmlns:a="http://schemas.openxmlformats.org/drawingml/2006/main" xmlns:r="http://schemas.openxmlformats.org/officeDocument/2006/relationships" xmlns:p="http://schemas.openxmlformats.org/presentationml/2006/main">
   <p:cSld>
     <p:spTree>
@@ -10560,326 +10775,7 @@
 </p:sld>
 </file>
 
-<file path=ppt/slides/slide23.xml><?xml version="1.0" encoding="utf-8"?>
-<p:sld xmlns:a="http://schemas.openxmlformats.org/drawingml/2006/main" xmlns:r="http://schemas.openxmlformats.org/officeDocument/2006/relationships" xmlns:p="http://schemas.openxmlformats.org/presentationml/2006/main">
-  <p:cSld>
-    <p:spTree>
-      <p:nvGrpSpPr>
-        <p:cNvPr id="1" name=""/>
-        <p:cNvGrpSpPr/>
-        <p:nvPr/>
-      </p:nvGrpSpPr>
-      <p:grpSpPr>
-        <a:xfrm>
-          <a:off x="0" y="0"/>
-          <a:ext cx="0" cy="0"/>
-          <a:chOff x="0" y="0"/>
-          <a:chExt cx="0" cy="0"/>
-        </a:xfrm>
-      </p:grpSpPr>
-      <p:sp>
-        <p:nvSpPr>
-          <p:cNvPr id="2" name="Content Placeholder 1"/>
-          <p:cNvSpPr>
-            <a:spLocks noGrp="1"/>
-          </p:cNvSpPr>
-          <p:nvPr>
-            <p:ph idx="1"/>
-          </p:nvPr>
-        </p:nvSpPr>
-        <p:spPr/>
-        <p:txBody>
-          <a:bodyPr/>
-          <a:lstStyle/>
-          <a:p>
-            <a:endParaRPr lang="de-CH"/>
-          </a:p>
-        </p:txBody>
-      </p:sp>
-      <p:sp>
-        <p:nvSpPr>
-          <p:cNvPr id="3" name="Slide Number Placeholder 2"/>
-          <p:cNvSpPr>
-            <a:spLocks noGrp="1"/>
-          </p:cNvSpPr>
-          <p:nvPr>
-            <p:ph type="sldNum" sz="quarter" idx="4"/>
-          </p:nvPr>
-        </p:nvSpPr>
-        <p:spPr/>
-        <p:txBody>
-          <a:bodyPr/>
-          <a:lstStyle/>
-          <a:p>
-            <a:fld id="{DAF489CC-3B7A-4DA5-A8C0-4984788D0EC5}" type="slidenum">
-              <a:rPr lang="nl-NL" smtClean="0">
-                <a:solidFill>
-                  <a:prstClr val="black"/>
-                </a:solidFill>
-              </a:rPr>
-              <a:pPr/>
-              <a:t>23</a:t>
-            </a:fld>
-            <a:endParaRPr lang="nl-NL" dirty="0">
-              <a:solidFill>
-                <a:prstClr val="black"/>
-              </a:solidFill>
-            </a:endParaRPr>
-          </a:p>
-        </p:txBody>
-      </p:sp>
-      <p:sp>
-        <p:nvSpPr>
-          <p:cNvPr id="4" name="Title 3"/>
-          <p:cNvSpPr>
-            <a:spLocks noGrp="1"/>
-          </p:cNvSpPr>
-          <p:nvPr>
-            <p:ph type="title"/>
-          </p:nvPr>
-        </p:nvSpPr>
-        <p:spPr/>
-        <p:txBody>
-          <a:bodyPr/>
-          <a:lstStyle/>
-          <a:p>
-            <a:r>
-              <a:rPr lang="de-CH" dirty="0" smtClean="0"/>
-              <a:t>Rückblick auf Spiel</a:t>
-            </a:r>
-            <a:endParaRPr lang="de-CH" dirty="0"/>
-          </a:p>
-        </p:txBody>
-      </p:sp>
-    </p:spTree>
-    <p:extLst>
-      <p:ext uri="{BB962C8B-B14F-4D97-AF65-F5344CB8AC3E}">
-        <p14:creationId xmlns:p14="http://schemas.microsoft.com/office/powerpoint/2010/main" val="1700663537"/>
-      </p:ext>
-    </p:extLst>
-  </p:cSld>
-  <p:clrMapOvr>
-    <a:masterClrMapping/>
-  </p:clrMapOvr>
-</p:sld>
-</file>
-
 <file path=ppt/slides/slide24.xml><?xml version="1.0" encoding="utf-8"?>
-<p:sld xmlns:a="http://schemas.openxmlformats.org/drawingml/2006/main" xmlns:r="http://schemas.openxmlformats.org/officeDocument/2006/relationships" xmlns:p="http://schemas.openxmlformats.org/presentationml/2006/main">
-  <p:cSld>
-    <p:spTree>
-      <p:nvGrpSpPr>
-        <p:cNvPr id="1" name=""/>
-        <p:cNvGrpSpPr/>
-        <p:nvPr/>
-      </p:nvGrpSpPr>
-      <p:grpSpPr>
-        <a:xfrm>
-          <a:off x="0" y="0"/>
-          <a:ext cx="0" cy="0"/>
-          <a:chOff x="0" y="0"/>
-          <a:chExt cx="0" cy="0"/>
-        </a:xfrm>
-      </p:grpSpPr>
-      <p:sp>
-        <p:nvSpPr>
-          <p:cNvPr id="2" name="Content Placeholder 1"/>
-          <p:cNvSpPr>
-            <a:spLocks noGrp="1"/>
-          </p:cNvSpPr>
-          <p:nvPr>
-            <p:ph idx="1"/>
-          </p:nvPr>
-        </p:nvSpPr>
-        <p:spPr/>
-        <p:txBody>
-          <a:bodyPr/>
-          <a:lstStyle/>
-          <a:p>
-            <a:endParaRPr lang="de-CH" dirty="0"/>
-          </a:p>
-        </p:txBody>
-      </p:sp>
-      <p:sp>
-        <p:nvSpPr>
-          <p:cNvPr id="3" name="Slide Number Placeholder 2"/>
-          <p:cNvSpPr>
-            <a:spLocks noGrp="1"/>
-          </p:cNvSpPr>
-          <p:nvPr>
-            <p:ph type="sldNum" sz="quarter" idx="4"/>
-          </p:nvPr>
-        </p:nvSpPr>
-        <p:spPr/>
-        <p:txBody>
-          <a:bodyPr/>
-          <a:lstStyle/>
-          <a:p>
-            <a:fld id="{DAF489CC-3B7A-4DA5-A8C0-4984788D0EC5}" type="slidenum">
-              <a:rPr lang="nl-NL" smtClean="0">
-                <a:solidFill>
-                  <a:prstClr val="black"/>
-                </a:solidFill>
-              </a:rPr>
-              <a:pPr/>
-              <a:t>24</a:t>
-            </a:fld>
-            <a:endParaRPr lang="nl-NL" dirty="0">
-              <a:solidFill>
-                <a:prstClr val="black"/>
-              </a:solidFill>
-            </a:endParaRPr>
-          </a:p>
-        </p:txBody>
-      </p:sp>
-      <p:sp>
-        <p:nvSpPr>
-          <p:cNvPr id="4" name="Title 3"/>
-          <p:cNvSpPr>
-            <a:spLocks noGrp="1"/>
-          </p:cNvSpPr>
-          <p:nvPr>
-            <p:ph type="title"/>
-          </p:nvPr>
-        </p:nvSpPr>
-        <p:spPr/>
-        <p:txBody>
-          <a:bodyPr/>
-          <a:lstStyle/>
-          <a:p>
-            <a:r>
-              <a:rPr lang="de-CH" dirty="0" smtClean="0"/>
-              <a:t>Was gut lief</a:t>
-            </a:r>
-            <a:endParaRPr lang="de-CH" dirty="0"/>
-          </a:p>
-        </p:txBody>
-      </p:sp>
-    </p:spTree>
-    <p:extLst>
-      <p:ext uri="{BB962C8B-B14F-4D97-AF65-F5344CB8AC3E}">
-        <p14:creationId xmlns:p14="http://schemas.microsoft.com/office/powerpoint/2010/main" val="1313184122"/>
-      </p:ext>
-    </p:extLst>
-  </p:cSld>
-  <p:clrMapOvr>
-    <a:masterClrMapping/>
-  </p:clrMapOvr>
-  <p:timing>
-    <p:tnLst>
-      <p:par>
-        <p:cTn id="1" dur="indefinite" restart="never" nodeType="tmRoot"/>
-      </p:par>
-    </p:tnLst>
-  </p:timing>
-</p:sld>
-</file>
-
-<file path=ppt/slides/slide25.xml><?xml version="1.0" encoding="utf-8"?>
-<p:sld xmlns:a="http://schemas.openxmlformats.org/drawingml/2006/main" xmlns:r="http://schemas.openxmlformats.org/officeDocument/2006/relationships" xmlns:p="http://schemas.openxmlformats.org/presentationml/2006/main">
-  <p:cSld>
-    <p:spTree>
-      <p:nvGrpSpPr>
-        <p:cNvPr id="1" name=""/>
-        <p:cNvGrpSpPr/>
-        <p:nvPr/>
-      </p:nvGrpSpPr>
-      <p:grpSpPr>
-        <a:xfrm>
-          <a:off x="0" y="0"/>
-          <a:ext cx="0" cy="0"/>
-          <a:chOff x="0" y="0"/>
-          <a:chExt cx="0" cy="0"/>
-        </a:xfrm>
-      </p:grpSpPr>
-      <p:sp>
-        <p:nvSpPr>
-          <p:cNvPr id="2" name="Content Placeholder 1"/>
-          <p:cNvSpPr>
-            <a:spLocks noGrp="1"/>
-          </p:cNvSpPr>
-          <p:nvPr>
-            <p:ph idx="1"/>
-          </p:nvPr>
-        </p:nvSpPr>
-        <p:spPr/>
-        <p:txBody>
-          <a:bodyPr/>
-          <a:lstStyle/>
-          <a:p>
-            <a:endParaRPr lang="de-CH"/>
-          </a:p>
-        </p:txBody>
-      </p:sp>
-      <p:sp>
-        <p:nvSpPr>
-          <p:cNvPr id="3" name="Slide Number Placeholder 2"/>
-          <p:cNvSpPr>
-            <a:spLocks noGrp="1"/>
-          </p:cNvSpPr>
-          <p:nvPr>
-            <p:ph type="sldNum" sz="quarter" idx="4"/>
-          </p:nvPr>
-        </p:nvSpPr>
-        <p:spPr/>
-        <p:txBody>
-          <a:bodyPr/>
-          <a:lstStyle/>
-          <a:p>
-            <a:fld id="{DAF489CC-3B7A-4DA5-A8C0-4984788D0EC5}" type="slidenum">
-              <a:rPr lang="nl-NL" smtClean="0">
-                <a:solidFill>
-                  <a:prstClr val="black"/>
-                </a:solidFill>
-              </a:rPr>
-              <a:pPr/>
-              <a:t>25</a:t>
-            </a:fld>
-            <a:endParaRPr lang="nl-NL" dirty="0">
-              <a:solidFill>
-                <a:prstClr val="black"/>
-              </a:solidFill>
-            </a:endParaRPr>
-          </a:p>
-        </p:txBody>
-      </p:sp>
-      <p:sp>
-        <p:nvSpPr>
-          <p:cNvPr id="4" name="Title 3"/>
-          <p:cNvSpPr>
-            <a:spLocks noGrp="1"/>
-          </p:cNvSpPr>
-          <p:nvPr>
-            <p:ph type="title"/>
-          </p:nvPr>
-        </p:nvSpPr>
-        <p:spPr/>
-        <p:txBody>
-          <a:bodyPr/>
-          <a:lstStyle/>
-          <a:p>
-            <a:r>
-              <a:rPr lang="de-CH" dirty="0" smtClean="0"/>
-              <a:t>Was wir besser machen könnten</a:t>
-            </a:r>
-            <a:endParaRPr lang="de-CH" dirty="0"/>
-          </a:p>
-        </p:txBody>
-      </p:sp>
-    </p:spTree>
-    <p:extLst>
-      <p:ext uri="{BB962C8B-B14F-4D97-AF65-F5344CB8AC3E}">
-        <p14:creationId xmlns:p14="http://schemas.microsoft.com/office/powerpoint/2010/main" val="1504529276"/>
-      </p:ext>
-    </p:extLst>
-  </p:cSld>
-  <p:clrMapOvr>
-    <a:masterClrMapping/>
-  </p:clrMapOvr>
-</p:sld>
-</file>
-
-<file path=ppt/slides/slide26.xml><?xml version="1.0" encoding="utf-8"?>
 <p:sld xmlns:a="http://schemas.openxmlformats.org/drawingml/2006/main" xmlns:r="http://schemas.openxmlformats.org/officeDocument/2006/relationships" xmlns:p="http://schemas.openxmlformats.org/presentationml/2006/main">
   <p:cSld>
     <p:spTree>
@@ -10929,6 +10825,13 @@
   <p:clrMapOvr>
     <a:masterClrMapping/>
   </p:clrMapOvr>
+  <p:timing>
+    <p:tnLst>
+      <p:par>
+        <p:cTn id="1" dur="indefinite" restart="never" nodeType="tmRoot"/>
+      </p:par>
+    </p:tnLst>
+  </p:timing>
 </p:sld>
 </file>
 
@@ -11068,11 +10971,7 @@
             </a:r>
             <a:r>
               <a:rPr lang="de-CH" dirty="0" smtClean="0"/>
-              <a:t>-Cases und Testfälle </a:t>
-            </a:r>
-            <a:r>
-              <a:rPr lang="de-CH" dirty="0" smtClean="0"/>
-              <a:t>definieren</a:t>
+              <a:t>-Cases und Testfälle definieren</a:t>
             </a:r>
           </a:p>
           <a:p>
@@ -11081,7 +10980,6 @@
               <a:rPr lang="de-CH" dirty="0" smtClean="0"/>
               <a:t>Präsentation</a:t>
             </a:r>
-            <a:endParaRPr lang="de-CH" dirty="0" smtClean="0"/>
           </a:p>
           <a:p>
             <a:pPr lvl="1"/>
